--- a/Paper/tv_topo/JDSMC/figures/fifo.pptx
+++ b/Paper/tv_topo/JDSMC/figures/fifo.pptx
@@ -254,7 +254,7 @@
           <a:p>
             <a:fld id="{C19B0473-FC2E-AF41-B42D-4FCAC26A9EB6}" type="datetimeFigureOut">
               <a:rPr lang="en-US" smtClean="0"/>
-              <a:t>2/3/17</a:t>
+              <a:t>2/7/17</a:t>
             </a:fld>
             <a:endParaRPr lang="en-US"/>
           </a:p>
@@ -424,7 +424,7 @@
           <a:p>
             <a:fld id="{C19B0473-FC2E-AF41-B42D-4FCAC26A9EB6}" type="datetimeFigureOut">
               <a:rPr lang="en-US" smtClean="0"/>
-              <a:t>2/3/17</a:t>
+              <a:t>2/7/17</a:t>
             </a:fld>
             <a:endParaRPr lang="en-US"/>
           </a:p>
@@ -604,7 +604,7 @@
           <a:p>
             <a:fld id="{C19B0473-FC2E-AF41-B42D-4FCAC26A9EB6}" type="datetimeFigureOut">
               <a:rPr lang="en-US" smtClean="0"/>
-              <a:t>2/3/17</a:t>
+              <a:t>2/7/17</a:t>
             </a:fld>
             <a:endParaRPr lang="en-US"/>
           </a:p>
@@ -774,7 +774,7 @@
           <a:p>
             <a:fld id="{C19B0473-FC2E-AF41-B42D-4FCAC26A9EB6}" type="datetimeFigureOut">
               <a:rPr lang="en-US" smtClean="0"/>
-              <a:t>2/3/17</a:t>
+              <a:t>2/7/17</a:t>
             </a:fld>
             <a:endParaRPr lang="en-US"/>
           </a:p>
@@ -1018,7 +1018,7 @@
           <a:p>
             <a:fld id="{C19B0473-FC2E-AF41-B42D-4FCAC26A9EB6}" type="datetimeFigureOut">
               <a:rPr lang="en-US" smtClean="0"/>
-              <a:t>2/3/17</a:t>
+              <a:t>2/7/17</a:t>
             </a:fld>
             <a:endParaRPr lang="en-US"/>
           </a:p>
@@ -1250,7 +1250,7 @@
           <a:p>
             <a:fld id="{C19B0473-FC2E-AF41-B42D-4FCAC26A9EB6}" type="datetimeFigureOut">
               <a:rPr lang="en-US" smtClean="0"/>
-              <a:t>2/3/17</a:t>
+              <a:t>2/7/17</a:t>
             </a:fld>
             <a:endParaRPr lang="en-US"/>
           </a:p>
@@ -1617,7 +1617,7 @@
           <a:p>
             <a:fld id="{C19B0473-FC2E-AF41-B42D-4FCAC26A9EB6}" type="datetimeFigureOut">
               <a:rPr lang="en-US" smtClean="0"/>
-              <a:t>2/3/17</a:t>
+              <a:t>2/7/17</a:t>
             </a:fld>
             <a:endParaRPr lang="en-US"/>
           </a:p>
@@ -1735,7 +1735,7 @@
           <a:p>
             <a:fld id="{C19B0473-FC2E-AF41-B42D-4FCAC26A9EB6}" type="datetimeFigureOut">
               <a:rPr lang="en-US" smtClean="0"/>
-              <a:t>2/3/17</a:t>
+              <a:t>2/7/17</a:t>
             </a:fld>
             <a:endParaRPr lang="en-US"/>
           </a:p>
@@ -1830,7 +1830,7 @@
           <a:p>
             <a:fld id="{C19B0473-FC2E-AF41-B42D-4FCAC26A9EB6}" type="datetimeFigureOut">
               <a:rPr lang="en-US" smtClean="0"/>
-              <a:t>2/3/17</a:t>
+              <a:t>2/7/17</a:t>
             </a:fld>
             <a:endParaRPr lang="en-US"/>
           </a:p>
@@ -2107,7 +2107,7 @@
           <a:p>
             <a:fld id="{C19B0473-FC2E-AF41-B42D-4FCAC26A9EB6}" type="datetimeFigureOut">
               <a:rPr lang="en-US" smtClean="0"/>
-              <a:t>2/3/17</a:t>
+              <a:t>2/7/17</a:t>
             </a:fld>
             <a:endParaRPr lang="en-US"/>
           </a:p>
@@ -2364,7 +2364,7 @@
           <a:p>
             <a:fld id="{C19B0473-FC2E-AF41-B42D-4FCAC26A9EB6}" type="datetimeFigureOut">
               <a:rPr lang="en-US" smtClean="0"/>
-              <a:t>2/3/17</a:t>
+              <a:t>2/7/17</a:t>
             </a:fld>
             <a:endParaRPr lang="en-US"/>
           </a:p>
@@ -2577,7 +2577,7 @@
           <a:p>
             <a:fld id="{C19B0473-FC2E-AF41-B42D-4FCAC26A9EB6}" type="datetimeFigureOut">
               <a:rPr lang="en-US" smtClean="0"/>
-              <a:t>2/3/17</a:t>
+              <a:t>2/7/17</a:t>
             </a:fld>
             <a:endParaRPr lang="en-US"/>
           </a:p>
@@ -2991,14 +2991,14 @@
           <p:nvPr>
             <p:extLst>
               <p:ext uri="{D42A27DB-BD31-4B8C-83A1-F6EECF244321}">
-                <p14:modId xmlns:p14="http://schemas.microsoft.com/office/powerpoint/2010/main" val="778720680"/>
+                <p14:modId xmlns:p14="http://schemas.microsoft.com/office/powerpoint/2010/main" val="279905360"/>
               </p:ext>
             </p:extLst>
           </p:nvPr>
         </p:nvGraphicFramePr>
         <p:xfrm>
           <a:off x="1873957" y="656869"/>
-          <a:ext cx="1365954" cy="343472"/>
+          <a:ext cx="1920240" cy="457200"/>
         </p:xfrm>
         <a:graphic>
           <a:graphicData uri="http://schemas.openxmlformats.org/drawingml/2006/table">
@@ -3007,11 +3007,11 @@
                 <a:tableStyleId>{5C22544A-7EE6-4342-B048-85BDC9FD1C3A}</a:tableStyleId>
               </a:tblPr>
               <a:tblGrid>
-                <a:gridCol w="455318"/>
-                <a:gridCol w="455318"/>
-                <a:gridCol w="455318"/>
+                <a:gridCol w="640080"/>
+                <a:gridCol w="640080"/>
+                <a:gridCol w="640080"/>
               </a:tblGrid>
-              <a:tr h="280109">
+              <a:tr h="457200">
                 <a:tc>
                   <a:txBody>
                     <a:bodyPr/>
@@ -3032,7 +3032,7 @@
                     </a:p>
                   </a:txBody>
                   <a:tcPr marL="69151" marR="69151" marT="34576" marB="34576">
-                    <a:lnL w="12700" cap="flat" cmpd="sng" algn="ctr">
+                    <a:lnL w="28575" cap="flat" cmpd="sng" algn="ctr">
                       <a:solidFill>
                         <a:schemeClr val="tx1"/>
                       </a:solidFill>
@@ -3041,7 +3041,7 @@
                       <a:headEnd type="none" w="med" len="med"/>
                       <a:tailEnd type="none" w="med" len="med"/>
                     </a:lnL>
-                    <a:lnR w="12700" cap="flat" cmpd="sng" algn="ctr">
+                    <a:lnR w="28575" cap="flat" cmpd="sng" algn="ctr">
                       <a:solidFill>
                         <a:schemeClr val="tx1"/>
                       </a:solidFill>
@@ -3050,7 +3050,7 @@
                       <a:headEnd type="none" w="med" len="med"/>
                       <a:tailEnd type="none" w="med" len="med"/>
                     </a:lnR>
-                    <a:lnT w="12700" cap="flat" cmpd="sng" algn="ctr">
+                    <a:lnT w="28575" cap="flat" cmpd="sng" algn="ctr">
                       <a:solidFill>
                         <a:schemeClr val="tx1"/>
                       </a:solidFill>
@@ -3059,7 +3059,253 @@
                       <a:headEnd type="none" w="med" len="med"/>
                       <a:tailEnd type="none" w="med" len="med"/>
                     </a:lnT>
-                    <a:lnB w="12700" cap="flat" cmpd="sng" algn="ctr">
+                    <a:lnB w="28575" cap="flat" cmpd="sng" algn="ctr">
+                      <a:solidFill>
+                        <a:schemeClr val="tx1"/>
+                      </a:solidFill>
+                      <a:prstDash val="solid"/>
+                      <a:round/>
+                      <a:headEnd type="none" w="med" len="med"/>
+                      <a:tailEnd type="none" w="med" len="med"/>
+                    </a:lnB>
+                    <a:lnTlToBr w="12700" cmpd="sng">
+                      <a:noFill/>
+                      <a:prstDash val="solid"/>
+                    </a:lnTlToBr>
+                    <a:lnBlToTr w="12700" cmpd="sng">
+                      <a:noFill/>
+                      <a:prstDash val="solid"/>
+                    </a:lnBlToTr>
+                    <a:solidFill>
+                      <a:schemeClr val="bg1">
+                        <a:lumMod val="95000"/>
+                      </a:schemeClr>
+                    </a:solidFill>
+                  </a:tcPr>
+                </a:tc>
+                <a:tc>
+                  <a:txBody>
+                    <a:bodyPr/>
+                    <a:lstStyle/>
+                    <a:p>
+                      <a:pPr algn="ctr"/>
+                      <a:endParaRPr lang="en-US" sz="1800" dirty="0">
+                        <a:solidFill>
+                          <a:schemeClr val="bg1">
+                            <a:lumMod val="65000"/>
+                          </a:schemeClr>
+                        </a:solidFill>
+                        <a:latin typeface="Calibri" charset="0"/>
+                        <a:ea typeface="Calibri" charset="0"/>
+                        <a:cs typeface="Calibri" charset="0"/>
+                      </a:endParaRPr>
+                    </a:p>
+                  </a:txBody>
+                  <a:tcPr marL="69151" marR="69151" marT="34576" marB="34576">
+                    <a:lnL w="28575" cap="flat" cmpd="sng" algn="ctr">
+                      <a:solidFill>
+                        <a:schemeClr val="tx1"/>
+                      </a:solidFill>
+                      <a:prstDash val="solid"/>
+                      <a:round/>
+                      <a:headEnd type="none" w="med" len="med"/>
+                      <a:tailEnd type="none" w="med" len="med"/>
+                    </a:lnL>
+                    <a:lnR w="28575" cap="flat" cmpd="sng" algn="ctr">
+                      <a:solidFill>
+                        <a:schemeClr val="tx1"/>
+                      </a:solidFill>
+                      <a:prstDash val="solid"/>
+                      <a:round/>
+                      <a:headEnd type="none" w="med" len="med"/>
+                      <a:tailEnd type="none" w="med" len="med"/>
+                    </a:lnR>
+                    <a:lnT w="28575" cap="flat" cmpd="sng" algn="ctr">
+                      <a:solidFill>
+                        <a:schemeClr val="tx1"/>
+                      </a:solidFill>
+                      <a:prstDash val="solid"/>
+                      <a:round/>
+                      <a:headEnd type="none" w="med" len="med"/>
+                      <a:tailEnd type="none" w="med" len="med"/>
+                    </a:lnT>
+                    <a:lnB w="28575" cap="flat" cmpd="sng" algn="ctr">
+                      <a:solidFill>
+                        <a:schemeClr val="tx1"/>
+                      </a:solidFill>
+                      <a:prstDash val="solid"/>
+                      <a:round/>
+                      <a:headEnd type="none" w="med" len="med"/>
+                      <a:tailEnd type="none" w="med" len="med"/>
+                    </a:lnB>
+                    <a:lnTlToBr w="12700" cmpd="sng">
+                      <a:noFill/>
+                      <a:prstDash val="solid"/>
+                    </a:lnTlToBr>
+                    <a:lnBlToTr w="12700" cmpd="sng">
+                      <a:noFill/>
+                      <a:prstDash val="solid"/>
+                    </a:lnBlToTr>
+                    <a:solidFill>
+                      <a:schemeClr val="bg1">
+                        <a:lumMod val="95000"/>
+                      </a:schemeClr>
+                    </a:solidFill>
+                  </a:tcPr>
+                </a:tc>
+                <a:tc>
+                  <a:txBody>
+                    <a:bodyPr/>
+                    <a:lstStyle/>
+                    <a:p>
+                      <a:pPr algn="ctr"/>
+                      <a:endParaRPr lang="en-US" sz="1800" dirty="0">
+                        <a:solidFill>
+                          <a:schemeClr val="bg1">
+                            <a:lumMod val="65000"/>
+                          </a:schemeClr>
+                        </a:solidFill>
+                        <a:latin typeface="Calibri" charset="0"/>
+                        <a:ea typeface="Calibri" charset="0"/>
+                        <a:cs typeface="Calibri" charset="0"/>
+                      </a:endParaRPr>
+                    </a:p>
+                  </a:txBody>
+                  <a:tcPr marL="69151" marR="69151" marT="34576" marB="34576">
+                    <a:lnL w="28575" cap="flat" cmpd="sng" algn="ctr">
+                      <a:solidFill>
+                        <a:schemeClr val="tx1"/>
+                      </a:solidFill>
+                      <a:prstDash val="solid"/>
+                      <a:round/>
+                      <a:headEnd type="none" w="med" len="med"/>
+                      <a:tailEnd type="none" w="med" len="med"/>
+                    </a:lnL>
+                    <a:lnR w="28575" cap="flat" cmpd="sng" algn="ctr">
+                      <a:solidFill>
+                        <a:schemeClr val="tx1"/>
+                      </a:solidFill>
+                      <a:prstDash val="solid"/>
+                      <a:round/>
+                      <a:headEnd type="none" w="med" len="med"/>
+                      <a:tailEnd type="none" w="med" len="med"/>
+                    </a:lnR>
+                    <a:lnT w="28575" cap="flat" cmpd="sng" algn="ctr">
+                      <a:solidFill>
+                        <a:schemeClr val="tx1"/>
+                      </a:solidFill>
+                      <a:prstDash val="solid"/>
+                      <a:round/>
+                      <a:headEnd type="none" w="med" len="med"/>
+                      <a:tailEnd type="none" w="med" len="med"/>
+                    </a:lnT>
+                    <a:lnB w="28575" cap="flat" cmpd="sng" algn="ctr">
+                      <a:solidFill>
+                        <a:schemeClr val="tx1"/>
+                      </a:solidFill>
+                      <a:prstDash val="solid"/>
+                      <a:round/>
+                      <a:headEnd type="none" w="med" len="med"/>
+                      <a:tailEnd type="none" w="med" len="med"/>
+                    </a:lnB>
+                    <a:lnTlToBr w="12700" cmpd="sng">
+                      <a:noFill/>
+                      <a:prstDash val="solid"/>
+                    </a:lnTlToBr>
+                    <a:lnBlToTr w="12700" cmpd="sng">
+                      <a:noFill/>
+                      <a:prstDash val="solid"/>
+                    </a:lnBlToTr>
+                    <a:solidFill>
+                      <a:schemeClr val="bg1">
+                        <a:lumMod val="95000"/>
+                      </a:schemeClr>
+                    </a:solidFill>
+                  </a:tcPr>
+                </a:tc>
+              </a:tr>
+            </a:tbl>
+          </a:graphicData>
+        </a:graphic>
+      </p:graphicFrame>
+      <p:graphicFrame>
+        <p:nvGraphicFramePr>
+          <p:cNvPr id="7" name="Table 6"/>
+          <p:cNvGraphicFramePr>
+            <a:graphicFrameLocks noGrp="1"/>
+          </p:cNvGraphicFramePr>
+          <p:nvPr>
+            <p:extLst>
+              <p:ext uri="{D42A27DB-BD31-4B8C-83A1-F6EECF244321}">
+                <p14:modId xmlns:p14="http://schemas.microsoft.com/office/powerpoint/2010/main" val="1815538132"/>
+              </p:ext>
+            </p:extLst>
+          </p:nvPr>
+        </p:nvGraphicFramePr>
+        <p:xfrm>
+          <a:off x="1873957" y="1430158"/>
+          <a:ext cx="1920240" cy="457200"/>
+        </p:xfrm>
+        <a:graphic>
+          <a:graphicData uri="http://schemas.openxmlformats.org/drawingml/2006/table">
+            <a:tbl>
+              <a:tblPr firstRow="1" bandRow="1">
+                <a:tableStyleId>{5C22544A-7EE6-4342-B048-85BDC9FD1C3A}</a:tableStyleId>
+              </a:tblPr>
+              <a:tblGrid>
+                <a:gridCol w="640080"/>
+                <a:gridCol w="640080"/>
+                <a:gridCol w="640080"/>
+              </a:tblGrid>
+              <a:tr h="457200">
+                <a:tc>
+                  <a:txBody>
+                    <a:bodyPr/>
+                    <a:lstStyle/>
+                    <a:p>
+                      <a:pPr algn="ctr"/>
+                      <a:endParaRPr lang="en-US" sz="1800" b="0" baseline="0" dirty="0" smtClean="0">
+                        <a:solidFill>
+                          <a:schemeClr val="tx1">
+                            <a:lumMod val="95000"/>
+                            <a:lumOff val="5000"/>
+                          </a:schemeClr>
+                        </a:solidFill>
+                        <a:latin typeface="Calibri" charset="0"/>
+                        <a:ea typeface="Calibri" charset="0"/>
+                        <a:cs typeface="Calibri" charset="0"/>
+                      </a:endParaRPr>
+                    </a:p>
+                  </a:txBody>
+                  <a:tcPr marL="69151" marR="69151" marT="34576" marB="34576">
+                    <a:lnL w="28575" cap="flat" cmpd="sng" algn="ctr">
+                      <a:solidFill>
+                        <a:schemeClr val="tx1"/>
+                      </a:solidFill>
+                      <a:prstDash val="solid"/>
+                      <a:round/>
+                      <a:headEnd type="none" w="med" len="med"/>
+                      <a:tailEnd type="none" w="med" len="med"/>
+                    </a:lnL>
+                    <a:lnR w="28575" cap="flat" cmpd="sng" algn="ctr">
+                      <a:solidFill>
+                        <a:schemeClr val="tx1"/>
+                      </a:solidFill>
+                      <a:prstDash val="solid"/>
+                      <a:round/>
+                      <a:headEnd type="none" w="med" len="med"/>
+                      <a:tailEnd type="none" w="med" len="med"/>
+                    </a:lnR>
+                    <a:lnT w="28575" cap="flat" cmpd="sng" algn="ctr">
+                      <a:solidFill>
+                        <a:schemeClr val="tx1"/>
+                      </a:solidFill>
+                      <a:prstDash val="solid"/>
+                      <a:round/>
+                      <a:headEnd type="none" w="med" len="med"/>
+                      <a:tailEnd type="none" w="med" len="med"/>
+                    </a:lnT>
+                    <a:lnB w="28575" cap="flat" cmpd="sng" algn="ctr">
                       <a:solidFill>
                         <a:schemeClr val="tx1"/>
                       </a:solidFill>
@@ -3094,7 +3340,7 @@
                     </a:p>
                   </a:txBody>
                   <a:tcPr marL="69151" marR="69151" marT="34576" marB="34576">
-                    <a:lnL w="12700" cap="flat" cmpd="sng" algn="ctr">
+                    <a:lnL w="28575" cap="flat" cmpd="sng" algn="ctr">
                       <a:solidFill>
                         <a:schemeClr val="tx1"/>
                       </a:solidFill>
@@ -3103,7 +3349,7 @@
                       <a:headEnd type="none" w="med" len="med"/>
                       <a:tailEnd type="none" w="med" len="med"/>
                     </a:lnL>
-                    <a:lnR w="12700" cap="flat" cmpd="sng" algn="ctr">
+                    <a:lnR w="28575" cap="flat" cmpd="sng" algn="ctr">
                       <a:solidFill>
                         <a:schemeClr val="tx1"/>
                       </a:solidFill>
@@ -3112,7 +3358,7 @@
                       <a:headEnd type="none" w="med" len="med"/>
                       <a:tailEnd type="none" w="med" len="med"/>
                     </a:lnR>
-                    <a:lnT w="12700" cap="flat" cmpd="sng" algn="ctr">
+                    <a:lnT w="28575" cap="flat" cmpd="sng" algn="ctr">
                       <a:solidFill>
                         <a:schemeClr val="tx1"/>
                       </a:solidFill>
@@ -3121,7 +3367,7 @@
                       <a:headEnd type="none" w="med" len="med"/>
                       <a:tailEnd type="none" w="med" len="med"/>
                     </a:lnT>
-                    <a:lnB w="12700" cap="flat" cmpd="sng" algn="ctr">
+                    <a:lnB w="28575" cap="flat" cmpd="sng" algn="ctr">
                       <a:solidFill>
                         <a:schemeClr val="tx1"/>
                       </a:solidFill>
@@ -3156,7 +3402,7 @@
                     </a:p>
                   </a:txBody>
                   <a:tcPr marL="69151" marR="69151" marT="34576" marB="34576">
-                    <a:lnL w="12700" cap="flat" cmpd="sng" algn="ctr">
+                    <a:lnL w="28575" cap="flat" cmpd="sng" algn="ctr">
                       <a:solidFill>
                         <a:schemeClr val="tx1"/>
                       </a:solidFill>
@@ -3165,7 +3411,7 @@
                       <a:headEnd type="none" w="med" len="med"/>
                       <a:tailEnd type="none" w="med" len="med"/>
                     </a:lnL>
-                    <a:lnR w="12700" cap="flat" cmpd="sng" algn="ctr">
+                    <a:lnR w="28575" cap="flat" cmpd="sng" algn="ctr">
                       <a:solidFill>
                         <a:schemeClr val="tx1"/>
                       </a:solidFill>
@@ -3174,7 +3420,7 @@
                       <a:headEnd type="none" w="med" len="med"/>
                       <a:tailEnd type="none" w="med" len="med"/>
                     </a:lnR>
-                    <a:lnT w="12700" cap="flat" cmpd="sng" algn="ctr">
+                    <a:lnT w="28575" cap="flat" cmpd="sng" algn="ctr">
                       <a:solidFill>
                         <a:schemeClr val="tx1"/>
                       </a:solidFill>
@@ -3183,7 +3429,7 @@
                       <a:headEnd type="none" w="med" len="med"/>
                       <a:tailEnd type="none" w="med" len="med"/>
                     </a:lnT>
-                    <a:lnB w="12700" cap="flat" cmpd="sng" algn="ctr">
+                    <a:lnB w="28575" cap="flat" cmpd="sng" algn="ctr">
                       <a:solidFill>
                         <a:schemeClr val="tx1"/>
                       </a:solidFill>
@@ -3206,21 +3452,21 @@
       </p:graphicFrame>
       <p:graphicFrame>
         <p:nvGraphicFramePr>
-          <p:cNvPr id="5" name="Table 4"/>
+          <p:cNvPr id="8" name="Table 7"/>
           <p:cNvGraphicFramePr>
             <a:graphicFrameLocks noGrp="1"/>
           </p:cNvGraphicFramePr>
           <p:nvPr>
             <p:extLst>
               <p:ext uri="{D42A27DB-BD31-4B8C-83A1-F6EECF244321}">
-                <p14:modId xmlns:p14="http://schemas.microsoft.com/office/powerpoint/2010/main" val="1193123942"/>
+                <p14:modId xmlns:p14="http://schemas.microsoft.com/office/powerpoint/2010/main" val="1868833486"/>
               </p:ext>
             </p:extLst>
           </p:nvPr>
         </p:nvGraphicFramePr>
         <p:xfrm>
-          <a:off x="3889023" y="656869"/>
-          <a:ext cx="1365954" cy="343472"/>
+          <a:off x="1873956" y="2203447"/>
+          <a:ext cx="1920240" cy="457200"/>
         </p:xfrm>
         <a:graphic>
           <a:graphicData uri="http://schemas.openxmlformats.org/drawingml/2006/table">
@@ -3229,11 +3475,11 @@
                 <a:tableStyleId>{5C22544A-7EE6-4342-B048-85BDC9FD1C3A}</a:tableStyleId>
               </a:tblPr>
               <a:tblGrid>
-                <a:gridCol w="455318"/>
-                <a:gridCol w="455318"/>
-                <a:gridCol w="455318"/>
+                <a:gridCol w="640080"/>
+                <a:gridCol w="640080"/>
+                <a:gridCol w="640080"/>
               </a:tblGrid>
-              <a:tr h="280109">
+              <a:tr h="457200">
                 <a:tc>
                   <a:txBody>
                     <a:bodyPr/>
@@ -3254,7 +3500,7 @@
                     </a:p>
                   </a:txBody>
                   <a:tcPr marL="69151" marR="69151" marT="34576" marB="34576">
-                    <a:lnL w="12700" cap="flat" cmpd="sng" algn="ctr">
+                    <a:lnL w="28575" cap="flat" cmpd="sng" algn="ctr">
                       <a:solidFill>
                         <a:schemeClr val="tx1"/>
                       </a:solidFill>
@@ -3263,7 +3509,7 @@
                       <a:headEnd type="none" w="med" len="med"/>
                       <a:tailEnd type="none" w="med" len="med"/>
                     </a:lnL>
-                    <a:lnR w="12700" cap="flat" cmpd="sng" algn="ctr">
+                    <a:lnR w="28575" cap="flat" cmpd="sng" algn="ctr">
                       <a:solidFill>
                         <a:schemeClr val="tx1"/>
                       </a:solidFill>
@@ -3272,7 +3518,7 @@
                       <a:headEnd type="none" w="med" len="med"/>
                       <a:tailEnd type="none" w="med" len="med"/>
                     </a:lnR>
-                    <a:lnT w="12700" cap="flat" cmpd="sng" algn="ctr">
+                    <a:lnT w="28575" cap="flat" cmpd="sng" algn="ctr">
                       <a:solidFill>
                         <a:schemeClr val="tx1"/>
                       </a:solidFill>
@@ -3281,7 +3527,7 @@
                       <a:headEnd type="none" w="med" len="med"/>
                       <a:tailEnd type="none" w="med" len="med"/>
                     </a:lnT>
-                    <a:lnB w="12700" cap="flat" cmpd="sng" algn="ctr">
+                    <a:lnB w="28575" cap="flat" cmpd="sng" algn="ctr">
                       <a:solidFill>
                         <a:schemeClr val="tx1"/>
                       </a:solidFill>
@@ -3316,7 +3562,7 @@
                     </a:p>
                   </a:txBody>
                   <a:tcPr marL="69151" marR="69151" marT="34576" marB="34576">
-                    <a:lnL w="12700" cap="flat" cmpd="sng" algn="ctr">
+                    <a:lnL w="28575" cap="flat" cmpd="sng" algn="ctr">
                       <a:solidFill>
                         <a:schemeClr val="tx1"/>
                       </a:solidFill>
@@ -3325,7 +3571,7 @@
                       <a:headEnd type="none" w="med" len="med"/>
                       <a:tailEnd type="none" w="med" len="med"/>
                     </a:lnL>
-                    <a:lnR w="12700" cap="flat" cmpd="sng" algn="ctr">
+                    <a:lnR w="28575" cap="flat" cmpd="sng" algn="ctr">
                       <a:solidFill>
                         <a:schemeClr val="tx1"/>
                       </a:solidFill>
@@ -3334,7 +3580,7 @@
                       <a:headEnd type="none" w="med" len="med"/>
                       <a:tailEnd type="none" w="med" len="med"/>
                     </a:lnR>
-                    <a:lnT w="12700" cap="flat" cmpd="sng" algn="ctr">
+                    <a:lnT w="28575" cap="flat" cmpd="sng" algn="ctr">
                       <a:solidFill>
                         <a:schemeClr val="tx1"/>
                       </a:solidFill>
@@ -3343,7 +3589,7 @@
                       <a:headEnd type="none" w="med" len="med"/>
                       <a:tailEnd type="none" w="med" len="med"/>
                     </a:lnT>
-                    <a:lnB w="12700" cap="flat" cmpd="sng" algn="ctr">
+                    <a:lnB w="28575" cap="flat" cmpd="sng" algn="ctr">
                       <a:solidFill>
                         <a:schemeClr val="tx1"/>
                       </a:solidFill>
@@ -3378,7 +3624,7 @@
                     </a:p>
                   </a:txBody>
                   <a:tcPr marL="69151" marR="69151" marT="34576" marB="34576">
-                    <a:lnL w="12700" cap="flat" cmpd="sng" algn="ctr">
+                    <a:lnL w="28575" cap="flat" cmpd="sng" algn="ctr">
                       <a:solidFill>
                         <a:schemeClr val="tx1"/>
                       </a:solidFill>
@@ -3387,7 +3633,7 @@
                       <a:headEnd type="none" w="med" len="med"/>
                       <a:tailEnd type="none" w="med" len="med"/>
                     </a:lnL>
-                    <a:lnR w="12700" cap="flat" cmpd="sng" algn="ctr">
+                    <a:lnR w="28575" cap="flat" cmpd="sng" algn="ctr">
                       <a:solidFill>
                         <a:schemeClr val="tx1"/>
                       </a:solidFill>
@@ -3396,7 +3642,7 @@
                       <a:headEnd type="none" w="med" len="med"/>
                       <a:tailEnd type="none" w="med" len="med"/>
                     </a:lnR>
-                    <a:lnT w="12700" cap="flat" cmpd="sng" algn="ctr">
+                    <a:lnT w="28575" cap="flat" cmpd="sng" algn="ctr">
                       <a:solidFill>
                         <a:schemeClr val="tx1"/>
                       </a:solidFill>
@@ -3405,7 +3651,7 @@
                       <a:headEnd type="none" w="med" len="med"/>
                       <a:tailEnd type="none" w="med" len="med"/>
                     </a:lnT>
-                    <a:lnB w="12700" cap="flat" cmpd="sng" algn="ctr">
+                    <a:lnB w="28575" cap="flat" cmpd="sng" algn="ctr">
                       <a:solidFill>
                         <a:schemeClr val="tx1"/>
                       </a:solidFill>
@@ -3428,21 +3674,21 @@
       </p:graphicFrame>
       <p:graphicFrame>
         <p:nvGraphicFramePr>
-          <p:cNvPr id="6" name="Table 5"/>
+          <p:cNvPr id="9" name="Table 8"/>
           <p:cNvGraphicFramePr>
             <a:graphicFrameLocks noGrp="1"/>
           </p:cNvGraphicFramePr>
           <p:nvPr>
             <p:extLst>
               <p:ext uri="{D42A27DB-BD31-4B8C-83A1-F6EECF244321}">
-                <p14:modId xmlns:p14="http://schemas.microsoft.com/office/powerpoint/2010/main" val="1779281155"/>
+                <p14:modId xmlns:p14="http://schemas.microsoft.com/office/powerpoint/2010/main" val="446641444"/>
               </p:ext>
             </p:extLst>
           </p:nvPr>
         </p:nvGraphicFramePr>
         <p:xfrm>
-          <a:off x="5904089" y="656869"/>
-          <a:ext cx="1365954" cy="343472"/>
+          <a:off x="1873957" y="2976736"/>
+          <a:ext cx="1920240" cy="457200"/>
         </p:xfrm>
         <a:graphic>
           <a:graphicData uri="http://schemas.openxmlformats.org/drawingml/2006/table">
@@ -3451,11 +3697,11 @@
                 <a:tableStyleId>{5C22544A-7EE6-4342-B048-85BDC9FD1C3A}</a:tableStyleId>
               </a:tblPr>
               <a:tblGrid>
-                <a:gridCol w="455318"/>
-                <a:gridCol w="455318"/>
-                <a:gridCol w="455318"/>
+                <a:gridCol w="640080"/>
+                <a:gridCol w="640080"/>
+                <a:gridCol w="640080"/>
               </a:tblGrid>
-              <a:tr h="280109">
+              <a:tr h="457200">
                 <a:tc>
                   <a:txBody>
                     <a:bodyPr/>
@@ -3476,7 +3722,7 @@
                     </a:p>
                   </a:txBody>
                   <a:tcPr marL="69151" marR="69151" marT="34576" marB="34576">
-                    <a:lnL w="12700" cap="flat" cmpd="sng" algn="ctr">
+                    <a:lnL w="28575" cap="flat" cmpd="sng" algn="ctr">
                       <a:solidFill>
                         <a:schemeClr val="tx1"/>
                       </a:solidFill>
@@ -3485,7 +3731,7 @@
                       <a:headEnd type="none" w="med" len="med"/>
                       <a:tailEnd type="none" w="med" len="med"/>
                     </a:lnL>
-                    <a:lnR w="12700" cap="flat" cmpd="sng" algn="ctr">
+                    <a:lnR w="28575" cap="flat" cmpd="sng" algn="ctr">
                       <a:solidFill>
                         <a:schemeClr val="tx1"/>
                       </a:solidFill>
@@ -3494,7 +3740,7 @@
                       <a:headEnd type="none" w="med" len="med"/>
                       <a:tailEnd type="none" w="med" len="med"/>
                     </a:lnR>
-                    <a:lnT w="12700" cap="flat" cmpd="sng" algn="ctr">
+                    <a:lnT w="28575" cap="flat" cmpd="sng" algn="ctr">
                       <a:solidFill>
                         <a:schemeClr val="tx1"/>
                       </a:solidFill>
@@ -3503,7 +3749,7 @@
                       <a:headEnd type="none" w="med" len="med"/>
                       <a:tailEnd type="none" w="med" len="med"/>
                     </a:lnT>
-                    <a:lnB w="12700" cap="flat" cmpd="sng" algn="ctr">
+                    <a:lnB w="28575" cap="flat" cmpd="sng" algn="ctr">
                       <a:solidFill>
                         <a:schemeClr val="tx1"/>
                       </a:solidFill>
@@ -3538,7 +3784,7 @@
                     </a:p>
                   </a:txBody>
                   <a:tcPr marL="69151" marR="69151" marT="34576" marB="34576">
-                    <a:lnL w="12700" cap="flat" cmpd="sng" algn="ctr">
+                    <a:lnL w="28575" cap="flat" cmpd="sng" algn="ctr">
                       <a:solidFill>
                         <a:schemeClr val="tx1"/>
                       </a:solidFill>
@@ -3547,7 +3793,7 @@
                       <a:headEnd type="none" w="med" len="med"/>
                       <a:tailEnd type="none" w="med" len="med"/>
                     </a:lnL>
-                    <a:lnR w="12700" cap="flat" cmpd="sng" algn="ctr">
+                    <a:lnR w="28575" cap="flat" cmpd="sng" algn="ctr">
                       <a:solidFill>
                         <a:schemeClr val="tx1"/>
                       </a:solidFill>
@@ -3556,7 +3802,7 @@
                       <a:headEnd type="none" w="med" len="med"/>
                       <a:tailEnd type="none" w="med" len="med"/>
                     </a:lnR>
-                    <a:lnT w="12700" cap="flat" cmpd="sng" algn="ctr">
+                    <a:lnT w="28575" cap="flat" cmpd="sng" algn="ctr">
                       <a:solidFill>
                         <a:schemeClr val="tx1"/>
                       </a:solidFill>
@@ -3565,7 +3811,7 @@
                       <a:headEnd type="none" w="med" len="med"/>
                       <a:tailEnd type="none" w="med" len="med"/>
                     </a:lnT>
-                    <a:lnB w="12700" cap="flat" cmpd="sng" algn="ctr">
+                    <a:lnB w="28575" cap="flat" cmpd="sng" algn="ctr">
                       <a:solidFill>
                         <a:schemeClr val="tx1"/>
                       </a:solidFill>
@@ -3600,7 +3846,7 @@
                     </a:p>
                   </a:txBody>
                   <a:tcPr marL="69151" marR="69151" marT="34576" marB="34576">
-                    <a:lnL w="12700" cap="flat" cmpd="sng" algn="ctr">
+                    <a:lnL w="28575" cap="flat" cmpd="sng" algn="ctr">
                       <a:solidFill>
                         <a:schemeClr val="tx1"/>
                       </a:solidFill>
@@ -3609,7 +3855,7 @@
                       <a:headEnd type="none" w="med" len="med"/>
                       <a:tailEnd type="none" w="med" len="med"/>
                     </a:lnL>
-                    <a:lnR w="12700" cap="flat" cmpd="sng" algn="ctr">
+                    <a:lnR w="28575" cap="flat" cmpd="sng" algn="ctr">
                       <a:solidFill>
                         <a:schemeClr val="tx1"/>
                       </a:solidFill>
@@ -3618,7 +3864,7 @@
                       <a:headEnd type="none" w="med" len="med"/>
                       <a:tailEnd type="none" w="med" len="med"/>
                     </a:lnR>
-                    <a:lnT w="12700" cap="flat" cmpd="sng" algn="ctr">
+                    <a:lnT w="28575" cap="flat" cmpd="sng" algn="ctr">
                       <a:solidFill>
                         <a:schemeClr val="tx1"/>
                       </a:solidFill>
@@ -3627,7 +3873,7 @@
                       <a:headEnd type="none" w="med" len="med"/>
                       <a:tailEnd type="none" w="med" len="med"/>
                     </a:lnT>
-                    <a:lnB w="12700" cap="flat" cmpd="sng" algn="ctr">
+                    <a:lnB w="28575" cap="flat" cmpd="sng" algn="ctr">
                       <a:solidFill>
                         <a:schemeClr val="tx1"/>
                       </a:solidFill>
@@ -3650,21 +3896,21 @@
       </p:graphicFrame>
       <p:graphicFrame>
         <p:nvGraphicFramePr>
-          <p:cNvPr id="7" name="Table 6"/>
+          <p:cNvPr id="10" name="Table 9"/>
           <p:cNvGraphicFramePr>
             <a:graphicFrameLocks noGrp="1"/>
           </p:cNvGraphicFramePr>
           <p:nvPr>
             <p:extLst>
               <p:ext uri="{D42A27DB-BD31-4B8C-83A1-F6EECF244321}">
-                <p14:modId xmlns:p14="http://schemas.microsoft.com/office/powerpoint/2010/main" val="668587610"/>
+                <p14:modId xmlns:p14="http://schemas.microsoft.com/office/powerpoint/2010/main" val="1432523473"/>
               </p:ext>
             </p:extLst>
           </p:nvPr>
         </p:nvGraphicFramePr>
         <p:xfrm>
-          <a:off x="1873957" y="1430158"/>
-          <a:ext cx="1365954" cy="343472"/>
+          <a:off x="1873957" y="3750025"/>
+          <a:ext cx="1920240" cy="457200"/>
         </p:xfrm>
         <a:graphic>
           <a:graphicData uri="http://schemas.openxmlformats.org/drawingml/2006/table">
@@ -3673,11 +3919,11 @@
                 <a:tableStyleId>{5C22544A-7EE6-4342-B048-85BDC9FD1C3A}</a:tableStyleId>
               </a:tblPr>
               <a:tblGrid>
-                <a:gridCol w="455318"/>
-                <a:gridCol w="455318"/>
-                <a:gridCol w="455318"/>
+                <a:gridCol w="640080"/>
+                <a:gridCol w="640080"/>
+                <a:gridCol w="640080"/>
               </a:tblGrid>
-              <a:tr h="280109">
+              <a:tr h="457200">
                 <a:tc>
                   <a:txBody>
                     <a:bodyPr/>
@@ -3698,7 +3944,7 @@
                     </a:p>
                   </a:txBody>
                   <a:tcPr marL="69151" marR="69151" marT="34576" marB="34576">
-                    <a:lnL w="12700" cap="flat" cmpd="sng" algn="ctr">
+                    <a:lnL w="28575" cap="flat" cmpd="sng" algn="ctr">
                       <a:solidFill>
                         <a:schemeClr val="tx1"/>
                       </a:solidFill>
@@ -3707,7 +3953,7 @@
                       <a:headEnd type="none" w="med" len="med"/>
                       <a:tailEnd type="none" w="med" len="med"/>
                     </a:lnL>
-                    <a:lnR w="12700" cap="flat" cmpd="sng" algn="ctr">
+                    <a:lnR w="28575" cap="flat" cmpd="sng" algn="ctr">
                       <a:solidFill>
                         <a:schemeClr val="tx1"/>
                       </a:solidFill>
@@ -3716,7 +3962,7 @@
                       <a:headEnd type="none" w="med" len="med"/>
                       <a:tailEnd type="none" w="med" len="med"/>
                     </a:lnR>
-                    <a:lnT w="12700" cap="flat" cmpd="sng" algn="ctr">
+                    <a:lnT w="28575" cap="flat" cmpd="sng" algn="ctr">
                       <a:solidFill>
                         <a:schemeClr val="tx1"/>
                       </a:solidFill>
@@ -3725,7 +3971,7 @@
                       <a:headEnd type="none" w="med" len="med"/>
                       <a:tailEnd type="none" w="med" len="med"/>
                     </a:lnT>
-                    <a:lnB w="12700" cap="flat" cmpd="sng" algn="ctr">
+                    <a:lnB w="28575" cap="flat" cmpd="sng" algn="ctr">
                       <a:solidFill>
                         <a:schemeClr val="tx1"/>
                       </a:solidFill>
@@ -3760,7 +4006,7 @@
                     </a:p>
                   </a:txBody>
                   <a:tcPr marL="69151" marR="69151" marT="34576" marB="34576">
-                    <a:lnL w="12700" cap="flat" cmpd="sng" algn="ctr">
+                    <a:lnL w="28575" cap="flat" cmpd="sng" algn="ctr">
                       <a:solidFill>
                         <a:schemeClr val="tx1"/>
                       </a:solidFill>
@@ -3769,7 +4015,7 @@
                       <a:headEnd type="none" w="med" len="med"/>
                       <a:tailEnd type="none" w="med" len="med"/>
                     </a:lnL>
-                    <a:lnR w="12700" cap="flat" cmpd="sng" algn="ctr">
+                    <a:lnR w="28575" cap="flat" cmpd="sng" algn="ctr">
                       <a:solidFill>
                         <a:schemeClr val="tx1"/>
                       </a:solidFill>
@@ -3778,7 +4024,7 @@
                       <a:headEnd type="none" w="med" len="med"/>
                       <a:tailEnd type="none" w="med" len="med"/>
                     </a:lnR>
-                    <a:lnT w="12700" cap="flat" cmpd="sng" algn="ctr">
+                    <a:lnT w="28575" cap="flat" cmpd="sng" algn="ctr">
                       <a:solidFill>
                         <a:schemeClr val="tx1"/>
                       </a:solidFill>
@@ -3787,7 +4033,7 @@
                       <a:headEnd type="none" w="med" len="med"/>
                       <a:tailEnd type="none" w="med" len="med"/>
                     </a:lnT>
-                    <a:lnB w="12700" cap="flat" cmpd="sng" algn="ctr">
+                    <a:lnB w="28575" cap="flat" cmpd="sng" algn="ctr">
                       <a:solidFill>
                         <a:schemeClr val="tx1"/>
                       </a:solidFill>
@@ -3822,7 +4068,7 @@
                     </a:p>
                   </a:txBody>
                   <a:tcPr marL="69151" marR="69151" marT="34576" marB="34576">
-                    <a:lnL w="12700" cap="flat" cmpd="sng" algn="ctr">
+                    <a:lnL w="28575" cap="flat" cmpd="sng" algn="ctr">
                       <a:solidFill>
                         <a:schemeClr val="tx1"/>
                       </a:solidFill>
@@ -3831,7 +4077,7 @@
                       <a:headEnd type="none" w="med" len="med"/>
                       <a:tailEnd type="none" w="med" len="med"/>
                     </a:lnL>
-                    <a:lnR w="12700" cap="flat" cmpd="sng" algn="ctr">
+                    <a:lnR w="28575" cap="flat" cmpd="sng" algn="ctr">
                       <a:solidFill>
                         <a:schemeClr val="tx1"/>
                       </a:solidFill>
@@ -3840,7 +4086,7 @@
                       <a:headEnd type="none" w="med" len="med"/>
                       <a:tailEnd type="none" w="med" len="med"/>
                     </a:lnR>
-                    <a:lnT w="12700" cap="flat" cmpd="sng" algn="ctr">
+                    <a:lnT w="28575" cap="flat" cmpd="sng" algn="ctr">
                       <a:solidFill>
                         <a:schemeClr val="tx1"/>
                       </a:solidFill>
@@ -3849,7 +4095,7 @@
                       <a:headEnd type="none" w="med" len="med"/>
                       <a:tailEnd type="none" w="med" len="med"/>
                     </a:lnT>
-                    <a:lnB w="12700" cap="flat" cmpd="sng" algn="ctr">
+                    <a:lnB w="28575" cap="flat" cmpd="sng" algn="ctr">
                       <a:solidFill>
                         <a:schemeClr val="tx1"/>
                       </a:solidFill>
@@ -3872,21 +4118,21 @@
       </p:graphicFrame>
       <p:graphicFrame>
         <p:nvGraphicFramePr>
-          <p:cNvPr id="8" name="Table 7"/>
+          <p:cNvPr id="11" name="Table 10"/>
           <p:cNvGraphicFramePr>
             <a:graphicFrameLocks noGrp="1"/>
           </p:cNvGraphicFramePr>
           <p:nvPr>
             <p:extLst>
               <p:ext uri="{D42A27DB-BD31-4B8C-83A1-F6EECF244321}">
-                <p14:modId xmlns:p14="http://schemas.microsoft.com/office/powerpoint/2010/main" val="1317520166"/>
+                <p14:modId xmlns:p14="http://schemas.microsoft.com/office/powerpoint/2010/main" val="94425078"/>
               </p:ext>
             </p:extLst>
           </p:nvPr>
         </p:nvGraphicFramePr>
         <p:xfrm>
-          <a:off x="1873957" y="2203447"/>
-          <a:ext cx="1365954" cy="343472"/>
+          <a:off x="1873957" y="4523314"/>
+          <a:ext cx="1920240" cy="457200"/>
         </p:xfrm>
         <a:graphic>
           <a:graphicData uri="http://schemas.openxmlformats.org/drawingml/2006/table">
@@ -3895,11 +4141,11 @@
                 <a:tableStyleId>{5C22544A-7EE6-4342-B048-85BDC9FD1C3A}</a:tableStyleId>
               </a:tblPr>
               <a:tblGrid>
-                <a:gridCol w="455318"/>
-                <a:gridCol w="455318"/>
-                <a:gridCol w="455318"/>
+                <a:gridCol w="640080"/>
+                <a:gridCol w="640080"/>
+                <a:gridCol w="640080"/>
               </a:tblGrid>
-              <a:tr h="280109">
+              <a:tr h="457200">
                 <a:tc>
                   <a:txBody>
                     <a:bodyPr/>
@@ -3920,7 +4166,7 @@
                     </a:p>
                   </a:txBody>
                   <a:tcPr marL="69151" marR="69151" marT="34576" marB="34576">
-                    <a:lnL w="12700" cap="flat" cmpd="sng" algn="ctr">
+                    <a:lnL w="28575" cap="flat" cmpd="sng" algn="ctr">
                       <a:solidFill>
                         <a:schemeClr val="tx1"/>
                       </a:solidFill>
@@ -3929,7 +4175,7 @@
                       <a:headEnd type="none" w="med" len="med"/>
                       <a:tailEnd type="none" w="med" len="med"/>
                     </a:lnL>
-                    <a:lnR w="12700" cap="flat" cmpd="sng" algn="ctr">
+                    <a:lnR w="28575" cap="flat" cmpd="sng" algn="ctr">
                       <a:solidFill>
                         <a:schemeClr val="tx1"/>
                       </a:solidFill>
@@ -3938,7 +4184,7 @@
                       <a:headEnd type="none" w="med" len="med"/>
                       <a:tailEnd type="none" w="med" len="med"/>
                     </a:lnR>
-                    <a:lnT w="12700" cap="flat" cmpd="sng" algn="ctr">
+                    <a:lnT w="28575" cap="flat" cmpd="sng" algn="ctr">
                       <a:solidFill>
                         <a:schemeClr val="tx1"/>
                       </a:solidFill>
@@ -3947,7 +4193,7 @@
                       <a:headEnd type="none" w="med" len="med"/>
                       <a:tailEnd type="none" w="med" len="med"/>
                     </a:lnT>
-                    <a:lnB w="12700" cap="flat" cmpd="sng" algn="ctr">
+                    <a:lnB w="28575" cap="flat" cmpd="sng" algn="ctr">
                       <a:solidFill>
                         <a:schemeClr val="tx1"/>
                       </a:solidFill>
@@ -3982,7 +4228,7 @@
                     </a:p>
                   </a:txBody>
                   <a:tcPr marL="69151" marR="69151" marT="34576" marB="34576">
-                    <a:lnL w="12700" cap="flat" cmpd="sng" algn="ctr">
+                    <a:lnL w="28575" cap="flat" cmpd="sng" algn="ctr">
                       <a:solidFill>
                         <a:schemeClr val="tx1"/>
                       </a:solidFill>
@@ -3991,7 +4237,7 @@
                       <a:headEnd type="none" w="med" len="med"/>
                       <a:tailEnd type="none" w="med" len="med"/>
                     </a:lnL>
-                    <a:lnR w="12700" cap="flat" cmpd="sng" algn="ctr">
+                    <a:lnR w="28575" cap="flat" cmpd="sng" algn="ctr">
                       <a:solidFill>
                         <a:schemeClr val="tx1"/>
                       </a:solidFill>
@@ -4000,7 +4246,7 @@
                       <a:headEnd type="none" w="med" len="med"/>
                       <a:tailEnd type="none" w="med" len="med"/>
                     </a:lnR>
-                    <a:lnT w="12700" cap="flat" cmpd="sng" algn="ctr">
+                    <a:lnT w="28575" cap="flat" cmpd="sng" algn="ctr">
                       <a:solidFill>
                         <a:schemeClr val="tx1"/>
                       </a:solidFill>
@@ -4009,7 +4255,7 @@
                       <a:headEnd type="none" w="med" len="med"/>
                       <a:tailEnd type="none" w="med" len="med"/>
                     </a:lnT>
-                    <a:lnB w="12700" cap="flat" cmpd="sng" algn="ctr">
+                    <a:lnB w="28575" cap="flat" cmpd="sng" algn="ctr">
                       <a:solidFill>
                         <a:schemeClr val="tx1"/>
                       </a:solidFill>
@@ -4044,7 +4290,7 @@
                     </a:p>
                   </a:txBody>
                   <a:tcPr marL="69151" marR="69151" marT="34576" marB="34576">
-                    <a:lnL w="12700" cap="flat" cmpd="sng" algn="ctr">
+                    <a:lnL w="28575" cap="flat" cmpd="sng" algn="ctr">
                       <a:solidFill>
                         <a:schemeClr val="tx1"/>
                       </a:solidFill>
@@ -4053,7 +4299,7 @@
                       <a:headEnd type="none" w="med" len="med"/>
                       <a:tailEnd type="none" w="med" len="med"/>
                     </a:lnL>
-                    <a:lnR w="12700" cap="flat" cmpd="sng" algn="ctr">
+                    <a:lnR w="28575" cap="flat" cmpd="sng" algn="ctr">
                       <a:solidFill>
                         <a:schemeClr val="tx1"/>
                       </a:solidFill>
@@ -4062,7 +4308,7 @@
                       <a:headEnd type="none" w="med" len="med"/>
                       <a:tailEnd type="none" w="med" len="med"/>
                     </a:lnR>
-                    <a:lnT w="12700" cap="flat" cmpd="sng" algn="ctr">
+                    <a:lnT w="28575" cap="flat" cmpd="sng" algn="ctr">
                       <a:solidFill>
                         <a:schemeClr val="tx1"/>
                       </a:solidFill>
@@ -4071,7 +4317,7 @@
                       <a:headEnd type="none" w="med" len="med"/>
                       <a:tailEnd type="none" w="med" len="med"/>
                     </a:lnT>
-                    <a:lnB w="12700" cap="flat" cmpd="sng" algn="ctr">
+                    <a:lnB w="28575" cap="flat" cmpd="sng" algn="ctr">
                       <a:solidFill>
                         <a:schemeClr val="tx1"/>
                       </a:solidFill>
@@ -4094,21 +4340,21 @@
       </p:graphicFrame>
       <p:graphicFrame>
         <p:nvGraphicFramePr>
-          <p:cNvPr id="9" name="Table 8"/>
+          <p:cNvPr id="12" name="Table 11"/>
           <p:cNvGraphicFramePr>
             <a:graphicFrameLocks noGrp="1"/>
           </p:cNvGraphicFramePr>
           <p:nvPr>
             <p:extLst>
               <p:ext uri="{D42A27DB-BD31-4B8C-83A1-F6EECF244321}">
-                <p14:modId xmlns:p14="http://schemas.microsoft.com/office/powerpoint/2010/main" val="857545745"/>
+                <p14:modId xmlns:p14="http://schemas.microsoft.com/office/powerpoint/2010/main" val="532246230"/>
               </p:ext>
             </p:extLst>
           </p:nvPr>
         </p:nvGraphicFramePr>
         <p:xfrm>
-          <a:off x="1873957" y="2976736"/>
-          <a:ext cx="1365954" cy="343472"/>
+          <a:off x="1873957" y="5296603"/>
+          <a:ext cx="1920240" cy="457200"/>
         </p:xfrm>
         <a:graphic>
           <a:graphicData uri="http://schemas.openxmlformats.org/drawingml/2006/table">
@@ -4117,11 +4363,11 @@
                 <a:tableStyleId>{5C22544A-7EE6-4342-B048-85BDC9FD1C3A}</a:tableStyleId>
               </a:tblPr>
               <a:tblGrid>
-                <a:gridCol w="455318"/>
-                <a:gridCol w="455318"/>
-                <a:gridCol w="455318"/>
+                <a:gridCol w="640080"/>
+                <a:gridCol w="640080"/>
+                <a:gridCol w="640080"/>
               </a:tblGrid>
-              <a:tr h="280109">
+              <a:tr h="457200">
                 <a:tc>
                   <a:txBody>
                     <a:bodyPr/>
@@ -4142,7 +4388,7 @@
                     </a:p>
                   </a:txBody>
                   <a:tcPr marL="69151" marR="69151" marT="34576" marB="34576">
-                    <a:lnL w="12700" cap="flat" cmpd="sng" algn="ctr">
+                    <a:lnL w="28575" cap="flat" cmpd="sng" algn="ctr">
                       <a:solidFill>
                         <a:schemeClr val="tx1"/>
                       </a:solidFill>
@@ -4151,7 +4397,7 @@
                       <a:headEnd type="none" w="med" len="med"/>
                       <a:tailEnd type="none" w="med" len="med"/>
                     </a:lnL>
-                    <a:lnR w="12700" cap="flat" cmpd="sng" algn="ctr">
+                    <a:lnR w="28575" cap="flat" cmpd="sng" algn="ctr">
                       <a:solidFill>
                         <a:schemeClr val="tx1"/>
                       </a:solidFill>
@@ -4160,7 +4406,7 @@
                       <a:headEnd type="none" w="med" len="med"/>
                       <a:tailEnd type="none" w="med" len="med"/>
                     </a:lnR>
-                    <a:lnT w="12700" cap="flat" cmpd="sng" algn="ctr">
+                    <a:lnT w="28575" cap="flat" cmpd="sng" algn="ctr">
                       <a:solidFill>
                         <a:schemeClr val="tx1"/>
                       </a:solidFill>
@@ -4169,7 +4415,7 @@
                       <a:headEnd type="none" w="med" len="med"/>
                       <a:tailEnd type="none" w="med" len="med"/>
                     </a:lnT>
-                    <a:lnB w="12700" cap="flat" cmpd="sng" algn="ctr">
+                    <a:lnB w="28575" cap="flat" cmpd="sng" algn="ctr">
                       <a:solidFill>
                         <a:schemeClr val="tx1"/>
                       </a:solidFill>
@@ -4204,7 +4450,7 @@
                     </a:p>
                   </a:txBody>
                   <a:tcPr marL="69151" marR="69151" marT="34576" marB="34576">
-                    <a:lnL w="12700" cap="flat" cmpd="sng" algn="ctr">
+                    <a:lnL w="28575" cap="flat" cmpd="sng" algn="ctr">
                       <a:solidFill>
                         <a:schemeClr val="tx1"/>
                       </a:solidFill>
@@ -4213,7 +4459,7 @@
                       <a:headEnd type="none" w="med" len="med"/>
                       <a:tailEnd type="none" w="med" len="med"/>
                     </a:lnL>
-                    <a:lnR w="12700" cap="flat" cmpd="sng" algn="ctr">
+                    <a:lnR w="28575" cap="flat" cmpd="sng" algn="ctr">
                       <a:solidFill>
                         <a:schemeClr val="tx1"/>
                       </a:solidFill>
@@ -4222,7 +4468,7 @@
                       <a:headEnd type="none" w="med" len="med"/>
                       <a:tailEnd type="none" w="med" len="med"/>
                     </a:lnR>
-                    <a:lnT w="12700" cap="flat" cmpd="sng" algn="ctr">
+                    <a:lnT w="28575" cap="flat" cmpd="sng" algn="ctr">
                       <a:solidFill>
                         <a:schemeClr val="tx1"/>
                       </a:solidFill>
@@ -4231,7 +4477,7 @@
                       <a:headEnd type="none" w="med" len="med"/>
                       <a:tailEnd type="none" w="med" len="med"/>
                     </a:lnT>
-                    <a:lnB w="12700" cap="flat" cmpd="sng" algn="ctr">
+                    <a:lnB w="28575" cap="flat" cmpd="sng" algn="ctr">
                       <a:solidFill>
                         <a:schemeClr val="tx1"/>
                       </a:solidFill>
@@ -4266,7 +4512,7 @@
                     </a:p>
                   </a:txBody>
                   <a:tcPr marL="69151" marR="69151" marT="34576" marB="34576">
-                    <a:lnL w="12700" cap="flat" cmpd="sng" algn="ctr">
+                    <a:lnL w="28575" cap="flat" cmpd="sng" algn="ctr">
                       <a:solidFill>
                         <a:schemeClr val="tx1"/>
                       </a:solidFill>
@@ -4275,7 +4521,7 @@
                       <a:headEnd type="none" w="med" len="med"/>
                       <a:tailEnd type="none" w="med" len="med"/>
                     </a:lnL>
-                    <a:lnR w="12700" cap="flat" cmpd="sng" algn="ctr">
+                    <a:lnR w="28575" cap="flat" cmpd="sng" algn="ctr">
                       <a:solidFill>
                         <a:schemeClr val="tx1"/>
                       </a:solidFill>
@@ -4284,7 +4530,7 @@
                       <a:headEnd type="none" w="med" len="med"/>
                       <a:tailEnd type="none" w="med" len="med"/>
                     </a:lnR>
-                    <a:lnT w="12700" cap="flat" cmpd="sng" algn="ctr">
+                    <a:lnT w="28575" cap="flat" cmpd="sng" algn="ctr">
                       <a:solidFill>
                         <a:schemeClr val="tx1"/>
                       </a:solidFill>
@@ -4293,7 +4539,7 @@
                       <a:headEnd type="none" w="med" len="med"/>
                       <a:tailEnd type="none" w="med" len="med"/>
                     </a:lnT>
-                    <a:lnB w="12700" cap="flat" cmpd="sng" algn="ctr">
+                    <a:lnB w="28575" cap="flat" cmpd="sng" algn="ctr">
                       <a:solidFill>
                         <a:schemeClr val="tx1"/>
                       </a:solidFill>
@@ -4316,21 +4562,21 @@
       </p:graphicFrame>
       <p:graphicFrame>
         <p:nvGraphicFramePr>
-          <p:cNvPr id="10" name="Table 9"/>
+          <p:cNvPr id="13" name="Table 12"/>
           <p:cNvGraphicFramePr>
             <a:graphicFrameLocks noGrp="1"/>
           </p:cNvGraphicFramePr>
           <p:nvPr>
             <p:extLst>
               <p:ext uri="{D42A27DB-BD31-4B8C-83A1-F6EECF244321}">
-                <p14:modId xmlns:p14="http://schemas.microsoft.com/office/powerpoint/2010/main" val="1008581198"/>
+                <p14:modId xmlns:p14="http://schemas.microsoft.com/office/powerpoint/2010/main" val="89877524"/>
               </p:ext>
             </p:extLst>
           </p:nvPr>
         </p:nvGraphicFramePr>
         <p:xfrm>
-          <a:off x="1873957" y="3750025"/>
-          <a:ext cx="1365954" cy="343472"/>
+          <a:off x="4313253" y="1433340"/>
+          <a:ext cx="1920240" cy="457200"/>
         </p:xfrm>
         <a:graphic>
           <a:graphicData uri="http://schemas.openxmlformats.org/drawingml/2006/table">
@@ -4339,11 +4585,11 @@
                 <a:tableStyleId>{5C22544A-7EE6-4342-B048-85BDC9FD1C3A}</a:tableStyleId>
               </a:tblPr>
               <a:tblGrid>
-                <a:gridCol w="455318"/>
-                <a:gridCol w="455318"/>
-                <a:gridCol w="455318"/>
+                <a:gridCol w="640080"/>
+                <a:gridCol w="640080"/>
+                <a:gridCol w="640080"/>
               </a:tblGrid>
-              <a:tr h="280109">
+              <a:tr h="457200">
                 <a:tc>
                   <a:txBody>
                     <a:bodyPr/>
@@ -4364,7 +4610,7 @@
                     </a:p>
                   </a:txBody>
                   <a:tcPr marL="69151" marR="69151" marT="34576" marB="34576">
-                    <a:lnL w="12700" cap="flat" cmpd="sng" algn="ctr">
+                    <a:lnL w="28575" cap="flat" cmpd="sng" algn="ctr">
                       <a:solidFill>
                         <a:schemeClr val="tx1"/>
                       </a:solidFill>
@@ -4373,7 +4619,7 @@
                       <a:headEnd type="none" w="med" len="med"/>
                       <a:tailEnd type="none" w="med" len="med"/>
                     </a:lnL>
-                    <a:lnR w="12700" cap="flat" cmpd="sng" algn="ctr">
+                    <a:lnR w="28575" cap="flat" cmpd="sng" algn="ctr">
                       <a:solidFill>
                         <a:schemeClr val="tx1"/>
                       </a:solidFill>
@@ -4382,7 +4628,7 @@
                       <a:headEnd type="none" w="med" len="med"/>
                       <a:tailEnd type="none" w="med" len="med"/>
                     </a:lnR>
-                    <a:lnT w="12700" cap="flat" cmpd="sng" algn="ctr">
+                    <a:lnT w="28575" cap="flat" cmpd="sng" algn="ctr">
                       <a:solidFill>
                         <a:schemeClr val="tx1"/>
                       </a:solidFill>
@@ -4391,7 +4637,7 @@
                       <a:headEnd type="none" w="med" len="med"/>
                       <a:tailEnd type="none" w="med" len="med"/>
                     </a:lnT>
-                    <a:lnB w="12700" cap="flat" cmpd="sng" algn="ctr">
+                    <a:lnB w="28575" cap="flat" cmpd="sng" algn="ctr">
                       <a:solidFill>
                         <a:schemeClr val="tx1"/>
                       </a:solidFill>
@@ -4426,7 +4672,7 @@
                     </a:p>
                   </a:txBody>
                   <a:tcPr marL="69151" marR="69151" marT="34576" marB="34576">
-                    <a:lnL w="12700" cap="flat" cmpd="sng" algn="ctr">
+                    <a:lnL w="28575" cap="flat" cmpd="sng" algn="ctr">
                       <a:solidFill>
                         <a:schemeClr val="tx1"/>
                       </a:solidFill>
@@ -4435,7 +4681,7 @@
                       <a:headEnd type="none" w="med" len="med"/>
                       <a:tailEnd type="none" w="med" len="med"/>
                     </a:lnL>
-                    <a:lnR w="12700" cap="flat" cmpd="sng" algn="ctr">
+                    <a:lnR w="28575" cap="flat" cmpd="sng" algn="ctr">
                       <a:solidFill>
                         <a:schemeClr val="tx1"/>
                       </a:solidFill>
@@ -4444,7 +4690,7 @@
                       <a:headEnd type="none" w="med" len="med"/>
                       <a:tailEnd type="none" w="med" len="med"/>
                     </a:lnR>
-                    <a:lnT w="12700" cap="flat" cmpd="sng" algn="ctr">
+                    <a:lnT w="28575" cap="flat" cmpd="sng" algn="ctr">
                       <a:solidFill>
                         <a:schemeClr val="tx1"/>
                       </a:solidFill>
@@ -4453,7 +4699,7 @@
                       <a:headEnd type="none" w="med" len="med"/>
                       <a:tailEnd type="none" w="med" len="med"/>
                     </a:lnT>
-                    <a:lnB w="12700" cap="flat" cmpd="sng" algn="ctr">
+                    <a:lnB w="28575" cap="flat" cmpd="sng" algn="ctr">
                       <a:solidFill>
                         <a:schemeClr val="tx1"/>
                       </a:solidFill>
@@ -4488,7 +4734,7 @@
                     </a:p>
                   </a:txBody>
                   <a:tcPr marL="69151" marR="69151" marT="34576" marB="34576">
-                    <a:lnL w="12700" cap="flat" cmpd="sng" algn="ctr">
+                    <a:lnL w="28575" cap="flat" cmpd="sng" algn="ctr">
                       <a:solidFill>
                         <a:schemeClr val="tx1"/>
                       </a:solidFill>
@@ -4497,7 +4743,7 @@
                       <a:headEnd type="none" w="med" len="med"/>
                       <a:tailEnd type="none" w="med" len="med"/>
                     </a:lnL>
-                    <a:lnR w="12700" cap="flat" cmpd="sng" algn="ctr">
+                    <a:lnR w="28575" cap="flat" cmpd="sng" algn="ctr">
                       <a:solidFill>
                         <a:schemeClr val="tx1"/>
                       </a:solidFill>
@@ -4506,7 +4752,7 @@
                       <a:headEnd type="none" w="med" len="med"/>
                       <a:tailEnd type="none" w="med" len="med"/>
                     </a:lnR>
-                    <a:lnT w="12700" cap="flat" cmpd="sng" algn="ctr">
+                    <a:lnT w="28575" cap="flat" cmpd="sng" algn="ctr">
                       <a:solidFill>
                         <a:schemeClr val="tx1"/>
                       </a:solidFill>
@@ -4515,7 +4761,7 @@
                       <a:headEnd type="none" w="med" len="med"/>
                       <a:tailEnd type="none" w="med" len="med"/>
                     </a:lnT>
-                    <a:lnB w="12700" cap="flat" cmpd="sng" algn="ctr">
+                    <a:lnB w="28575" cap="flat" cmpd="sng" algn="ctr">
                       <a:solidFill>
                         <a:schemeClr val="tx1"/>
                       </a:solidFill>
@@ -4538,21 +4784,21 @@
       </p:graphicFrame>
       <p:graphicFrame>
         <p:nvGraphicFramePr>
-          <p:cNvPr id="11" name="Table 10"/>
+          <p:cNvPr id="14" name="Table 13"/>
           <p:cNvGraphicFramePr>
             <a:graphicFrameLocks noGrp="1"/>
           </p:cNvGraphicFramePr>
           <p:nvPr>
             <p:extLst>
               <p:ext uri="{D42A27DB-BD31-4B8C-83A1-F6EECF244321}">
-                <p14:modId xmlns:p14="http://schemas.microsoft.com/office/powerpoint/2010/main" val="1135769015"/>
+                <p14:modId xmlns:p14="http://schemas.microsoft.com/office/powerpoint/2010/main" val="890542027"/>
               </p:ext>
             </p:extLst>
           </p:nvPr>
         </p:nvGraphicFramePr>
         <p:xfrm>
-          <a:off x="1873957" y="4523314"/>
-          <a:ext cx="1365954" cy="343472"/>
+          <a:off x="4311448" y="2208729"/>
+          <a:ext cx="1920240" cy="457200"/>
         </p:xfrm>
         <a:graphic>
           <a:graphicData uri="http://schemas.openxmlformats.org/drawingml/2006/table">
@@ -4561,11 +4807,11 @@
                 <a:tableStyleId>{5C22544A-7EE6-4342-B048-85BDC9FD1C3A}</a:tableStyleId>
               </a:tblPr>
               <a:tblGrid>
-                <a:gridCol w="455318"/>
-                <a:gridCol w="455318"/>
-                <a:gridCol w="455318"/>
+                <a:gridCol w="640080"/>
+                <a:gridCol w="640080"/>
+                <a:gridCol w="640080"/>
               </a:tblGrid>
-              <a:tr h="280109">
+              <a:tr h="457200">
                 <a:tc>
                   <a:txBody>
                     <a:bodyPr/>
@@ -4586,7 +4832,7 @@
                     </a:p>
                   </a:txBody>
                   <a:tcPr marL="69151" marR="69151" marT="34576" marB="34576">
-                    <a:lnL w="12700" cap="flat" cmpd="sng" algn="ctr">
+                    <a:lnL w="28575" cap="flat" cmpd="sng" algn="ctr">
                       <a:solidFill>
                         <a:schemeClr val="tx1"/>
                       </a:solidFill>
@@ -4595,7 +4841,7 @@
                       <a:headEnd type="none" w="med" len="med"/>
                       <a:tailEnd type="none" w="med" len="med"/>
                     </a:lnL>
-                    <a:lnR w="12700" cap="flat" cmpd="sng" algn="ctr">
+                    <a:lnR w="28575" cap="flat" cmpd="sng" algn="ctr">
                       <a:solidFill>
                         <a:schemeClr val="tx1"/>
                       </a:solidFill>
@@ -4604,7 +4850,7 @@
                       <a:headEnd type="none" w="med" len="med"/>
                       <a:tailEnd type="none" w="med" len="med"/>
                     </a:lnR>
-                    <a:lnT w="12700" cap="flat" cmpd="sng" algn="ctr">
+                    <a:lnT w="28575" cap="flat" cmpd="sng" algn="ctr">
                       <a:solidFill>
                         <a:schemeClr val="tx1"/>
                       </a:solidFill>
@@ -4613,7 +4859,7 @@
                       <a:headEnd type="none" w="med" len="med"/>
                       <a:tailEnd type="none" w="med" len="med"/>
                     </a:lnT>
-                    <a:lnB w="12700" cap="flat" cmpd="sng" algn="ctr">
+                    <a:lnB w="28575" cap="flat" cmpd="sng" algn="ctr">
                       <a:solidFill>
                         <a:schemeClr val="tx1"/>
                       </a:solidFill>
@@ -4648,7 +4894,7 @@
                     </a:p>
                   </a:txBody>
                   <a:tcPr marL="69151" marR="69151" marT="34576" marB="34576">
-                    <a:lnL w="12700" cap="flat" cmpd="sng" algn="ctr">
+                    <a:lnL w="28575" cap="flat" cmpd="sng" algn="ctr">
                       <a:solidFill>
                         <a:schemeClr val="tx1"/>
                       </a:solidFill>
@@ -4657,7 +4903,7 @@
                       <a:headEnd type="none" w="med" len="med"/>
                       <a:tailEnd type="none" w="med" len="med"/>
                     </a:lnL>
-                    <a:lnR w="12700" cap="flat" cmpd="sng" algn="ctr">
+                    <a:lnR w="28575" cap="flat" cmpd="sng" algn="ctr">
                       <a:solidFill>
                         <a:schemeClr val="tx1"/>
                       </a:solidFill>
@@ -4666,7 +4912,7 @@
                       <a:headEnd type="none" w="med" len="med"/>
                       <a:tailEnd type="none" w="med" len="med"/>
                     </a:lnR>
-                    <a:lnT w="12700" cap="flat" cmpd="sng" algn="ctr">
+                    <a:lnT w="28575" cap="flat" cmpd="sng" algn="ctr">
                       <a:solidFill>
                         <a:schemeClr val="tx1"/>
                       </a:solidFill>
@@ -4675,7 +4921,7 @@
                       <a:headEnd type="none" w="med" len="med"/>
                       <a:tailEnd type="none" w="med" len="med"/>
                     </a:lnT>
-                    <a:lnB w="12700" cap="flat" cmpd="sng" algn="ctr">
+                    <a:lnB w="28575" cap="flat" cmpd="sng" algn="ctr">
                       <a:solidFill>
                         <a:schemeClr val="tx1"/>
                       </a:solidFill>
@@ -4710,7 +4956,7 @@
                     </a:p>
                   </a:txBody>
                   <a:tcPr marL="69151" marR="69151" marT="34576" marB="34576">
-                    <a:lnL w="12700" cap="flat" cmpd="sng" algn="ctr">
+                    <a:lnL w="28575" cap="flat" cmpd="sng" algn="ctr">
                       <a:solidFill>
                         <a:schemeClr val="tx1"/>
                       </a:solidFill>
@@ -4719,7 +4965,7 @@
                       <a:headEnd type="none" w="med" len="med"/>
                       <a:tailEnd type="none" w="med" len="med"/>
                     </a:lnL>
-                    <a:lnR w="12700" cap="flat" cmpd="sng" algn="ctr">
+                    <a:lnR w="28575" cap="flat" cmpd="sng" algn="ctr">
                       <a:solidFill>
                         <a:schemeClr val="tx1"/>
                       </a:solidFill>
@@ -4728,7 +4974,7 @@
                       <a:headEnd type="none" w="med" len="med"/>
                       <a:tailEnd type="none" w="med" len="med"/>
                     </a:lnR>
-                    <a:lnT w="12700" cap="flat" cmpd="sng" algn="ctr">
+                    <a:lnT w="28575" cap="flat" cmpd="sng" algn="ctr">
                       <a:solidFill>
                         <a:schemeClr val="tx1"/>
                       </a:solidFill>
@@ -4737,7 +4983,7 @@
                       <a:headEnd type="none" w="med" len="med"/>
                       <a:tailEnd type="none" w="med" len="med"/>
                     </a:lnT>
-                    <a:lnB w="12700" cap="flat" cmpd="sng" algn="ctr">
+                    <a:lnB w="28575" cap="flat" cmpd="sng" algn="ctr">
                       <a:solidFill>
                         <a:schemeClr val="tx1"/>
                       </a:solidFill>
@@ -4760,21 +5006,21 @@
       </p:graphicFrame>
       <p:graphicFrame>
         <p:nvGraphicFramePr>
-          <p:cNvPr id="12" name="Table 11"/>
+          <p:cNvPr id="15" name="Table 14"/>
           <p:cNvGraphicFramePr>
             <a:graphicFrameLocks noGrp="1"/>
           </p:cNvGraphicFramePr>
           <p:nvPr>
             <p:extLst>
               <p:ext uri="{D42A27DB-BD31-4B8C-83A1-F6EECF244321}">
-                <p14:modId xmlns:p14="http://schemas.microsoft.com/office/powerpoint/2010/main" val="2035180569"/>
+                <p14:modId xmlns:p14="http://schemas.microsoft.com/office/powerpoint/2010/main" val="1526311846"/>
               </p:ext>
             </p:extLst>
           </p:nvPr>
         </p:nvGraphicFramePr>
         <p:xfrm>
-          <a:off x="1873957" y="5296603"/>
-          <a:ext cx="1365954" cy="343472"/>
+          <a:off x="4320430" y="2982632"/>
+          <a:ext cx="1920240" cy="457200"/>
         </p:xfrm>
         <a:graphic>
           <a:graphicData uri="http://schemas.openxmlformats.org/drawingml/2006/table">
@@ -4783,11 +5029,11 @@
                 <a:tableStyleId>{5C22544A-7EE6-4342-B048-85BDC9FD1C3A}</a:tableStyleId>
               </a:tblPr>
               <a:tblGrid>
-                <a:gridCol w="455318"/>
-                <a:gridCol w="455318"/>
-                <a:gridCol w="455318"/>
+                <a:gridCol w="640080"/>
+                <a:gridCol w="640080"/>
+                <a:gridCol w="640080"/>
               </a:tblGrid>
-              <a:tr h="280109">
+              <a:tr h="457200">
                 <a:tc>
                   <a:txBody>
                     <a:bodyPr/>
@@ -4808,7 +5054,7 @@
                     </a:p>
                   </a:txBody>
                   <a:tcPr marL="69151" marR="69151" marT="34576" marB="34576">
-                    <a:lnL w="12700" cap="flat" cmpd="sng" algn="ctr">
+                    <a:lnL w="28575" cap="flat" cmpd="sng" algn="ctr">
                       <a:solidFill>
                         <a:schemeClr val="tx1"/>
                       </a:solidFill>
@@ -4817,7 +5063,7 @@
                       <a:headEnd type="none" w="med" len="med"/>
                       <a:tailEnd type="none" w="med" len="med"/>
                     </a:lnL>
-                    <a:lnR w="12700" cap="flat" cmpd="sng" algn="ctr">
+                    <a:lnR w="28575" cap="flat" cmpd="sng" algn="ctr">
                       <a:solidFill>
                         <a:schemeClr val="tx1"/>
                       </a:solidFill>
@@ -4826,7 +5072,7 @@
                       <a:headEnd type="none" w="med" len="med"/>
                       <a:tailEnd type="none" w="med" len="med"/>
                     </a:lnR>
-                    <a:lnT w="12700" cap="flat" cmpd="sng" algn="ctr">
+                    <a:lnT w="28575" cap="flat" cmpd="sng" algn="ctr">
                       <a:solidFill>
                         <a:schemeClr val="tx1"/>
                       </a:solidFill>
@@ -4835,7 +5081,7 @@
                       <a:headEnd type="none" w="med" len="med"/>
                       <a:tailEnd type="none" w="med" len="med"/>
                     </a:lnT>
-                    <a:lnB w="12700" cap="flat" cmpd="sng" algn="ctr">
+                    <a:lnB w="28575" cap="flat" cmpd="sng" algn="ctr">
                       <a:solidFill>
                         <a:schemeClr val="tx1"/>
                       </a:solidFill>
@@ -4870,7 +5116,7 @@
                     </a:p>
                   </a:txBody>
                   <a:tcPr marL="69151" marR="69151" marT="34576" marB="34576">
-                    <a:lnL w="12700" cap="flat" cmpd="sng" algn="ctr">
+                    <a:lnL w="28575" cap="flat" cmpd="sng" algn="ctr">
                       <a:solidFill>
                         <a:schemeClr val="tx1"/>
                       </a:solidFill>
@@ -4879,7 +5125,7 @@
                       <a:headEnd type="none" w="med" len="med"/>
                       <a:tailEnd type="none" w="med" len="med"/>
                     </a:lnL>
-                    <a:lnR w="12700" cap="flat" cmpd="sng" algn="ctr">
+                    <a:lnR w="28575" cap="flat" cmpd="sng" algn="ctr">
                       <a:solidFill>
                         <a:schemeClr val="tx1"/>
                       </a:solidFill>
@@ -4888,7 +5134,7 @@
                       <a:headEnd type="none" w="med" len="med"/>
                       <a:tailEnd type="none" w="med" len="med"/>
                     </a:lnR>
-                    <a:lnT w="12700" cap="flat" cmpd="sng" algn="ctr">
+                    <a:lnT w="28575" cap="flat" cmpd="sng" algn="ctr">
                       <a:solidFill>
                         <a:schemeClr val="tx1"/>
                       </a:solidFill>
@@ -4897,7 +5143,7 @@
                       <a:headEnd type="none" w="med" len="med"/>
                       <a:tailEnd type="none" w="med" len="med"/>
                     </a:lnT>
-                    <a:lnB w="12700" cap="flat" cmpd="sng" algn="ctr">
+                    <a:lnB w="28575" cap="flat" cmpd="sng" algn="ctr">
                       <a:solidFill>
                         <a:schemeClr val="tx1"/>
                       </a:solidFill>
@@ -4932,7 +5178,7 @@
                     </a:p>
                   </a:txBody>
                   <a:tcPr marL="69151" marR="69151" marT="34576" marB="34576">
-                    <a:lnL w="12700" cap="flat" cmpd="sng" algn="ctr">
+                    <a:lnL w="28575" cap="flat" cmpd="sng" algn="ctr">
                       <a:solidFill>
                         <a:schemeClr val="tx1"/>
                       </a:solidFill>
@@ -4941,7 +5187,7 @@
                       <a:headEnd type="none" w="med" len="med"/>
                       <a:tailEnd type="none" w="med" len="med"/>
                     </a:lnL>
-                    <a:lnR w="12700" cap="flat" cmpd="sng" algn="ctr">
+                    <a:lnR w="28575" cap="flat" cmpd="sng" algn="ctr">
                       <a:solidFill>
                         <a:schemeClr val="tx1"/>
                       </a:solidFill>
@@ -4950,7 +5196,7 @@
                       <a:headEnd type="none" w="med" len="med"/>
                       <a:tailEnd type="none" w="med" len="med"/>
                     </a:lnR>
-                    <a:lnT w="12700" cap="flat" cmpd="sng" algn="ctr">
+                    <a:lnT w="28575" cap="flat" cmpd="sng" algn="ctr">
                       <a:solidFill>
                         <a:schemeClr val="tx1"/>
                       </a:solidFill>
@@ -4959,7 +5205,7 @@
                       <a:headEnd type="none" w="med" len="med"/>
                       <a:tailEnd type="none" w="med" len="med"/>
                     </a:lnT>
-                    <a:lnB w="12700" cap="flat" cmpd="sng" algn="ctr">
+                    <a:lnB w="28575" cap="flat" cmpd="sng" algn="ctr">
                       <a:solidFill>
                         <a:schemeClr val="tx1"/>
                       </a:solidFill>
@@ -4982,21 +5228,21 @@
       </p:graphicFrame>
       <p:graphicFrame>
         <p:nvGraphicFramePr>
-          <p:cNvPr id="13" name="Table 12"/>
+          <p:cNvPr id="16" name="Table 15"/>
           <p:cNvGraphicFramePr>
             <a:graphicFrameLocks noGrp="1"/>
           </p:cNvGraphicFramePr>
           <p:nvPr>
             <p:extLst>
               <p:ext uri="{D42A27DB-BD31-4B8C-83A1-F6EECF244321}">
-                <p14:modId xmlns:p14="http://schemas.microsoft.com/office/powerpoint/2010/main" val="160293767"/>
+                <p14:modId xmlns:p14="http://schemas.microsoft.com/office/powerpoint/2010/main" val="1031032307"/>
               </p:ext>
             </p:extLst>
           </p:nvPr>
         </p:nvGraphicFramePr>
         <p:xfrm>
-          <a:off x="3889023" y="1430158"/>
-          <a:ext cx="1365954" cy="343472"/>
+          <a:off x="4311448" y="3755652"/>
+          <a:ext cx="1920240" cy="457200"/>
         </p:xfrm>
         <a:graphic>
           <a:graphicData uri="http://schemas.openxmlformats.org/drawingml/2006/table">
@@ -5005,11 +5251,11 @@
                 <a:tableStyleId>{5C22544A-7EE6-4342-B048-85BDC9FD1C3A}</a:tableStyleId>
               </a:tblPr>
               <a:tblGrid>
-                <a:gridCol w="455318"/>
-                <a:gridCol w="455318"/>
-                <a:gridCol w="455318"/>
+                <a:gridCol w="640080"/>
+                <a:gridCol w="640080"/>
+                <a:gridCol w="640080"/>
               </a:tblGrid>
-              <a:tr h="280109">
+              <a:tr h="457200">
                 <a:tc>
                   <a:txBody>
                     <a:bodyPr/>
@@ -5030,7 +5276,7 @@
                     </a:p>
                   </a:txBody>
                   <a:tcPr marL="69151" marR="69151" marT="34576" marB="34576">
-                    <a:lnL w="12700" cap="flat" cmpd="sng" algn="ctr">
+                    <a:lnL w="28575" cap="flat" cmpd="sng" algn="ctr">
                       <a:solidFill>
                         <a:schemeClr val="tx1"/>
                       </a:solidFill>
@@ -5039,7 +5285,7 @@
                       <a:headEnd type="none" w="med" len="med"/>
                       <a:tailEnd type="none" w="med" len="med"/>
                     </a:lnL>
-                    <a:lnR w="12700" cap="flat" cmpd="sng" algn="ctr">
+                    <a:lnR w="28575" cap="flat" cmpd="sng" algn="ctr">
                       <a:solidFill>
                         <a:schemeClr val="tx1"/>
                       </a:solidFill>
@@ -5048,7 +5294,7 @@
                       <a:headEnd type="none" w="med" len="med"/>
                       <a:tailEnd type="none" w="med" len="med"/>
                     </a:lnR>
-                    <a:lnT w="12700" cap="flat" cmpd="sng" algn="ctr">
+                    <a:lnT w="28575" cap="flat" cmpd="sng" algn="ctr">
                       <a:solidFill>
                         <a:schemeClr val="tx1"/>
                       </a:solidFill>
@@ -5057,7 +5303,7 @@
                       <a:headEnd type="none" w="med" len="med"/>
                       <a:tailEnd type="none" w="med" len="med"/>
                     </a:lnT>
-                    <a:lnB w="12700" cap="flat" cmpd="sng" algn="ctr">
+                    <a:lnB w="28575" cap="flat" cmpd="sng" algn="ctr">
                       <a:solidFill>
                         <a:schemeClr val="tx1"/>
                       </a:solidFill>
@@ -5092,7 +5338,7 @@
                     </a:p>
                   </a:txBody>
                   <a:tcPr marL="69151" marR="69151" marT="34576" marB="34576">
-                    <a:lnL w="12700" cap="flat" cmpd="sng" algn="ctr">
+                    <a:lnL w="28575" cap="flat" cmpd="sng" algn="ctr">
                       <a:solidFill>
                         <a:schemeClr val="tx1"/>
                       </a:solidFill>
@@ -5101,7 +5347,7 @@
                       <a:headEnd type="none" w="med" len="med"/>
                       <a:tailEnd type="none" w="med" len="med"/>
                     </a:lnL>
-                    <a:lnR w="12700" cap="flat" cmpd="sng" algn="ctr">
+                    <a:lnR w="28575" cap="flat" cmpd="sng" algn="ctr">
                       <a:solidFill>
                         <a:schemeClr val="tx1"/>
                       </a:solidFill>
@@ -5110,7 +5356,7 @@
                       <a:headEnd type="none" w="med" len="med"/>
                       <a:tailEnd type="none" w="med" len="med"/>
                     </a:lnR>
-                    <a:lnT w="12700" cap="flat" cmpd="sng" algn="ctr">
+                    <a:lnT w="28575" cap="flat" cmpd="sng" algn="ctr">
                       <a:solidFill>
                         <a:schemeClr val="tx1"/>
                       </a:solidFill>
@@ -5119,7 +5365,7 @@
                       <a:headEnd type="none" w="med" len="med"/>
                       <a:tailEnd type="none" w="med" len="med"/>
                     </a:lnT>
-                    <a:lnB w="12700" cap="flat" cmpd="sng" algn="ctr">
+                    <a:lnB w="28575" cap="flat" cmpd="sng" algn="ctr">
                       <a:solidFill>
                         <a:schemeClr val="tx1"/>
                       </a:solidFill>
@@ -5154,7 +5400,7 @@
                     </a:p>
                   </a:txBody>
                   <a:tcPr marL="69151" marR="69151" marT="34576" marB="34576">
-                    <a:lnL w="12700" cap="flat" cmpd="sng" algn="ctr">
+                    <a:lnL w="28575" cap="flat" cmpd="sng" algn="ctr">
                       <a:solidFill>
                         <a:schemeClr val="tx1"/>
                       </a:solidFill>
@@ -5163,7 +5409,7 @@
                       <a:headEnd type="none" w="med" len="med"/>
                       <a:tailEnd type="none" w="med" len="med"/>
                     </a:lnL>
-                    <a:lnR w="12700" cap="flat" cmpd="sng" algn="ctr">
+                    <a:lnR w="28575" cap="flat" cmpd="sng" algn="ctr">
                       <a:solidFill>
                         <a:schemeClr val="tx1"/>
                       </a:solidFill>
@@ -5172,7 +5418,7 @@
                       <a:headEnd type="none" w="med" len="med"/>
                       <a:tailEnd type="none" w="med" len="med"/>
                     </a:lnR>
-                    <a:lnT w="12700" cap="flat" cmpd="sng" algn="ctr">
+                    <a:lnT w="28575" cap="flat" cmpd="sng" algn="ctr">
                       <a:solidFill>
                         <a:schemeClr val="tx1"/>
                       </a:solidFill>
@@ -5181,7 +5427,7 @@
                       <a:headEnd type="none" w="med" len="med"/>
                       <a:tailEnd type="none" w="med" len="med"/>
                     </a:lnT>
-                    <a:lnB w="12700" cap="flat" cmpd="sng" algn="ctr">
+                    <a:lnB w="28575" cap="flat" cmpd="sng" algn="ctr">
                       <a:solidFill>
                         <a:schemeClr val="tx1"/>
                       </a:solidFill>
@@ -5204,21 +5450,21 @@
       </p:graphicFrame>
       <p:graphicFrame>
         <p:nvGraphicFramePr>
-          <p:cNvPr id="14" name="Table 13"/>
+          <p:cNvPr id="17" name="Table 16"/>
           <p:cNvGraphicFramePr>
             <a:graphicFrameLocks noGrp="1"/>
           </p:cNvGraphicFramePr>
           <p:nvPr>
             <p:extLst>
               <p:ext uri="{D42A27DB-BD31-4B8C-83A1-F6EECF244321}">
-                <p14:modId xmlns:p14="http://schemas.microsoft.com/office/powerpoint/2010/main" val="1112848631"/>
+                <p14:modId xmlns:p14="http://schemas.microsoft.com/office/powerpoint/2010/main" val="514436106"/>
               </p:ext>
             </p:extLst>
           </p:nvPr>
         </p:nvGraphicFramePr>
         <p:xfrm>
-          <a:off x="3889023" y="2203447"/>
-          <a:ext cx="1365954" cy="343472"/>
+          <a:off x="4322930" y="4529555"/>
+          <a:ext cx="1920240" cy="457200"/>
         </p:xfrm>
         <a:graphic>
           <a:graphicData uri="http://schemas.openxmlformats.org/drawingml/2006/table">
@@ -5227,11 +5473,11 @@
                 <a:tableStyleId>{5C22544A-7EE6-4342-B048-85BDC9FD1C3A}</a:tableStyleId>
               </a:tblPr>
               <a:tblGrid>
-                <a:gridCol w="455318"/>
-                <a:gridCol w="455318"/>
-                <a:gridCol w="455318"/>
+                <a:gridCol w="640080"/>
+                <a:gridCol w="640080"/>
+                <a:gridCol w="640080"/>
               </a:tblGrid>
-              <a:tr h="280109">
+              <a:tr h="457200">
                 <a:tc>
                   <a:txBody>
                     <a:bodyPr/>
@@ -5252,7 +5498,7 @@
                     </a:p>
                   </a:txBody>
                   <a:tcPr marL="69151" marR="69151" marT="34576" marB="34576">
-                    <a:lnL w="12700" cap="flat" cmpd="sng" algn="ctr">
+                    <a:lnL w="28575" cap="flat" cmpd="sng" algn="ctr">
                       <a:solidFill>
                         <a:schemeClr val="tx1"/>
                       </a:solidFill>
@@ -5261,7 +5507,7 @@
                       <a:headEnd type="none" w="med" len="med"/>
                       <a:tailEnd type="none" w="med" len="med"/>
                     </a:lnL>
-                    <a:lnR w="12700" cap="flat" cmpd="sng" algn="ctr">
+                    <a:lnR w="28575" cap="flat" cmpd="sng" algn="ctr">
                       <a:solidFill>
                         <a:schemeClr val="tx1"/>
                       </a:solidFill>
@@ -5270,7 +5516,7 @@
                       <a:headEnd type="none" w="med" len="med"/>
                       <a:tailEnd type="none" w="med" len="med"/>
                     </a:lnR>
-                    <a:lnT w="12700" cap="flat" cmpd="sng" algn="ctr">
+                    <a:lnT w="28575" cap="flat" cmpd="sng" algn="ctr">
                       <a:solidFill>
                         <a:schemeClr val="tx1"/>
                       </a:solidFill>
@@ -5279,7 +5525,7 @@
                       <a:headEnd type="none" w="med" len="med"/>
                       <a:tailEnd type="none" w="med" len="med"/>
                     </a:lnT>
-                    <a:lnB w="12700" cap="flat" cmpd="sng" algn="ctr">
+                    <a:lnB w="28575" cap="flat" cmpd="sng" algn="ctr">
                       <a:solidFill>
                         <a:schemeClr val="tx1"/>
                       </a:solidFill>
@@ -5314,7 +5560,7 @@
                     </a:p>
                   </a:txBody>
                   <a:tcPr marL="69151" marR="69151" marT="34576" marB="34576">
-                    <a:lnL w="12700" cap="flat" cmpd="sng" algn="ctr">
+                    <a:lnL w="28575" cap="flat" cmpd="sng" algn="ctr">
                       <a:solidFill>
                         <a:schemeClr val="tx1"/>
                       </a:solidFill>
@@ -5323,7 +5569,7 @@
                       <a:headEnd type="none" w="med" len="med"/>
                       <a:tailEnd type="none" w="med" len="med"/>
                     </a:lnL>
-                    <a:lnR w="12700" cap="flat" cmpd="sng" algn="ctr">
+                    <a:lnR w="28575" cap="flat" cmpd="sng" algn="ctr">
                       <a:solidFill>
                         <a:schemeClr val="tx1"/>
                       </a:solidFill>
@@ -5332,7 +5578,7 @@
                       <a:headEnd type="none" w="med" len="med"/>
                       <a:tailEnd type="none" w="med" len="med"/>
                     </a:lnR>
-                    <a:lnT w="12700" cap="flat" cmpd="sng" algn="ctr">
+                    <a:lnT w="28575" cap="flat" cmpd="sng" algn="ctr">
                       <a:solidFill>
                         <a:schemeClr val="tx1"/>
                       </a:solidFill>
@@ -5341,7 +5587,7 @@
                       <a:headEnd type="none" w="med" len="med"/>
                       <a:tailEnd type="none" w="med" len="med"/>
                     </a:lnT>
-                    <a:lnB w="12700" cap="flat" cmpd="sng" algn="ctr">
+                    <a:lnB w="28575" cap="flat" cmpd="sng" algn="ctr">
                       <a:solidFill>
                         <a:schemeClr val="tx1"/>
                       </a:solidFill>
@@ -5376,7 +5622,7 @@
                     </a:p>
                   </a:txBody>
                   <a:tcPr marL="69151" marR="69151" marT="34576" marB="34576">
-                    <a:lnL w="12700" cap="flat" cmpd="sng" algn="ctr">
+                    <a:lnL w="28575" cap="flat" cmpd="sng" algn="ctr">
                       <a:solidFill>
                         <a:schemeClr val="tx1"/>
                       </a:solidFill>
@@ -5385,7 +5631,7 @@
                       <a:headEnd type="none" w="med" len="med"/>
                       <a:tailEnd type="none" w="med" len="med"/>
                     </a:lnL>
-                    <a:lnR w="12700" cap="flat" cmpd="sng" algn="ctr">
+                    <a:lnR w="28575" cap="flat" cmpd="sng" algn="ctr">
                       <a:solidFill>
                         <a:schemeClr val="tx1"/>
                       </a:solidFill>
@@ -5394,7 +5640,7 @@
                       <a:headEnd type="none" w="med" len="med"/>
                       <a:tailEnd type="none" w="med" len="med"/>
                     </a:lnR>
-                    <a:lnT w="12700" cap="flat" cmpd="sng" algn="ctr">
+                    <a:lnT w="28575" cap="flat" cmpd="sng" algn="ctr">
                       <a:solidFill>
                         <a:schemeClr val="tx1"/>
                       </a:solidFill>
@@ -5403,7 +5649,7 @@
                       <a:headEnd type="none" w="med" len="med"/>
                       <a:tailEnd type="none" w="med" len="med"/>
                     </a:lnT>
-                    <a:lnB w="12700" cap="flat" cmpd="sng" algn="ctr">
+                    <a:lnB w="28575" cap="flat" cmpd="sng" algn="ctr">
                       <a:solidFill>
                         <a:schemeClr val="tx1"/>
                       </a:solidFill>
@@ -5426,21 +5672,21 @@
       </p:graphicFrame>
       <p:graphicFrame>
         <p:nvGraphicFramePr>
-          <p:cNvPr id="15" name="Table 14"/>
+          <p:cNvPr id="18" name="Table 17"/>
           <p:cNvGraphicFramePr>
             <a:graphicFrameLocks noGrp="1"/>
           </p:cNvGraphicFramePr>
           <p:nvPr>
             <p:extLst>
               <p:ext uri="{D42A27DB-BD31-4B8C-83A1-F6EECF244321}">
-                <p14:modId xmlns:p14="http://schemas.microsoft.com/office/powerpoint/2010/main" val="1211859494"/>
+                <p14:modId xmlns:p14="http://schemas.microsoft.com/office/powerpoint/2010/main" val="358470720"/>
               </p:ext>
             </p:extLst>
           </p:nvPr>
         </p:nvGraphicFramePr>
         <p:xfrm>
-          <a:off x="3889023" y="2976736"/>
-          <a:ext cx="1365954" cy="343472"/>
+          <a:off x="4318937" y="5301962"/>
+          <a:ext cx="1920240" cy="457200"/>
         </p:xfrm>
         <a:graphic>
           <a:graphicData uri="http://schemas.openxmlformats.org/drawingml/2006/table">
@@ -5449,11 +5695,11 @@
                 <a:tableStyleId>{5C22544A-7EE6-4342-B048-85BDC9FD1C3A}</a:tableStyleId>
               </a:tblPr>
               <a:tblGrid>
-                <a:gridCol w="455318"/>
-                <a:gridCol w="455318"/>
-                <a:gridCol w="455318"/>
+                <a:gridCol w="640080"/>
+                <a:gridCol w="640080"/>
+                <a:gridCol w="640080"/>
               </a:tblGrid>
-              <a:tr h="280109">
+              <a:tr h="457200">
                 <a:tc>
                   <a:txBody>
                     <a:bodyPr/>
@@ -5474,7 +5720,7 @@
                     </a:p>
                   </a:txBody>
                   <a:tcPr marL="69151" marR="69151" marT="34576" marB="34576">
-                    <a:lnL w="12700" cap="flat" cmpd="sng" algn="ctr">
+                    <a:lnL w="28575" cap="flat" cmpd="sng" algn="ctr">
                       <a:solidFill>
                         <a:schemeClr val="tx1"/>
                       </a:solidFill>
@@ -5483,7 +5729,7 @@
                       <a:headEnd type="none" w="med" len="med"/>
                       <a:tailEnd type="none" w="med" len="med"/>
                     </a:lnL>
-                    <a:lnR w="12700" cap="flat" cmpd="sng" algn="ctr">
+                    <a:lnR w="28575" cap="flat" cmpd="sng" algn="ctr">
                       <a:solidFill>
                         <a:schemeClr val="tx1"/>
                       </a:solidFill>
@@ -5492,7 +5738,7 @@
                       <a:headEnd type="none" w="med" len="med"/>
                       <a:tailEnd type="none" w="med" len="med"/>
                     </a:lnR>
-                    <a:lnT w="12700" cap="flat" cmpd="sng" algn="ctr">
+                    <a:lnT w="28575" cap="flat" cmpd="sng" algn="ctr">
                       <a:solidFill>
                         <a:schemeClr val="tx1"/>
                       </a:solidFill>
@@ -5501,7 +5747,7 @@
                       <a:headEnd type="none" w="med" len="med"/>
                       <a:tailEnd type="none" w="med" len="med"/>
                     </a:lnT>
-                    <a:lnB w="12700" cap="flat" cmpd="sng" algn="ctr">
+                    <a:lnB w="28575" cap="flat" cmpd="sng" algn="ctr">
                       <a:solidFill>
                         <a:schemeClr val="tx1"/>
                       </a:solidFill>
@@ -5536,7 +5782,7 @@
                     </a:p>
                   </a:txBody>
                   <a:tcPr marL="69151" marR="69151" marT="34576" marB="34576">
-                    <a:lnL w="12700" cap="flat" cmpd="sng" algn="ctr">
+                    <a:lnL w="28575" cap="flat" cmpd="sng" algn="ctr">
                       <a:solidFill>
                         <a:schemeClr val="tx1"/>
                       </a:solidFill>
@@ -5545,7 +5791,7 @@
                       <a:headEnd type="none" w="med" len="med"/>
                       <a:tailEnd type="none" w="med" len="med"/>
                     </a:lnL>
-                    <a:lnR w="12700" cap="flat" cmpd="sng" algn="ctr">
+                    <a:lnR w="28575" cap="flat" cmpd="sng" algn="ctr">
                       <a:solidFill>
                         <a:schemeClr val="tx1"/>
                       </a:solidFill>
@@ -5554,7 +5800,7 @@
                       <a:headEnd type="none" w="med" len="med"/>
                       <a:tailEnd type="none" w="med" len="med"/>
                     </a:lnR>
-                    <a:lnT w="12700" cap="flat" cmpd="sng" algn="ctr">
+                    <a:lnT w="28575" cap="flat" cmpd="sng" algn="ctr">
                       <a:solidFill>
                         <a:schemeClr val="tx1"/>
                       </a:solidFill>
@@ -5563,7 +5809,7 @@
                       <a:headEnd type="none" w="med" len="med"/>
                       <a:tailEnd type="none" w="med" len="med"/>
                     </a:lnT>
-                    <a:lnB w="12700" cap="flat" cmpd="sng" algn="ctr">
+                    <a:lnB w="28575" cap="flat" cmpd="sng" algn="ctr">
                       <a:solidFill>
                         <a:schemeClr val="tx1"/>
                       </a:solidFill>
@@ -5598,7 +5844,7 @@
                     </a:p>
                   </a:txBody>
                   <a:tcPr marL="69151" marR="69151" marT="34576" marB="34576">
-                    <a:lnL w="12700" cap="flat" cmpd="sng" algn="ctr">
+                    <a:lnL w="28575" cap="flat" cmpd="sng" algn="ctr">
                       <a:solidFill>
                         <a:schemeClr val="tx1"/>
                       </a:solidFill>
@@ -5607,7 +5853,7 @@
                       <a:headEnd type="none" w="med" len="med"/>
                       <a:tailEnd type="none" w="med" len="med"/>
                     </a:lnL>
-                    <a:lnR w="12700" cap="flat" cmpd="sng" algn="ctr">
+                    <a:lnR w="28575" cap="flat" cmpd="sng" algn="ctr">
                       <a:solidFill>
                         <a:schemeClr val="tx1"/>
                       </a:solidFill>
@@ -5616,7 +5862,7 @@
                       <a:headEnd type="none" w="med" len="med"/>
                       <a:tailEnd type="none" w="med" len="med"/>
                     </a:lnR>
-                    <a:lnT w="12700" cap="flat" cmpd="sng" algn="ctr">
+                    <a:lnT w="28575" cap="flat" cmpd="sng" algn="ctr">
                       <a:solidFill>
                         <a:schemeClr val="tx1"/>
                       </a:solidFill>
@@ -5625,7 +5871,7 @@
                       <a:headEnd type="none" w="med" len="med"/>
                       <a:tailEnd type="none" w="med" len="med"/>
                     </a:lnT>
-                    <a:lnB w="12700" cap="flat" cmpd="sng" algn="ctr">
+                    <a:lnB w="28575" cap="flat" cmpd="sng" algn="ctr">
                       <a:solidFill>
                         <a:schemeClr val="tx1"/>
                       </a:solidFill>
@@ -5648,21 +5894,21 @@
       </p:graphicFrame>
       <p:graphicFrame>
         <p:nvGraphicFramePr>
-          <p:cNvPr id="16" name="Table 15"/>
+          <p:cNvPr id="19" name="Table 18"/>
           <p:cNvGraphicFramePr>
             <a:graphicFrameLocks noGrp="1"/>
           </p:cNvGraphicFramePr>
           <p:nvPr>
             <p:extLst>
               <p:ext uri="{D42A27DB-BD31-4B8C-83A1-F6EECF244321}">
-                <p14:modId xmlns:p14="http://schemas.microsoft.com/office/powerpoint/2010/main" val="987607510"/>
+                <p14:modId xmlns:p14="http://schemas.microsoft.com/office/powerpoint/2010/main" val="830632835"/>
               </p:ext>
             </p:extLst>
           </p:nvPr>
         </p:nvGraphicFramePr>
         <p:xfrm>
-          <a:off x="3889023" y="3750025"/>
-          <a:ext cx="1365954" cy="343472"/>
+          <a:off x="6761680" y="1431246"/>
+          <a:ext cx="1920240" cy="457200"/>
         </p:xfrm>
         <a:graphic>
           <a:graphicData uri="http://schemas.openxmlformats.org/drawingml/2006/table">
@@ -5671,11 +5917,11 @@
                 <a:tableStyleId>{5C22544A-7EE6-4342-B048-85BDC9FD1C3A}</a:tableStyleId>
               </a:tblPr>
               <a:tblGrid>
-                <a:gridCol w="455318"/>
-                <a:gridCol w="455318"/>
-                <a:gridCol w="455318"/>
+                <a:gridCol w="640080"/>
+                <a:gridCol w="640080"/>
+                <a:gridCol w="640080"/>
               </a:tblGrid>
-              <a:tr h="280109">
+              <a:tr h="457200">
                 <a:tc>
                   <a:txBody>
                     <a:bodyPr/>
@@ -5696,7 +5942,7 @@
                     </a:p>
                   </a:txBody>
                   <a:tcPr marL="69151" marR="69151" marT="34576" marB="34576">
-                    <a:lnL w="12700" cap="flat" cmpd="sng" algn="ctr">
+                    <a:lnL w="28575" cap="flat" cmpd="sng" algn="ctr">
                       <a:solidFill>
                         <a:schemeClr val="tx1"/>
                       </a:solidFill>
@@ -5705,7 +5951,7 @@
                       <a:headEnd type="none" w="med" len="med"/>
                       <a:tailEnd type="none" w="med" len="med"/>
                     </a:lnL>
-                    <a:lnR w="12700" cap="flat" cmpd="sng" algn="ctr">
+                    <a:lnR w="28575" cap="flat" cmpd="sng" algn="ctr">
                       <a:solidFill>
                         <a:schemeClr val="tx1"/>
                       </a:solidFill>
@@ -5714,7 +5960,7 @@
                       <a:headEnd type="none" w="med" len="med"/>
                       <a:tailEnd type="none" w="med" len="med"/>
                     </a:lnR>
-                    <a:lnT w="12700" cap="flat" cmpd="sng" algn="ctr">
+                    <a:lnT w="28575" cap="flat" cmpd="sng" algn="ctr">
                       <a:solidFill>
                         <a:schemeClr val="tx1"/>
                       </a:solidFill>
@@ -5723,7 +5969,253 @@
                       <a:headEnd type="none" w="med" len="med"/>
                       <a:tailEnd type="none" w="med" len="med"/>
                     </a:lnT>
-                    <a:lnB w="12700" cap="flat" cmpd="sng" algn="ctr">
+                    <a:lnB w="28575" cap="flat" cmpd="sng" algn="ctr">
+                      <a:solidFill>
+                        <a:schemeClr val="tx1"/>
+                      </a:solidFill>
+                      <a:prstDash val="solid"/>
+                      <a:round/>
+                      <a:headEnd type="none" w="med" len="med"/>
+                      <a:tailEnd type="none" w="med" len="med"/>
+                    </a:lnB>
+                    <a:lnTlToBr w="12700" cmpd="sng">
+                      <a:noFill/>
+                      <a:prstDash val="solid"/>
+                    </a:lnTlToBr>
+                    <a:lnBlToTr w="12700" cmpd="sng">
+                      <a:noFill/>
+                      <a:prstDash val="solid"/>
+                    </a:lnBlToTr>
+                    <a:solidFill>
+                      <a:schemeClr val="bg1">
+                        <a:lumMod val="95000"/>
+                      </a:schemeClr>
+                    </a:solidFill>
+                  </a:tcPr>
+                </a:tc>
+                <a:tc>
+                  <a:txBody>
+                    <a:bodyPr/>
+                    <a:lstStyle/>
+                    <a:p>
+                      <a:pPr algn="ctr"/>
+                      <a:endParaRPr lang="en-US" sz="1800" dirty="0">
+                        <a:solidFill>
+                          <a:schemeClr val="bg1">
+                            <a:lumMod val="65000"/>
+                          </a:schemeClr>
+                        </a:solidFill>
+                        <a:latin typeface="Calibri" charset="0"/>
+                        <a:ea typeface="Calibri" charset="0"/>
+                        <a:cs typeface="Calibri" charset="0"/>
+                      </a:endParaRPr>
+                    </a:p>
+                  </a:txBody>
+                  <a:tcPr marL="69151" marR="69151" marT="34576" marB="34576">
+                    <a:lnL w="28575" cap="flat" cmpd="sng" algn="ctr">
+                      <a:solidFill>
+                        <a:schemeClr val="tx1"/>
+                      </a:solidFill>
+                      <a:prstDash val="solid"/>
+                      <a:round/>
+                      <a:headEnd type="none" w="med" len="med"/>
+                      <a:tailEnd type="none" w="med" len="med"/>
+                    </a:lnL>
+                    <a:lnR w="28575" cap="flat" cmpd="sng" algn="ctr">
+                      <a:solidFill>
+                        <a:schemeClr val="tx1"/>
+                      </a:solidFill>
+                      <a:prstDash val="solid"/>
+                      <a:round/>
+                      <a:headEnd type="none" w="med" len="med"/>
+                      <a:tailEnd type="none" w="med" len="med"/>
+                    </a:lnR>
+                    <a:lnT w="28575" cap="flat" cmpd="sng" algn="ctr">
+                      <a:solidFill>
+                        <a:schemeClr val="tx1"/>
+                      </a:solidFill>
+                      <a:prstDash val="solid"/>
+                      <a:round/>
+                      <a:headEnd type="none" w="med" len="med"/>
+                      <a:tailEnd type="none" w="med" len="med"/>
+                    </a:lnT>
+                    <a:lnB w="28575" cap="flat" cmpd="sng" algn="ctr">
+                      <a:solidFill>
+                        <a:schemeClr val="tx1"/>
+                      </a:solidFill>
+                      <a:prstDash val="solid"/>
+                      <a:round/>
+                      <a:headEnd type="none" w="med" len="med"/>
+                      <a:tailEnd type="none" w="med" len="med"/>
+                    </a:lnB>
+                    <a:lnTlToBr w="12700" cmpd="sng">
+                      <a:noFill/>
+                      <a:prstDash val="solid"/>
+                    </a:lnTlToBr>
+                    <a:lnBlToTr w="12700" cmpd="sng">
+                      <a:noFill/>
+                      <a:prstDash val="solid"/>
+                    </a:lnBlToTr>
+                    <a:solidFill>
+                      <a:schemeClr val="bg1">
+                        <a:lumMod val="95000"/>
+                      </a:schemeClr>
+                    </a:solidFill>
+                  </a:tcPr>
+                </a:tc>
+                <a:tc>
+                  <a:txBody>
+                    <a:bodyPr/>
+                    <a:lstStyle/>
+                    <a:p>
+                      <a:pPr algn="ctr"/>
+                      <a:endParaRPr lang="en-US" sz="1800" dirty="0">
+                        <a:solidFill>
+                          <a:schemeClr val="bg1">
+                            <a:lumMod val="65000"/>
+                          </a:schemeClr>
+                        </a:solidFill>
+                        <a:latin typeface="Calibri" charset="0"/>
+                        <a:ea typeface="Calibri" charset="0"/>
+                        <a:cs typeface="Calibri" charset="0"/>
+                      </a:endParaRPr>
+                    </a:p>
+                  </a:txBody>
+                  <a:tcPr marL="69151" marR="69151" marT="34576" marB="34576">
+                    <a:lnL w="28575" cap="flat" cmpd="sng" algn="ctr">
+                      <a:solidFill>
+                        <a:schemeClr val="tx1"/>
+                      </a:solidFill>
+                      <a:prstDash val="solid"/>
+                      <a:round/>
+                      <a:headEnd type="none" w="med" len="med"/>
+                      <a:tailEnd type="none" w="med" len="med"/>
+                    </a:lnL>
+                    <a:lnR w="28575" cap="flat" cmpd="sng" algn="ctr">
+                      <a:solidFill>
+                        <a:schemeClr val="tx1"/>
+                      </a:solidFill>
+                      <a:prstDash val="solid"/>
+                      <a:round/>
+                      <a:headEnd type="none" w="med" len="med"/>
+                      <a:tailEnd type="none" w="med" len="med"/>
+                    </a:lnR>
+                    <a:lnT w="28575" cap="flat" cmpd="sng" algn="ctr">
+                      <a:solidFill>
+                        <a:schemeClr val="tx1"/>
+                      </a:solidFill>
+                      <a:prstDash val="solid"/>
+                      <a:round/>
+                      <a:headEnd type="none" w="med" len="med"/>
+                      <a:tailEnd type="none" w="med" len="med"/>
+                    </a:lnT>
+                    <a:lnB w="28575" cap="flat" cmpd="sng" algn="ctr">
+                      <a:solidFill>
+                        <a:schemeClr val="tx1"/>
+                      </a:solidFill>
+                      <a:prstDash val="solid"/>
+                      <a:round/>
+                      <a:headEnd type="none" w="med" len="med"/>
+                      <a:tailEnd type="none" w="med" len="med"/>
+                    </a:lnB>
+                    <a:lnTlToBr w="12700" cmpd="sng">
+                      <a:noFill/>
+                      <a:prstDash val="solid"/>
+                    </a:lnTlToBr>
+                    <a:lnBlToTr w="12700" cmpd="sng">
+                      <a:noFill/>
+                      <a:prstDash val="solid"/>
+                    </a:lnBlToTr>
+                    <a:solidFill>
+                      <a:schemeClr val="bg1">
+                        <a:lumMod val="95000"/>
+                      </a:schemeClr>
+                    </a:solidFill>
+                  </a:tcPr>
+                </a:tc>
+              </a:tr>
+            </a:tbl>
+          </a:graphicData>
+        </a:graphic>
+      </p:graphicFrame>
+      <p:graphicFrame>
+        <p:nvGraphicFramePr>
+          <p:cNvPr id="20" name="Table 19"/>
+          <p:cNvGraphicFramePr>
+            <a:graphicFrameLocks noGrp="1"/>
+          </p:cNvGraphicFramePr>
+          <p:nvPr>
+            <p:extLst>
+              <p:ext uri="{D42A27DB-BD31-4B8C-83A1-F6EECF244321}">
+                <p14:modId xmlns:p14="http://schemas.microsoft.com/office/powerpoint/2010/main" val="1802352345"/>
+              </p:ext>
+            </p:extLst>
+          </p:nvPr>
+        </p:nvGraphicFramePr>
+        <p:xfrm>
+          <a:off x="6762408" y="2204357"/>
+          <a:ext cx="1920240" cy="457200"/>
+        </p:xfrm>
+        <a:graphic>
+          <a:graphicData uri="http://schemas.openxmlformats.org/drawingml/2006/table">
+            <a:tbl>
+              <a:tblPr firstRow="1" bandRow="1">
+                <a:tableStyleId>{5C22544A-7EE6-4342-B048-85BDC9FD1C3A}</a:tableStyleId>
+              </a:tblPr>
+              <a:tblGrid>
+                <a:gridCol w="640080"/>
+                <a:gridCol w="640080"/>
+                <a:gridCol w="640080"/>
+              </a:tblGrid>
+              <a:tr h="457200">
+                <a:tc>
+                  <a:txBody>
+                    <a:bodyPr/>
+                    <a:lstStyle/>
+                    <a:p>
+                      <a:pPr algn="ctr"/>
+                      <a:endParaRPr lang="en-US" sz="1800" b="0" baseline="0" dirty="0" smtClean="0">
+                        <a:solidFill>
+                          <a:schemeClr val="tx1">
+                            <a:lumMod val="95000"/>
+                            <a:lumOff val="5000"/>
+                          </a:schemeClr>
+                        </a:solidFill>
+                        <a:latin typeface="Calibri" charset="0"/>
+                        <a:ea typeface="Calibri" charset="0"/>
+                        <a:cs typeface="Calibri" charset="0"/>
+                      </a:endParaRPr>
+                    </a:p>
+                  </a:txBody>
+                  <a:tcPr marL="69151" marR="69151" marT="34576" marB="34576">
+                    <a:lnL w="28575" cap="flat" cmpd="sng" algn="ctr">
+                      <a:solidFill>
+                        <a:schemeClr val="tx1"/>
+                      </a:solidFill>
+                      <a:prstDash val="solid"/>
+                      <a:round/>
+                      <a:headEnd type="none" w="med" len="med"/>
+                      <a:tailEnd type="none" w="med" len="med"/>
+                    </a:lnL>
+                    <a:lnR w="28575" cap="flat" cmpd="sng" algn="ctr">
+                      <a:solidFill>
+                        <a:schemeClr val="tx1"/>
+                      </a:solidFill>
+                      <a:prstDash val="solid"/>
+                      <a:round/>
+                      <a:headEnd type="none" w="med" len="med"/>
+                      <a:tailEnd type="none" w="med" len="med"/>
+                    </a:lnR>
+                    <a:lnT w="28575" cap="flat" cmpd="sng" algn="ctr">
+                      <a:solidFill>
+                        <a:schemeClr val="tx1"/>
+                      </a:solidFill>
+                      <a:prstDash val="solid"/>
+                      <a:round/>
+                      <a:headEnd type="none" w="med" len="med"/>
+                      <a:tailEnd type="none" w="med" len="med"/>
+                    </a:lnT>
+                    <a:lnB w="28575" cap="flat" cmpd="sng" algn="ctr">
                       <a:solidFill>
                         <a:schemeClr val="tx1"/>
                       </a:solidFill>
@@ -5758,7 +6250,7 @@
                     </a:p>
                   </a:txBody>
                   <a:tcPr marL="69151" marR="69151" marT="34576" marB="34576">
-                    <a:lnL w="12700" cap="flat" cmpd="sng" algn="ctr">
+                    <a:lnL w="28575" cap="flat" cmpd="sng" algn="ctr">
                       <a:solidFill>
                         <a:schemeClr val="tx1"/>
                       </a:solidFill>
@@ -5767,7 +6259,7 @@
                       <a:headEnd type="none" w="med" len="med"/>
                       <a:tailEnd type="none" w="med" len="med"/>
                     </a:lnL>
-                    <a:lnR w="12700" cap="flat" cmpd="sng" algn="ctr">
+                    <a:lnR w="28575" cap="flat" cmpd="sng" algn="ctr">
                       <a:solidFill>
                         <a:schemeClr val="tx1"/>
                       </a:solidFill>
@@ -5776,7 +6268,7 @@
                       <a:headEnd type="none" w="med" len="med"/>
                       <a:tailEnd type="none" w="med" len="med"/>
                     </a:lnR>
-                    <a:lnT w="12700" cap="flat" cmpd="sng" algn="ctr">
+                    <a:lnT w="28575" cap="flat" cmpd="sng" algn="ctr">
                       <a:solidFill>
                         <a:schemeClr val="tx1"/>
                       </a:solidFill>
@@ -5785,7 +6277,7 @@
                       <a:headEnd type="none" w="med" len="med"/>
                       <a:tailEnd type="none" w="med" len="med"/>
                     </a:lnT>
-                    <a:lnB w="12700" cap="flat" cmpd="sng" algn="ctr">
+                    <a:lnB w="28575" cap="flat" cmpd="sng" algn="ctr">
                       <a:solidFill>
                         <a:schemeClr val="tx1"/>
                       </a:solidFill>
@@ -5820,7 +6312,7 @@
                     </a:p>
                   </a:txBody>
                   <a:tcPr marL="69151" marR="69151" marT="34576" marB="34576">
-                    <a:lnL w="12700" cap="flat" cmpd="sng" algn="ctr">
+                    <a:lnL w="28575" cap="flat" cmpd="sng" algn="ctr">
                       <a:solidFill>
                         <a:schemeClr val="tx1"/>
                       </a:solidFill>
@@ -5829,7 +6321,7 @@
                       <a:headEnd type="none" w="med" len="med"/>
                       <a:tailEnd type="none" w="med" len="med"/>
                     </a:lnL>
-                    <a:lnR w="12700" cap="flat" cmpd="sng" algn="ctr">
+                    <a:lnR w="28575" cap="flat" cmpd="sng" algn="ctr">
                       <a:solidFill>
                         <a:schemeClr val="tx1"/>
                       </a:solidFill>
@@ -5838,7 +6330,7 @@
                       <a:headEnd type="none" w="med" len="med"/>
                       <a:tailEnd type="none" w="med" len="med"/>
                     </a:lnR>
-                    <a:lnT w="12700" cap="flat" cmpd="sng" algn="ctr">
+                    <a:lnT w="28575" cap="flat" cmpd="sng" algn="ctr">
                       <a:solidFill>
                         <a:schemeClr val="tx1"/>
                       </a:solidFill>
@@ -5847,7 +6339,7 @@
                       <a:headEnd type="none" w="med" len="med"/>
                       <a:tailEnd type="none" w="med" len="med"/>
                     </a:lnT>
-                    <a:lnB w="12700" cap="flat" cmpd="sng" algn="ctr">
+                    <a:lnB w="28575" cap="flat" cmpd="sng" algn="ctr">
                       <a:solidFill>
                         <a:schemeClr val="tx1"/>
                       </a:solidFill>
@@ -5870,21 +6362,21 @@
       </p:graphicFrame>
       <p:graphicFrame>
         <p:nvGraphicFramePr>
-          <p:cNvPr id="17" name="Table 16"/>
+          <p:cNvPr id="21" name="Table 20"/>
           <p:cNvGraphicFramePr>
             <a:graphicFrameLocks noGrp="1"/>
           </p:cNvGraphicFramePr>
           <p:nvPr>
             <p:extLst>
               <p:ext uri="{D42A27DB-BD31-4B8C-83A1-F6EECF244321}">
-                <p14:modId xmlns:p14="http://schemas.microsoft.com/office/powerpoint/2010/main" val="818312907"/>
+                <p14:modId xmlns:p14="http://schemas.microsoft.com/office/powerpoint/2010/main" val="1879021480"/>
               </p:ext>
             </p:extLst>
           </p:nvPr>
         </p:nvGraphicFramePr>
         <p:xfrm>
-          <a:off x="3889023" y="4523314"/>
-          <a:ext cx="1365954" cy="343472"/>
+          <a:off x="6780197" y="2967141"/>
+          <a:ext cx="1920240" cy="457200"/>
         </p:xfrm>
         <a:graphic>
           <a:graphicData uri="http://schemas.openxmlformats.org/drawingml/2006/table">
@@ -5893,11 +6385,11 @@
                 <a:tableStyleId>{5C22544A-7EE6-4342-B048-85BDC9FD1C3A}</a:tableStyleId>
               </a:tblPr>
               <a:tblGrid>
-                <a:gridCol w="455318"/>
-                <a:gridCol w="455318"/>
-                <a:gridCol w="455318"/>
+                <a:gridCol w="640080"/>
+                <a:gridCol w="640080"/>
+                <a:gridCol w="640080"/>
               </a:tblGrid>
-              <a:tr h="280109">
+              <a:tr h="457200">
                 <a:tc>
                   <a:txBody>
                     <a:bodyPr/>
@@ -5918,7 +6410,7 @@
                     </a:p>
                   </a:txBody>
                   <a:tcPr marL="69151" marR="69151" marT="34576" marB="34576">
-                    <a:lnL w="12700" cap="flat" cmpd="sng" algn="ctr">
+                    <a:lnL w="28575" cap="flat" cmpd="sng" algn="ctr">
                       <a:solidFill>
                         <a:schemeClr val="tx1"/>
                       </a:solidFill>
@@ -5927,7 +6419,7 @@
                       <a:headEnd type="none" w="med" len="med"/>
                       <a:tailEnd type="none" w="med" len="med"/>
                     </a:lnL>
-                    <a:lnR w="12700" cap="flat" cmpd="sng" algn="ctr">
+                    <a:lnR w="28575" cap="flat" cmpd="sng" algn="ctr">
                       <a:solidFill>
                         <a:schemeClr val="tx1"/>
                       </a:solidFill>
@@ -5936,7 +6428,7 @@
                       <a:headEnd type="none" w="med" len="med"/>
                       <a:tailEnd type="none" w="med" len="med"/>
                     </a:lnR>
-                    <a:lnT w="12700" cap="flat" cmpd="sng" algn="ctr">
+                    <a:lnT w="28575" cap="flat" cmpd="sng" algn="ctr">
                       <a:solidFill>
                         <a:schemeClr val="tx1"/>
                       </a:solidFill>
@@ -5945,7 +6437,7 @@
                       <a:headEnd type="none" w="med" len="med"/>
                       <a:tailEnd type="none" w="med" len="med"/>
                     </a:lnT>
-                    <a:lnB w="12700" cap="flat" cmpd="sng" algn="ctr">
+                    <a:lnB w="28575" cap="flat" cmpd="sng" algn="ctr">
                       <a:solidFill>
                         <a:schemeClr val="tx1"/>
                       </a:solidFill>
@@ -5980,7 +6472,7 @@
                     </a:p>
                   </a:txBody>
                   <a:tcPr marL="69151" marR="69151" marT="34576" marB="34576">
-                    <a:lnL w="12700" cap="flat" cmpd="sng" algn="ctr">
+                    <a:lnL w="28575" cap="flat" cmpd="sng" algn="ctr">
                       <a:solidFill>
                         <a:schemeClr val="tx1"/>
                       </a:solidFill>
@@ -5989,7 +6481,7 @@
                       <a:headEnd type="none" w="med" len="med"/>
                       <a:tailEnd type="none" w="med" len="med"/>
                     </a:lnL>
-                    <a:lnR w="12700" cap="flat" cmpd="sng" algn="ctr">
+                    <a:lnR w="28575" cap="flat" cmpd="sng" algn="ctr">
                       <a:solidFill>
                         <a:schemeClr val="tx1"/>
                       </a:solidFill>
@@ -5998,7 +6490,7 @@
                       <a:headEnd type="none" w="med" len="med"/>
                       <a:tailEnd type="none" w="med" len="med"/>
                     </a:lnR>
-                    <a:lnT w="12700" cap="flat" cmpd="sng" algn="ctr">
+                    <a:lnT w="28575" cap="flat" cmpd="sng" algn="ctr">
                       <a:solidFill>
                         <a:schemeClr val="tx1"/>
                       </a:solidFill>
@@ -6007,7 +6499,7 @@
                       <a:headEnd type="none" w="med" len="med"/>
                       <a:tailEnd type="none" w="med" len="med"/>
                     </a:lnT>
-                    <a:lnB w="12700" cap="flat" cmpd="sng" algn="ctr">
+                    <a:lnB w="28575" cap="flat" cmpd="sng" algn="ctr">
                       <a:solidFill>
                         <a:schemeClr val="tx1"/>
                       </a:solidFill>
@@ -6042,7 +6534,7 @@
                     </a:p>
                   </a:txBody>
                   <a:tcPr marL="69151" marR="69151" marT="34576" marB="34576">
-                    <a:lnL w="12700" cap="flat" cmpd="sng" algn="ctr">
+                    <a:lnL w="28575" cap="flat" cmpd="sng" algn="ctr">
                       <a:solidFill>
                         <a:schemeClr val="tx1"/>
                       </a:solidFill>
@@ -6051,7 +6543,7 @@
                       <a:headEnd type="none" w="med" len="med"/>
                       <a:tailEnd type="none" w="med" len="med"/>
                     </a:lnL>
-                    <a:lnR w="12700" cap="flat" cmpd="sng" algn="ctr">
+                    <a:lnR w="28575" cap="flat" cmpd="sng" algn="ctr">
                       <a:solidFill>
                         <a:schemeClr val="tx1"/>
                       </a:solidFill>
@@ -6060,7 +6552,7 @@
                       <a:headEnd type="none" w="med" len="med"/>
                       <a:tailEnd type="none" w="med" len="med"/>
                     </a:lnR>
-                    <a:lnT w="12700" cap="flat" cmpd="sng" algn="ctr">
+                    <a:lnT w="28575" cap="flat" cmpd="sng" algn="ctr">
                       <a:solidFill>
                         <a:schemeClr val="tx1"/>
                       </a:solidFill>
@@ -6069,7 +6561,7 @@
                       <a:headEnd type="none" w="med" len="med"/>
                       <a:tailEnd type="none" w="med" len="med"/>
                     </a:lnT>
-                    <a:lnB w="12700" cap="flat" cmpd="sng" algn="ctr">
+                    <a:lnB w="28575" cap="flat" cmpd="sng" algn="ctr">
                       <a:solidFill>
                         <a:schemeClr val="tx1"/>
                       </a:solidFill>
@@ -6092,21 +6584,21 @@
       </p:graphicFrame>
       <p:graphicFrame>
         <p:nvGraphicFramePr>
-          <p:cNvPr id="18" name="Table 17"/>
+          <p:cNvPr id="22" name="Table 21"/>
           <p:cNvGraphicFramePr>
             <a:graphicFrameLocks noGrp="1"/>
           </p:cNvGraphicFramePr>
           <p:nvPr>
             <p:extLst>
               <p:ext uri="{D42A27DB-BD31-4B8C-83A1-F6EECF244321}">
-                <p14:modId xmlns:p14="http://schemas.microsoft.com/office/powerpoint/2010/main" val="899752561"/>
+                <p14:modId xmlns:p14="http://schemas.microsoft.com/office/powerpoint/2010/main" val="1966985225"/>
               </p:ext>
             </p:extLst>
           </p:nvPr>
         </p:nvGraphicFramePr>
         <p:xfrm>
-          <a:off x="3889023" y="5296603"/>
-          <a:ext cx="1365954" cy="343472"/>
+          <a:off x="6783129" y="3751012"/>
+          <a:ext cx="1920240" cy="457200"/>
         </p:xfrm>
         <a:graphic>
           <a:graphicData uri="http://schemas.openxmlformats.org/drawingml/2006/table">
@@ -6115,11 +6607,11 @@
                 <a:tableStyleId>{5C22544A-7EE6-4342-B048-85BDC9FD1C3A}</a:tableStyleId>
               </a:tblPr>
               <a:tblGrid>
-                <a:gridCol w="455318"/>
-                <a:gridCol w="455318"/>
-                <a:gridCol w="455318"/>
+                <a:gridCol w="640080"/>
+                <a:gridCol w="640080"/>
+                <a:gridCol w="640080"/>
               </a:tblGrid>
-              <a:tr h="280109">
+              <a:tr h="457200">
                 <a:tc>
                   <a:txBody>
                     <a:bodyPr/>
@@ -6140,7 +6632,7 @@
                     </a:p>
                   </a:txBody>
                   <a:tcPr marL="69151" marR="69151" marT="34576" marB="34576">
-                    <a:lnL w="12700" cap="flat" cmpd="sng" algn="ctr">
+                    <a:lnL w="28575" cap="flat" cmpd="sng" algn="ctr">
                       <a:solidFill>
                         <a:schemeClr val="tx1"/>
                       </a:solidFill>
@@ -6149,7 +6641,7 @@
                       <a:headEnd type="none" w="med" len="med"/>
                       <a:tailEnd type="none" w="med" len="med"/>
                     </a:lnL>
-                    <a:lnR w="12700" cap="flat" cmpd="sng" algn="ctr">
+                    <a:lnR w="28575" cap="flat" cmpd="sng" algn="ctr">
                       <a:solidFill>
                         <a:schemeClr val="tx1"/>
                       </a:solidFill>
@@ -6158,7 +6650,7 @@
                       <a:headEnd type="none" w="med" len="med"/>
                       <a:tailEnd type="none" w="med" len="med"/>
                     </a:lnR>
-                    <a:lnT w="12700" cap="flat" cmpd="sng" algn="ctr">
+                    <a:lnT w="28575" cap="flat" cmpd="sng" algn="ctr">
                       <a:solidFill>
                         <a:schemeClr val="tx1"/>
                       </a:solidFill>
@@ -6167,7 +6659,7 @@
                       <a:headEnd type="none" w="med" len="med"/>
                       <a:tailEnd type="none" w="med" len="med"/>
                     </a:lnT>
-                    <a:lnB w="12700" cap="flat" cmpd="sng" algn="ctr">
+                    <a:lnB w="28575" cap="flat" cmpd="sng" algn="ctr">
                       <a:solidFill>
                         <a:schemeClr val="tx1"/>
                       </a:solidFill>
@@ -6202,7 +6694,7 @@
                     </a:p>
                   </a:txBody>
                   <a:tcPr marL="69151" marR="69151" marT="34576" marB="34576">
-                    <a:lnL w="12700" cap="flat" cmpd="sng" algn="ctr">
+                    <a:lnL w="28575" cap="flat" cmpd="sng" algn="ctr">
                       <a:solidFill>
                         <a:schemeClr val="tx1"/>
                       </a:solidFill>
@@ -6211,7 +6703,7 @@
                       <a:headEnd type="none" w="med" len="med"/>
                       <a:tailEnd type="none" w="med" len="med"/>
                     </a:lnL>
-                    <a:lnR w="12700" cap="flat" cmpd="sng" algn="ctr">
+                    <a:lnR w="28575" cap="flat" cmpd="sng" algn="ctr">
                       <a:solidFill>
                         <a:schemeClr val="tx1"/>
                       </a:solidFill>
@@ -6220,7 +6712,7 @@
                       <a:headEnd type="none" w="med" len="med"/>
                       <a:tailEnd type="none" w="med" len="med"/>
                     </a:lnR>
-                    <a:lnT w="12700" cap="flat" cmpd="sng" algn="ctr">
+                    <a:lnT w="28575" cap="flat" cmpd="sng" algn="ctr">
                       <a:solidFill>
                         <a:schemeClr val="tx1"/>
                       </a:solidFill>
@@ -6229,7 +6721,7 @@
                       <a:headEnd type="none" w="med" len="med"/>
                       <a:tailEnd type="none" w="med" len="med"/>
                     </a:lnT>
-                    <a:lnB w="12700" cap="flat" cmpd="sng" algn="ctr">
+                    <a:lnB w="28575" cap="flat" cmpd="sng" algn="ctr">
                       <a:solidFill>
                         <a:schemeClr val="tx1"/>
                       </a:solidFill>
@@ -6264,7 +6756,7 @@
                     </a:p>
                   </a:txBody>
                   <a:tcPr marL="69151" marR="69151" marT="34576" marB="34576">
-                    <a:lnL w="12700" cap="flat" cmpd="sng" algn="ctr">
+                    <a:lnL w="28575" cap="flat" cmpd="sng" algn="ctr">
                       <a:solidFill>
                         <a:schemeClr val="tx1"/>
                       </a:solidFill>
@@ -6273,7 +6765,7 @@
                       <a:headEnd type="none" w="med" len="med"/>
                       <a:tailEnd type="none" w="med" len="med"/>
                     </a:lnL>
-                    <a:lnR w="12700" cap="flat" cmpd="sng" algn="ctr">
+                    <a:lnR w="28575" cap="flat" cmpd="sng" algn="ctr">
                       <a:solidFill>
                         <a:schemeClr val="tx1"/>
                       </a:solidFill>
@@ -6282,7 +6774,7 @@
                       <a:headEnd type="none" w="med" len="med"/>
                       <a:tailEnd type="none" w="med" len="med"/>
                     </a:lnR>
-                    <a:lnT w="12700" cap="flat" cmpd="sng" algn="ctr">
+                    <a:lnT w="28575" cap="flat" cmpd="sng" algn="ctr">
                       <a:solidFill>
                         <a:schemeClr val="tx1"/>
                       </a:solidFill>
@@ -6291,7 +6783,7 @@
                       <a:headEnd type="none" w="med" len="med"/>
                       <a:tailEnd type="none" w="med" len="med"/>
                     </a:lnT>
-                    <a:lnB w="12700" cap="flat" cmpd="sng" algn="ctr">
+                    <a:lnB w="28575" cap="flat" cmpd="sng" algn="ctr">
                       <a:solidFill>
                         <a:schemeClr val="tx1"/>
                       </a:solidFill>
@@ -6314,21 +6806,21 @@
       </p:graphicFrame>
       <p:graphicFrame>
         <p:nvGraphicFramePr>
-          <p:cNvPr id="19" name="Table 18"/>
+          <p:cNvPr id="23" name="Table 22"/>
           <p:cNvGraphicFramePr>
             <a:graphicFrameLocks noGrp="1"/>
           </p:cNvGraphicFramePr>
           <p:nvPr>
             <p:extLst>
               <p:ext uri="{D42A27DB-BD31-4B8C-83A1-F6EECF244321}">
-                <p14:modId xmlns:p14="http://schemas.microsoft.com/office/powerpoint/2010/main" val="1708934200"/>
+                <p14:modId xmlns:p14="http://schemas.microsoft.com/office/powerpoint/2010/main" val="757414657"/>
               </p:ext>
             </p:extLst>
           </p:nvPr>
         </p:nvGraphicFramePr>
         <p:xfrm>
-          <a:off x="5904089" y="1430158"/>
-          <a:ext cx="1365954" cy="343472"/>
+          <a:off x="6781719" y="4524525"/>
+          <a:ext cx="1920240" cy="457200"/>
         </p:xfrm>
         <a:graphic>
           <a:graphicData uri="http://schemas.openxmlformats.org/drawingml/2006/table">
@@ -6337,11 +6829,11 @@
                 <a:tableStyleId>{5C22544A-7EE6-4342-B048-85BDC9FD1C3A}</a:tableStyleId>
               </a:tblPr>
               <a:tblGrid>
-                <a:gridCol w="455318"/>
-                <a:gridCol w="455318"/>
-                <a:gridCol w="455318"/>
+                <a:gridCol w="640080"/>
+                <a:gridCol w="640080"/>
+                <a:gridCol w="640080"/>
               </a:tblGrid>
-              <a:tr h="280109">
+              <a:tr h="457200">
                 <a:tc>
                   <a:txBody>
                     <a:bodyPr/>
@@ -6362,7 +6854,7 @@
                     </a:p>
                   </a:txBody>
                   <a:tcPr marL="69151" marR="69151" marT="34576" marB="34576">
-                    <a:lnL w="12700" cap="flat" cmpd="sng" algn="ctr">
+                    <a:lnL w="28575" cap="flat" cmpd="sng" algn="ctr">
                       <a:solidFill>
                         <a:schemeClr val="tx1"/>
                       </a:solidFill>
@@ -6371,7 +6863,7 @@
                       <a:headEnd type="none" w="med" len="med"/>
                       <a:tailEnd type="none" w="med" len="med"/>
                     </a:lnL>
-                    <a:lnR w="12700" cap="flat" cmpd="sng" algn="ctr">
+                    <a:lnR w="28575" cap="flat" cmpd="sng" algn="ctr">
                       <a:solidFill>
                         <a:schemeClr val="tx1"/>
                       </a:solidFill>
@@ -6380,7 +6872,7 @@
                       <a:headEnd type="none" w="med" len="med"/>
                       <a:tailEnd type="none" w="med" len="med"/>
                     </a:lnR>
-                    <a:lnT w="12700" cap="flat" cmpd="sng" algn="ctr">
+                    <a:lnT w="28575" cap="flat" cmpd="sng" algn="ctr">
                       <a:solidFill>
                         <a:schemeClr val="tx1"/>
                       </a:solidFill>
@@ -6389,7 +6881,7 @@
                       <a:headEnd type="none" w="med" len="med"/>
                       <a:tailEnd type="none" w="med" len="med"/>
                     </a:lnT>
-                    <a:lnB w="12700" cap="flat" cmpd="sng" algn="ctr">
+                    <a:lnB w="28575" cap="flat" cmpd="sng" algn="ctr">
                       <a:solidFill>
                         <a:schemeClr val="tx1"/>
                       </a:solidFill>
@@ -6424,7 +6916,7 @@
                     </a:p>
                   </a:txBody>
                   <a:tcPr marL="69151" marR="69151" marT="34576" marB="34576">
-                    <a:lnL w="12700" cap="flat" cmpd="sng" algn="ctr">
+                    <a:lnL w="28575" cap="flat" cmpd="sng" algn="ctr">
                       <a:solidFill>
                         <a:schemeClr val="tx1"/>
                       </a:solidFill>
@@ -6433,7 +6925,7 @@
                       <a:headEnd type="none" w="med" len="med"/>
                       <a:tailEnd type="none" w="med" len="med"/>
                     </a:lnL>
-                    <a:lnR w="12700" cap="flat" cmpd="sng" algn="ctr">
+                    <a:lnR w="28575" cap="flat" cmpd="sng" algn="ctr">
                       <a:solidFill>
                         <a:schemeClr val="tx1"/>
                       </a:solidFill>
@@ -6442,7 +6934,7 @@
                       <a:headEnd type="none" w="med" len="med"/>
                       <a:tailEnd type="none" w="med" len="med"/>
                     </a:lnR>
-                    <a:lnT w="12700" cap="flat" cmpd="sng" algn="ctr">
+                    <a:lnT w="28575" cap="flat" cmpd="sng" algn="ctr">
                       <a:solidFill>
                         <a:schemeClr val="tx1"/>
                       </a:solidFill>
@@ -6451,7 +6943,7 @@
                       <a:headEnd type="none" w="med" len="med"/>
                       <a:tailEnd type="none" w="med" len="med"/>
                     </a:lnT>
-                    <a:lnB w="12700" cap="flat" cmpd="sng" algn="ctr">
+                    <a:lnB w="28575" cap="flat" cmpd="sng" algn="ctr">
                       <a:solidFill>
                         <a:schemeClr val="tx1"/>
                       </a:solidFill>
@@ -6486,7 +6978,7 @@
                     </a:p>
                   </a:txBody>
                   <a:tcPr marL="69151" marR="69151" marT="34576" marB="34576">
-                    <a:lnL w="12700" cap="flat" cmpd="sng" algn="ctr">
+                    <a:lnL w="28575" cap="flat" cmpd="sng" algn="ctr">
                       <a:solidFill>
                         <a:schemeClr val="tx1"/>
                       </a:solidFill>
@@ -6495,7 +6987,7 @@
                       <a:headEnd type="none" w="med" len="med"/>
                       <a:tailEnd type="none" w="med" len="med"/>
                     </a:lnL>
-                    <a:lnR w="12700" cap="flat" cmpd="sng" algn="ctr">
+                    <a:lnR w="28575" cap="flat" cmpd="sng" algn="ctr">
                       <a:solidFill>
                         <a:schemeClr val="tx1"/>
                       </a:solidFill>
@@ -6504,7 +6996,7 @@
                       <a:headEnd type="none" w="med" len="med"/>
                       <a:tailEnd type="none" w="med" len="med"/>
                     </a:lnR>
-                    <a:lnT w="12700" cap="flat" cmpd="sng" algn="ctr">
+                    <a:lnT w="28575" cap="flat" cmpd="sng" algn="ctr">
                       <a:solidFill>
                         <a:schemeClr val="tx1"/>
                       </a:solidFill>
@@ -6513,7 +7005,7 @@
                       <a:headEnd type="none" w="med" len="med"/>
                       <a:tailEnd type="none" w="med" len="med"/>
                     </a:lnT>
-                    <a:lnB w="12700" cap="flat" cmpd="sng" algn="ctr">
+                    <a:lnB w="28575" cap="flat" cmpd="sng" algn="ctr">
                       <a:solidFill>
                         <a:schemeClr val="tx1"/>
                       </a:solidFill>
@@ -6536,21 +7028,21 @@
       </p:graphicFrame>
       <p:graphicFrame>
         <p:nvGraphicFramePr>
-          <p:cNvPr id="20" name="Table 19"/>
+          <p:cNvPr id="24" name="Table 23"/>
           <p:cNvGraphicFramePr>
             <a:graphicFrameLocks noGrp="1"/>
           </p:cNvGraphicFramePr>
           <p:nvPr>
             <p:extLst>
               <p:ext uri="{D42A27DB-BD31-4B8C-83A1-F6EECF244321}">
-                <p14:modId xmlns:p14="http://schemas.microsoft.com/office/powerpoint/2010/main" val="1610804422"/>
+                <p14:modId xmlns:p14="http://schemas.microsoft.com/office/powerpoint/2010/main" val="1732564430"/>
               </p:ext>
             </p:extLst>
           </p:nvPr>
         </p:nvGraphicFramePr>
         <p:xfrm>
-          <a:off x="5904089" y="2203447"/>
-          <a:ext cx="1365954" cy="343472"/>
+          <a:off x="6781719" y="5293356"/>
+          <a:ext cx="1920240" cy="457200"/>
         </p:xfrm>
         <a:graphic>
           <a:graphicData uri="http://schemas.openxmlformats.org/drawingml/2006/table">
@@ -6559,11 +7051,11 @@
                 <a:tableStyleId>{5C22544A-7EE6-4342-B048-85BDC9FD1C3A}</a:tableStyleId>
               </a:tblPr>
               <a:tblGrid>
-                <a:gridCol w="455318"/>
-                <a:gridCol w="455318"/>
-                <a:gridCol w="455318"/>
+                <a:gridCol w="640080"/>
+                <a:gridCol w="640080"/>
+                <a:gridCol w="640080"/>
               </a:tblGrid>
-              <a:tr h="280109">
+              <a:tr h="457200">
                 <a:tc>
                   <a:txBody>
                     <a:bodyPr/>
@@ -6584,7 +7076,7 @@
                     </a:p>
                   </a:txBody>
                   <a:tcPr marL="69151" marR="69151" marT="34576" marB="34576">
-                    <a:lnL w="12700" cap="flat" cmpd="sng" algn="ctr">
+                    <a:lnL w="28575" cap="flat" cmpd="sng" algn="ctr">
                       <a:solidFill>
                         <a:schemeClr val="tx1"/>
                       </a:solidFill>
@@ -6593,7 +7085,7 @@
                       <a:headEnd type="none" w="med" len="med"/>
                       <a:tailEnd type="none" w="med" len="med"/>
                     </a:lnL>
-                    <a:lnR w="12700" cap="flat" cmpd="sng" algn="ctr">
+                    <a:lnR w="28575" cap="flat" cmpd="sng" algn="ctr">
                       <a:solidFill>
                         <a:schemeClr val="tx1"/>
                       </a:solidFill>
@@ -6602,7 +7094,7 @@
                       <a:headEnd type="none" w="med" len="med"/>
                       <a:tailEnd type="none" w="med" len="med"/>
                     </a:lnR>
-                    <a:lnT w="12700" cap="flat" cmpd="sng" algn="ctr">
+                    <a:lnT w="28575" cap="flat" cmpd="sng" algn="ctr">
                       <a:solidFill>
                         <a:schemeClr val="tx1"/>
                       </a:solidFill>
@@ -6611,7 +7103,7 @@
                       <a:headEnd type="none" w="med" len="med"/>
                       <a:tailEnd type="none" w="med" len="med"/>
                     </a:lnT>
-                    <a:lnB w="12700" cap="flat" cmpd="sng" algn="ctr">
+                    <a:lnB w="28575" cap="flat" cmpd="sng" algn="ctr">
                       <a:solidFill>
                         <a:schemeClr val="tx1"/>
                       </a:solidFill>
@@ -6646,7 +7138,7 @@
                     </a:p>
                   </a:txBody>
                   <a:tcPr marL="69151" marR="69151" marT="34576" marB="34576">
-                    <a:lnL w="12700" cap="flat" cmpd="sng" algn="ctr">
+                    <a:lnL w="28575" cap="flat" cmpd="sng" algn="ctr">
                       <a:solidFill>
                         <a:schemeClr val="tx1"/>
                       </a:solidFill>
@@ -6655,7 +7147,7 @@
                       <a:headEnd type="none" w="med" len="med"/>
                       <a:tailEnd type="none" w="med" len="med"/>
                     </a:lnL>
-                    <a:lnR w="12700" cap="flat" cmpd="sng" algn="ctr">
+                    <a:lnR w="28575" cap="flat" cmpd="sng" algn="ctr">
                       <a:solidFill>
                         <a:schemeClr val="tx1"/>
                       </a:solidFill>
@@ -6664,7 +7156,7 @@
                       <a:headEnd type="none" w="med" len="med"/>
                       <a:tailEnd type="none" w="med" len="med"/>
                     </a:lnR>
-                    <a:lnT w="12700" cap="flat" cmpd="sng" algn="ctr">
+                    <a:lnT w="28575" cap="flat" cmpd="sng" algn="ctr">
                       <a:solidFill>
                         <a:schemeClr val="tx1"/>
                       </a:solidFill>
@@ -6673,7 +7165,7 @@
                       <a:headEnd type="none" w="med" len="med"/>
                       <a:tailEnd type="none" w="med" len="med"/>
                     </a:lnT>
-                    <a:lnB w="12700" cap="flat" cmpd="sng" algn="ctr">
+                    <a:lnB w="28575" cap="flat" cmpd="sng" algn="ctr">
                       <a:solidFill>
                         <a:schemeClr val="tx1"/>
                       </a:solidFill>
@@ -6708,7 +7200,7 @@
                     </a:p>
                   </a:txBody>
                   <a:tcPr marL="69151" marR="69151" marT="34576" marB="34576">
-                    <a:lnL w="12700" cap="flat" cmpd="sng" algn="ctr">
+                    <a:lnL w="28575" cap="flat" cmpd="sng" algn="ctr">
                       <a:solidFill>
                         <a:schemeClr val="tx1"/>
                       </a:solidFill>
@@ -6717,7 +7209,7 @@
                       <a:headEnd type="none" w="med" len="med"/>
                       <a:tailEnd type="none" w="med" len="med"/>
                     </a:lnL>
-                    <a:lnR w="12700" cap="flat" cmpd="sng" algn="ctr">
+                    <a:lnR w="28575" cap="flat" cmpd="sng" algn="ctr">
                       <a:solidFill>
                         <a:schemeClr val="tx1"/>
                       </a:solidFill>
@@ -6726,7 +7218,7 @@
                       <a:headEnd type="none" w="med" len="med"/>
                       <a:tailEnd type="none" w="med" len="med"/>
                     </a:lnR>
-                    <a:lnT w="12700" cap="flat" cmpd="sng" algn="ctr">
+                    <a:lnT w="28575" cap="flat" cmpd="sng" algn="ctr">
                       <a:solidFill>
                         <a:schemeClr val="tx1"/>
                       </a:solidFill>
@@ -6735,7 +7227,7 @@
                       <a:headEnd type="none" w="med" len="med"/>
                       <a:tailEnd type="none" w="med" len="med"/>
                     </a:lnT>
-                    <a:lnB w="12700" cap="flat" cmpd="sng" algn="ctr">
+                    <a:lnB w="28575" cap="flat" cmpd="sng" algn="ctr">
                       <a:solidFill>
                         <a:schemeClr val="tx1"/>
                       </a:solidFill>
@@ -6756,23 +7248,1016 @@
           </a:graphicData>
         </a:graphic>
       </p:graphicFrame>
+      <p:cxnSp>
+        <p:nvCxnSpPr>
+          <p:cNvPr id="3" name="Straight Arrow Connector 2"/>
+          <p:cNvCxnSpPr/>
+          <p:nvPr/>
+        </p:nvCxnSpPr>
+        <p:spPr>
+          <a:xfrm flipH="1">
+            <a:off x="3811601" y="1125403"/>
+            <a:ext cx="499847" cy="305954"/>
+          </a:xfrm>
+          <a:prstGeom prst="straightConnector1">
+            <a:avLst/>
+          </a:prstGeom>
+          <a:ln w="25400">
+            <a:tailEnd type="arrow"/>
+          </a:ln>
+        </p:spPr>
+        <p:style>
+          <a:lnRef idx="3">
+            <a:schemeClr val="dk1"/>
+          </a:lnRef>
+          <a:fillRef idx="0">
+            <a:schemeClr val="dk1"/>
+          </a:fillRef>
+          <a:effectRef idx="2">
+            <a:schemeClr val="dk1"/>
+          </a:effectRef>
+          <a:fontRef idx="minor">
+            <a:schemeClr val="tx1"/>
+          </a:fontRef>
+        </p:style>
+      </p:cxnSp>
+      <p:cxnSp>
+        <p:nvCxnSpPr>
+          <p:cNvPr id="55" name="Straight Arrow Connector 54"/>
+          <p:cNvCxnSpPr/>
+          <p:nvPr/>
+        </p:nvCxnSpPr>
+        <p:spPr>
+          <a:xfrm flipH="1">
+            <a:off x="3811601" y="1876254"/>
+            <a:ext cx="507336" cy="327125"/>
+          </a:xfrm>
+          <a:prstGeom prst="straightConnector1">
+            <a:avLst/>
+          </a:prstGeom>
+          <a:ln w="25400">
+            <a:tailEnd type="arrow"/>
+          </a:ln>
+        </p:spPr>
+        <p:style>
+          <a:lnRef idx="3">
+            <a:schemeClr val="dk1"/>
+          </a:lnRef>
+          <a:fillRef idx="0">
+            <a:schemeClr val="dk1"/>
+          </a:fillRef>
+          <a:effectRef idx="2">
+            <a:schemeClr val="dk1"/>
+          </a:effectRef>
+          <a:fontRef idx="minor">
+            <a:schemeClr val="tx1"/>
+          </a:fontRef>
+        </p:style>
+      </p:cxnSp>
+      <p:cxnSp>
+        <p:nvCxnSpPr>
+          <p:cNvPr id="58" name="Straight Arrow Connector 57"/>
+          <p:cNvCxnSpPr/>
+          <p:nvPr/>
+        </p:nvCxnSpPr>
+        <p:spPr>
+          <a:xfrm>
+            <a:off x="6223413" y="2660647"/>
+            <a:ext cx="554280" cy="306494"/>
+          </a:xfrm>
+          <a:prstGeom prst="straightConnector1">
+            <a:avLst/>
+          </a:prstGeom>
+          <a:ln w="25400">
+            <a:tailEnd type="arrow"/>
+          </a:ln>
+        </p:spPr>
+        <p:style>
+          <a:lnRef idx="3">
+            <a:schemeClr val="dk1"/>
+          </a:lnRef>
+          <a:fillRef idx="0">
+            <a:schemeClr val="dk1"/>
+          </a:fillRef>
+          <a:effectRef idx="2">
+            <a:schemeClr val="dk1"/>
+          </a:effectRef>
+          <a:fontRef idx="minor">
+            <a:schemeClr val="tx1"/>
+          </a:fontRef>
+        </p:style>
+      </p:cxnSp>
+      <p:cxnSp>
+        <p:nvCxnSpPr>
+          <p:cNvPr id="61" name="Straight Arrow Connector 60"/>
+          <p:cNvCxnSpPr/>
+          <p:nvPr/>
+        </p:nvCxnSpPr>
+        <p:spPr>
+          <a:xfrm flipH="1">
+            <a:off x="6223413" y="3419059"/>
+            <a:ext cx="554280" cy="347386"/>
+          </a:xfrm>
+          <a:prstGeom prst="straightConnector1">
+            <a:avLst/>
+          </a:prstGeom>
+          <a:ln w="25400">
+            <a:tailEnd type="arrow"/>
+          </a:ln>
+        </p:spPr>
+        <p:style>
+          <a:lnRef idx="3">
+            <a:schemeClr val="dk1"/>
+          </a:lnRef>
+          <a:fillRef idx="0">
+            <a:schemeClr val="dk1"/>
+          </a:fillRef>
+          <a:effectRef idx="2">
+            <a:schemeClr val="dk1"/>
+          </a:effectRef>
+          <a:fontRef idx="minor">
+            <a:schemeClr val="tx1"/>
+          </a:fontRef>
+        </p:style>
+      </p:cxnSp>
+      <p:cxnSp>
+        <p:nvCxnSpPr>
+          <p:cNvPr id="63" name="Straight Arrow Connector 62"/>
+          <p:cNvCxnSpPr/>
+          <p:nvPr/>
+        </p:nvCxnSpPr>
+        <p:spPr>
+          <a:xfrm>
+            <a:off x="3817938" y="3424341"/>
+            <a:ext cx="487172" cy="333422"/>
+          </a:xfrm>
+          <a:prstGeom prst="straightConnector1">
+            <a:avLst/>
+          </a:prstGeom>
+          <a:ln w="25400">
+            <a:tailEnd type="arrow"/>
+          </a:ln>
+        </p:spPr>
+        <p:style>
+          <a:lnRef idx="3">
+            <a:schemeClr val="dk1"/>
+          </a:lnRef>
+          <a:fillRef idx="0">
+            <a:schemeClr val="dk1"/>
+          </a:fillRef>
+          <a:effectRef idx="2">
+            <a:schemeClr val="dk1"/>
+          </a:effectRef>
+          <a:fontRef idx="minor">
+            <a:schemeClr val="tx1"/>
+          </a:fontRef>
+        </p:style>
+      </p:cxnSp>
+      <p:cxnSp>
+        <p:nvCxnSpPr>
+          <p:cNvPr id="65" name="Straight Arrow Connector 64"/>
+          <p:cNvCxnSpPr/>
+          <p:nvPr/>
+        </p:nvCxnSpPr>
+        <p:spPr>
+          <a:xfrm flipH="1">
+            <a:off x="3810662" y="4207225"/>
+            <a:ext cx="522084" cy="321644"/>
+          </a:xfrm>
+          <a:prstGeom prst="straightConnector1">
+            <a:avLst/>
+          </a:prstGeom>
+          <a:ln w="25400">
+            <a:tailEnd type="arrow"/>
+          </a:ln>
+        </p:spPr>
+        <p:style>
+          <a:lnRef idx="3">
+            <a:schemeClr val="dk1"/>
+          </a:lnRef>
+          <a:fillRef idx="0">
+            <a:schemeClr val="dk1"/>
+          </a:fillRef>
+          <a:effectRef idx="2">
+            <a:schemeClr val="dk1"/>
+          </a:effectRef>
+          <a:fontRef idx="minor">
+            <a:schemeClr val="tx1"/>
+          </a:fontRef>
+        </p:style>
+      </p:cxnSp>
+      <p:cxnSp>
+        <p:nvCxnSpPr>
+          <p:cNvPr id="66" name="Straight Arrow Connector 65"/>
+          <p:cNvCxnSpPr/>
+          <p:nvPr/>
+        </p:nvCxnSpPr>
+        <p:spPr>
+          <a:xfrm>
+            <a:off x="6223413" y="4964317"/>
+            <a:ext cx="573032" cy="339141"/>
+          </a:xfrm>
+          <a:prstGeom prst="straightConnector1">
+            <a:avLst/>
+          </a:prstGeom>
+          <a:ln w="25400">
+            <a:tailEnd type="arrow"/>
+          </a:ln>
+        </p:spPr>
+        <p:style>
+          <a:lnRef idx="3">
+            <a:schemeClr val="dk1"/>
+          </a:lnRef>
+          <a:fillRef idx="0">
+            <a:schemeClr val="dk1"/>
+          </a:fillRef>
+          <a:effectRef idx="2">
+            <a:schemeClr val="dk1"/>
+          </a:effectRef>
+          <a:fontRef idx="minor">
+            <a:schemeClr val="tx1"/>
+          </a:fontRef>
+        </p:style>
+      </p:cxnSp>
+      <p:sp>
+        <p:nvSpPr>
+          <p:cNvPr id="103" name="TextBox 102"/>
+          <p:cNvSpPr txBox="1"/>
+          <p:nvPr/>
+        </p:nvSpPr>
+        <p:spPr>
+          <a:xfrm>
+            <a:off x="1097626" y="640523"/>
+            <a:ext cx="537327" cy="369332"/>
+          </a:xfrm>
+          <a:prstGeom prst="rect">
+            <a:avLst/>
+          </a:prstGeom>
+          <a:noFill/>
+        </p:spPr>
+        <p:txBody>
+          <a:bodyPr wrap="none" rtlCol="0">
+            <a:spAutoFit/>
+          </a:bodyPr>
+          <a:lstStyle/>
+          <a:p>
+            <a:r>
+              <a:rPr lang="en-US" smtClean="0"/>
+              <a:t>k=0</a:t>
+            </a:r>
+            <a:endParaRPr lang="en-US" dirty="0"/>
+          </a:p>
+        </p:txBody>
+      </p:sp>
+      <p:sp>
+        <p:nvSpPr>
+          <p:cNvPr id="104" name="TextBox 103"/>
+          <p:cNvSpPr txBox="1"/>
+          <p:nvPr/>
+        </p:nvSpPr>
+        <p:spPr>
+          <a:xfrm>
+            <a:off x="1097626" y="1410682"/>
+            <a:ext cx="537327" cy="369332"/>
+          </a:xfrm>
+          <a:prstGeom prst="rect">
+            <a:avLst/>
+          </a:prstGeom>
+          <a:noFill/>
+        </p:spPr>
+        <p:txBody>
+          <a:bodyPr wrap="none" rtlCol="0">
+            <a:spAutoFit/>
+          </a:bodyPr>
+          <a:lstStyle/>
+          <a:p>
+            <a:r>
+              <a:rPr lang="en-US" dirty="0" smtClean="0"/>
+              <a:t>k=1</a:t>
+            </a:r>
+            <a:endParaRPr lang="en-US" dirty="0"/>
+          </a:p>
+        </p:txBody>
+      </p:sp>
+      <p:sp>
+        <p:nvSpPr>
+          <p:cNvPr id="105" name="TextBox 104"/>
+          <p:cNvSpPr txBox="1"/>
+          <p:nvPr/>
+        </p:nvSpPr>
+        <p:spPr>
+          <a:xfrm>
+            <a:off x="1097626" y="2203446"/>
+            <a:ext cx="537327" cy="369332"/>
+          </a:xfrm>
+          <a:prstGeom prst="rect">
+            <a:avLst/>
+          </a:prstGeom>
+          <a:noFill/>
+        </p:spPr>
+        <p:txBody>
+          <a:bodyPr wrap="none" rtlCol="0">
+            <a:spAutoFit/>
+          </a:bodyPr>
+          <a:lstStyle/>
+          <a:p>
+            <a:r>
+              <a:rPr lang="en-US" dirty="0" smtClean="0"/>
+              <a:t>k=2</a:t>
+            </a:r>
+            <a:endParaRPr lang="en-US" dirty="0"/>
+          </a:p>
+        </p:txBody>
+      </p:sp>
+      <p:sp>
+        <p:nvSpPr>
+          <p:cNvPr id="106" name="TextBox 105"/>
+          <p:cNvSpPr txBox="1"/>
+          <p:nvPr/>
+        </p:nvSpPr>
+        <p:spPr>
+          <a:xfrm>
+            <a:off x="1092209" y="2950876"/>
+            <a:ext cx="521297" cy="369332"/>
+          </a:xfrm>
+          <a:prstGeom prst="rect">
+            <a:avLst/>
+          </a:prstGeom>
+          <a:noFill/>
+        </p:spPr>
+        <p:txBody>
+          <a:bodyPr wrap="none" rtlCol="0">
+            <a:spAutoFit/>
+          </a:bodyPr>
+          <a:lstStyle/>
+          <a:p>
+            <a:r>
+              <a:rPr lang="en-US" dirty="0" smtClean="0"/>
+              <a:t>k=3</a:t>
+            </a:r>
+            <a:endParaRPr lang="en-US" dirty="0"/>
+          </a:p>
+        </p:txBody>
+      </p:sp>
+      <p:sp>
+        <p:nvSpPr>
+          <p:cNvPr id="107" name="TextBox 106"/>
+          <p:cNvSpPr txBox="1"/>
+          <p:nvPr/>
+        </p:nvSpPr>
+        <p:spPr>
+          <a:xfrm>
+            <a:off x="1101594" y="3757173"/>
+            <a:ext cx="521297" cy="369332"/>
+          </a:xfrm>
+          <a:prstGeom prst="rect">
+            <a:avLst/>
+          </a:prstGeom>
+          <a:noFill/>
+        </p:spPr>
+        <p:txBody>
+          <a:bodyPr wrap="none" rtlCol="0">
+            <a:spAutoFit/>
+          </a:bodyPr>
+          <a:lstStyle/>
+          <a:p>
+            <a:r>
+              <a:rPr lang="en-US" dirty="0" smtClean="0"/>
+              <a:t>k=4</a:t>
+            </a:r>
+            <a:endParaRPr lang="en-US" dirty="0"/>
+          </a:p>
+        </p:txBody>
+      </p:sp>
+      <p:sp>
+        <p:nvSpPr>
+          <p:cNvPr id="108" name="TextBox 107"/>
+          <p:cNvSpPr txBox="1"/>
+          <p:nvPr/>
+        </p:nvSpPr>
+        <p:spPr>
+          <a:xfrm>
+            <a:off x="1101594" y="4549937"/>
+            <a:ext cx="521297" cy="369332"/>
+          </a:xfrm>
+          <a:prstGeom prst="rect">
+            <a:avLst/>
+          </a:prstGeom>
+          <a:noFill/>
+        </p:spPr>
+        <p:txBody>
+          <a:bodyPr wrap="none" rtlCol="0">
+            <a:spAutoFit/>
+          </a:bodyPr>
+          <a:lstStyle/>
+          <a:p>
+            <a:r>
+              <a:rPr lang="en-US" dirty="0" smtClean="0"/>
+              <a:t>k=5</a:t>
+            </a:r>
+            <a:endParaRPr lang="en-US" dirty="0"/>
+          </a:p>
+        </p:txBody>
+      </p:sp>
+      <p:sp>
+        <p:nvSpPr>
+          <p:cNvPr id="109" name="TextBox 108"/>
+          <p:cNvSpPr txBox="1"/>
+          <p:nvPr/>
+        </p:nvSpPr>
+        <p:spPr>
+          <a:xfrm>
+            <a:off x="1096177" y="5297367"/>
+            <a:ext cx="521297" cy="369332"/>
+          </a:xfrm>
+          <a:prstGeom prst="rect">
+            <a:avLst/>
+          </a:prstGeom>
+          <a:noFill/>
+        </p:spPr>
+        <p:txBody>
+          <a:bodyPr wrap="none" rtlCol="0">
+            <a:spAutoFit/>
+          </a:bodyPr>
+          <a:lstStyle/>
+          <a:p>
+            <a:r>
+              <a:rPr lang="en-US" dirty="0" smtClean="0"/>
+              <a:t>k=6</a:t>
+            </a:r>
+            <a:endParaRPr lang="en-US" dirty="0"/>
+          </a:p>
+        </p:txBody>
+      </p:sp>
+      <p:pic>
+        <p:nvPicPr>
+          <p:cNvPr id="2" name="Picture 1"/>
+          <p:cNvPicPr>
+            <a:picLocks noChangeAspect="1"/>
+          </p:cNvPicPr>
+          <p:nvPr/>
+        </p:nvPicPr>
+        <p:blipFill>
+          <a:blip r:embed="rId2"/>
+          <a:stretch>
+            <a:fillRect/>
+          </a:stretch>
+        </p:blipFill>
+        <p:spPr>
+          <a:xfrm>
+            <a:off x="2008683" y="1471228"/>
+            <a:ext cx="279400" cy="381000"/>
+          </a:xfrm>
+          <a:prstGeom prst="rect">
+            <a:avLst/>
+          </a:prstGeom>
+        </p:spPr>
+      </p:pic>
+      <p:pic>
+        <p:nvPicPr>
+          <p:cNvPr id="41" name="Picture 40"/>
+          <p:cNvPicPr>
+            <a:picLocks noChangeAspect="1"/>
+          </p:cNvPicPr>
+          <p:nvPr/>
+        </p:nvPicPr>
+        <p:blipFill>
+          <a:blip r:embed="rId3"/>
+          <a:stretch>
+            <a:fillRect/>
+          </a:stretch>
+        </p:blipFill>
+        <p:spPr>
+          <a:xfrm>
+            <a:off x="1952879" y="2244517"/>
+            <a:ext cx="482600" cy="381000"/>
+          </a:xfrm>
+          <a:prstGeom prst="rect">
+            <a:avLst/>
+          </a:prstGeom>
+        </p:spPr>
+      </p:pic>
+      <p:pic>
+        <p:nvPicPr>
+          <p:cNvPr id="51" name="Picture 50"/>
+          <p:cNvPicPr>
+            <a:picLocks noChangeAspect="1"/>
+          </p:cNvPicPr>
+          <p:nvPr/>
+        </p:nvPicPr>
+        <p:blipFill>
+          <a:blip r:embed="rId4"/>
+          <a:stretch>
+            <a:fillRect/>
+          </a:stretch>
+        </p:blipFill>
+        <p:spPr>
+          <a:xfrm>
+            <a:off x="3313662" y="744353"/>
+            <a:ext cx="279400" cy="254000"/>
+          </a:xfrm>
+          <a:prstGeom prst="rect">
+            <a:avLst/>
+          </a:prstGeom>
+        </p:spPr>
+      </p:pic>
+      <p:pic>
+        <p:nvPicPr>
+          <p:cNvPr id="110" name="Picture 109"/>
+          <p:cNvPicPr>
+            <a:picLocks noChangeAspect="1"/>
+          </p:cNvPicPr>
+          <p:nvPr/>
+        </p:nvPicPr>
+        <p:blipFill>
+          <a:blip r:embed="rId4"/>
+          <a:stretch>
+            <a:fillRect/>
+          </a:stretch>
+        </p:blipFill>
+        <p:spPr>
+          <a:xfrm>
+            <a:off x="2696917" y="751151"/>
+            <a:ext cx="279400" cy="254000"/>
+          </a:xfrm>
+          <a:prstGeom prst="rect">
+            <a:avLst/>
+          </a:prstGeom>
+        </p:spPr>
+      </p:pic>
+      <p:pic>
+        <p:nvPicPr>
+          <p:cNvPr id="111" name="Picture 110"/>
+          <p:cNvPicPr>
+            <a:picLocks noChangeAspect="1"/>
+          </p:cNvPicPr>
+          <p:nvPr/>
+        </p:nvPicPr>
+        <p:blipFill>
+          <a:blip r:embed="rId4"/>
+          <a:stretch>
+            <a:fillRect/>
+          </a:stretch>
+        </p:blipFill>
+        <p:spPr>
+          <a:xfrm>
+            <a:off x="2054148" y="746341"/>
+            <a:ext cx="279400" cy="254000"/>
+          </a:xfrm>
+          <a:prstGeom prst="rect">
+            <a:avLst/>
+          </a:prstGeom>
+        </p:spPr>
+      </p:pic>
+      <p:pic>
+        <p:nvPicPr>
+          <p:cNvPr id="112" name="Picture 111"/>
+          <p:cNvPicPr>
+            <a:picLocks noChangeAspect="1"/>
+          </p:cNvPicPr>
+          <p:nvPr/>
+        </p:nvPicPr>
+        <p:blipFill>
+          <a:blip r:embed="rId4"/>
+          <a:stretch>
+            <a:fillRect/>
+          </a:stretch>
+        </p:blipFill>
+        <p:spPr>
+          <a:xfrm>
+            <a:off x="2694376" y="1522487"/>
+            <a:ext cx="279400" cy="254000"/>
+          </a:xfrm>
+          <a:prstGeom prst="rect">
+            <a:avLst/>
+          </a:prstGeom>
+        </p:spPr>
+      </p:pic>
+      <p:pic>
+        <p:nvPicPr>
+          <p:cNvPr id="113" name="Picture 112"/>
+          <p:cNvPicPr>
+            <a:picLocks noChangeAspect="1"/>
+          </p:cNvPicPr>
+          <p:nvPr/>
+        </p:nvPicPr>
+        <p:blipFill>
+          <a:blip r:embed="rId4"/>
+          <a:stretch>
+            <a:fillRect/>
+          </a:stretch>
+        </p:blipFill>
+        <p:spPr>
+          <a:xfrm>
+            <a:off x="3313662" y="1523595"/>
+            <a:ext cx="279400" cy="254000"/>
+          </a:xfrm>
+          <a:prstGeom prst="rect">
+            <a:avLst/>
+          </a:prstGeom>
+        </p:spPr>
+      </p:pic>
+      <p:pic>
+        <p:nvPicPr>
+          <p:cNvPr id="114" name="Picture 113"/>
+          <p:cNvPicPr>
+            <a:picLocks noChangeAspect="1"/>
+          </p:cNvPicPr>
+          <p:nvPr/>
+        </p:nvPicPr>
+        <p:blipFill>
+          <a:blip r:embed="rId4"/>
+          <a:stretch>
+            <a:fillRect/>
+          </a:stretch>
+        </p:blipFill>
+        <p:spPr>
+          <a:xfrm>
+            <a:off x="4459774" y="1527846"/>
+            <a:ext cx="279400" cy="254000"/>
+          </a:xfrm>
+          <a:prstGeom prst="rect">
+            <a:avLst/>
+          </a:prstGeom>
+        </p:spPr>
+      </p:pic>
+      <p:pic>
+        <p:nvPicPr>
+          <p:cNvPr id="115" name="Picture 114"/>
+          <p:cNvPicPr>
+            <a:picLocks noChangeAspect="1"/>
+          </p:cNvPicPr>
+          <p:nvPr/>
+        </p:nvPicPr>
+        <p:blipFill>
+          <a:blip r:embed="rId4"/>
+          <a:stretch>
+            <a:fillRect/>
+          </a:stretch>
+        </p:blipFill>
+        <p:spPr>
+          <a:xfrm>
+            <a:off x="5771726" y="1533826"/>
+            <a:ext cx="279400" cy="254000"/>
+          </a:xfrm>
+          <a:prstGeom prst="rect">
+            <a:avLst/>
+          </a:prstGeom>
+        </p:spPr>
+      </p:pic>
+      <p:pic>
+        <p:nvPicPr>
+          <p:cNvPr id="116" name="Picture 115"/>
+          <p:cNvPicPr>
+            <a:picLocks noChangeAspect="1"/>
+          </p:cNvPicPr>
+          <p:nvPr/>
+        </p:nvPicPr>
+        <p:blipFill>
+          <a:blip r:embed="rId4"/>
+          <a:stretch>
+            <a:fillRect/>
+          </a:stretch>
+        </p:blipFill>
+        <p:spPr>
+          <a:xfrm>
+            <a:off x="6938405" y="1523474"/>
+            <a:ext cx="279400" cy="254000"/>
+          </a:xfrm>
+          <a:prstGeom prst="rect">
+            <a:avLst/>
+          </a:prstGeom>
+        </p:spPr>
+      </p:pic>
+      <p:pic>
+        <p:nvPicPr>
+          <p:cNvPr id="117" name="Picture 116"/>
+          <p:cNvPicPr>
+            <a:picLocks noChangeAspect="1"/>
+          </p:cNvPicPr>
+          <p:nvPr/>
+        </p:nvPicPr>
+        <p:blipFill>
+          <a:blip r:embed="rId4"/>
+          <a:stretch>
+            <a:fillRect/>
+          </a:stretch>
+        </p:blipFill>
+        <p:spPr>
+          <a:xfrm>
+            <a:off x="7598091" y="1523474"/>
+            <a:ext cx="279400" cy="254000"/>
+          </a:xfrm>
+          <a:prstGeom prst="rect">
+            <a:avLst/>
+          </a:prstGeom>
+        </p:spPr>
+      </p:pic>
+      <p:pic>
+        <p:nvPicPr>
+          <p:cNvPr id="118" name="Picture 117"/>
+          <p:cNvPicPr>
+            <a:picLocks noChangeAspect="1"/>
+          </p:cNvPicPr>
+          <p:nvPr/>
+        </p:nvPicPr>
+        <p:blipFill>
+          <a:blip r:embed="rId4"/>
+          <a:stretch>
+            <a:fillRect/>
+          </a:stretch>
+        </p:blipFill>
+        <p:spPr>
+          <a:xfrm>
+            <a:off x="7598091" y="2283301"/>
+            <a:ext cx="279400" cy="254000"/>
+          </a:xfrm>
+          <a:prstGeom prst="rect">
+            <a:avLst/>
+          </a:prstGeom>
+        </p:spPr>
+      </p:pic>
+      <p:pic>
+        <p:nvPicPr>
+          <p:cNvPr id="119" name="Picture 118"/>
+          <p:cNvPicPr>
+            <a:picLocks noChangeAspect="1"/>
+          </p:cNvPicPr>
+          <p:nvPr/>
+        </p:nvPicPr>
+        <p:blipFill>
+          <a:blip r:embed="rId4"/>
+          <a:stretch>
+            <a:fillRect/>
+          </a:stretch>
+        </p:blipFill>
+        <p:spPr>
+          <a:xfrm>
+            <a:off x="6938652" y="2286448"/>
+            <a:ext cx="279400" cy="254000"/>
+          </a:xfrm>
+          <a:prstGeom prst="rect">
+            <a:avLst/>
+          </a:prstGeom>
+        </p:spPr>
+      </p:pic>
+      <p:pic>
+        <p:nvPicPr>
+          <p:cNvPr id="120" name="Picture 119"/>
+          <p:cNvPicPr>
+            <a:picLocks noChangeAspect="1"/>
+          </p:cNvPicPr>
+          <p:nvPr/>
+        </p:nvPicPr>
+        <p:blipFill>
+          <a:blip r:embed="rId4"/>
+          <a:stretch>
+            <a:fillRect/>
+          </a:stretch>
+        </p:blipFill>
+        <p:spPr>
+          <a:xfrm>
+            <a:off x="5771726" y="2290820"/>
+            <a:ext cx="279400" cy="254000"/>
+          </a:xfrm>
+          <a:prstGeom prst="rect">
+            <a:avLst/>
+          </a:prstGeom>
+        </p:spPr>
+      </p:pic>
+      <p:pic>
+        <p:nvPicPr>
+          <p:cNvPr id="121" name="Picture 120"/>
+          <p:cNvPicPr>
+            <a:picLocks noChangeAspect="1"/>
+          </p:cNvPicPr>
+          <p:nvPr/>
+        </p:nvPicPr>
+        <p:blipFill>
+          <a:blip r:embed="rId4"/>
+          <a:stretch>
+            <a:fillRect/>
+          </a:stretch>
+        </p:blipFill>
+        <p:spPr>
+          <a:xfrm>
+            <a:off x="4459774" y="2296226"/>
+            <a:ext cx="279400" cy="254000"/>
+          </a:xfrm>
+          <a:prstGeom prst="rect">
+            <a:avLst/>
+          </a:prstGeom>
+        </p:spPr>
+      </p:pic>
+      <p:pic>
+        <p:nvPicPr>
+          <p:cNvPr id="122" name="Picture 121"/>
+          <p:cNvPicPr>
+            <a:picLocks noChangeAspect="1"/>
+          </p:cNvPicPr>
+          <p:nvPr/>
+        </p:nvPicPr>
+        <p:blipFill>
+          <a:blip r:embed="rId4"/>
+          <a:stretch>
+            <a:fillRect/>
+          </a:stretch>
+        </p:blipFill>
+        <p:spPr>
+          <a:xfrm>
+            <a:off x="3317520" y="2297595"/>
+            <a:ext cx="279400" cy="254000"/>
+          </a:xfrm>
+          <a:prstGeom prst="rect">
+            <a:avLst/>
+          </a:prstGeom>
+        </p:spPr>
+      </p:pic>
+      <p:pic>
+        <p:nvPicPr>
+          <p:cNvPr id="123" name="Picture 122"/>
+          <p:cNvPicPr>
+            <a:picLocks noChangeAspect="1"/>
+          </p:cNvPicPr>
+          <p:nvPr/>
+        </p:nvPicPr>
+        <p:blipFill>
+          <a:blip r:embed="rId4"/>
+          <a:stretch>
+            <a:fillRect/>
+          </a:stretch>
+        </p:blipFill>
+        <p:spPr>
+          <a:xfrm>
+            <a:off x="3313662" y="3066745"/>
+            <a:ext cx="279400" cy="254000"/>
+          </a:xfrm>
+          <a:prstGeom prst="rect">
+            <a:avLst/>
+          </a:prstGeom>
+        </p:spPr>
+      </p:pic>
+      <p:pic>
+        <p:nvPicPr>
+          <p:cNvPr id="124" name="Picture 123"/>
+          <p:cNvPicPr>
+            <a:picLocks noChangeAspect="1"/>
+          </p:cNvPicPr>
+          <p:nvPr/>
+        </p:nvPicPr>
+        <p:blipFill>
+          <a:blip r:embed="rId4"/>
+          <a:stretch>
+            <a:fillRect/>
+          </a:stretch>
+        </p:blipFill>
+        <p:spPr>
+          <a:xfrm>
+            <a:off x="4459774" y="3077040"/>
+            <a:ext cx="279400" cy="254000"/>
+          </a:xfrm>
+          <a:prstGeom prst="rect">
+            <a:avLst/>
+          </a:prstGeom>
+        </p:spPr>
+      </p:pic>
+      <p:pic>
+        <p:nvPicPr>
+          <p:cNvPr id="125" name="Picture 124"/>
+          <p:cNvPicPr>
+            <a:picLocks noChangeAspect="1"/>
+          </p:cNvPicPr>
+          <p:nvPr/>
+        </p:nvPicPr>
+        <p:blipFill>
+          <a:blip r:embed="rId4"/>
+          <a:stretch>
+            <a:fillRect/>
+          </a:stretch>
+        </p:blipFill>
+        <p:spPr>
+          <a:xfrm>
+            <a:off x="5771726" y="3060835"/>
+            <a:ext cx="279400" cy="254000"/>
+          </a:xfrm>
+          <a:prstGeom prst="rect">
+            <a:avLst/>
+          </a:prstGeom>
+        </p:spPr>
+      </p:pic>
+      <p:pic>
+        <p:nvPicPr>
+          <p:cNvPr id="126" name="Picture 125"/>
+          <p:cNvPicPr>
+            <a:picLocks noChangeAspect="1"/>
+          </p:cNvPicPr>
+          <p:nvPr/>
+        </p:nvPicPr>
+        <p:blipFill>
+          <a:blip r:embed="rId4"/>
+          <a:stretch>
+            <a:fillRect/>
+          </a:stretch>
+        </p:blipFill>
+        <p:spPr>
+          <a:xfrm>
+            <a:off x="6913500" y="3067732"/>
+            <a:ext cx="279400" cy="254000"/>
+          </a:xfrm>
+          <a:prstGeom prst="rect">
+            <a:avLst/>
+          </a:prstGeom>
+        </p:spPr>
+      </p:pic>
+      <p:pic>
+        <p:nvPicPr>
+          <p:cNvPr id="127" name="Picture 126"/>
+          <p:cNvPicPr>
+            <a:picLocks noChangeAspect="1"/>
+          </p:cNvPicPr>
+          <p:nvPr/>
+        </p:nvPicPr>
+        <p:blipFill>
+          <a:blip r:embed="rId4"/>
+          <a:stretch>
+            <a:fillRect/>
+          </a:stretch>
+        </p:blipFill>
+        <p:spPr>
+          <a:xfrm>
+            <a:off x="6915320" y="3859963"/>
+            <a:ext cx="279400" cy="254000"/>
+          </a:xfrm>
+          <a:prstGeom prst="rect">
+            <a:avLst/>
+          </a:prstGeom>
+        </p:spPr>
+      </p:pic>
+      <p:pic>
+        <p:nvPicPr>
+          <p:cNvPr id="128" name="Picture 127"/>
+          <p:cNvPicPr>
+            <a:picLocks noChangeAspect="1"/>
+          </p:cNvPicPr>
+          <p:nvPr/>
+        </p:nvPicPr>
+        <p:blipFill>
+          <a:blip r:embed="rId4"/>
+          <a:stretch>
+            <a:fillRect/>
+          </a:stretch>
+        </p:blipFill>
+        <p:spPr>
+          <a:xfrm>
+            <a:off x="6907279" y="4620601"/>
+            <a:ext cx="279400" cy="254000"/>
+          </a:xfrm>
+          <a:prstGeom prst="rect">
+            <a:avLst/>
+          </a:prstGeom>
+        </p:spPr>
+      </p:pic>
+      <p:pic>
+        <p:nvPicPr>
+          <p:cNvPr id="129" name="Picture 128"/>
+          <p:cNvPicPr>
+            <a:picLocks noChangeAspect="1"/>
+          </p:cNvPicPr>
+          <p:nvPr/>
+        </p:nvPicPr>
+        <p:blipFill>
+          <a:blip r:embed="rId4"/>
+          <a:stretch>
+            <a:fillRect/>
+          </a:stretch>
+        </p:blipFill>
+        <p:spPr>
+          <a:xfrm>
+            <a:off x="3308140" y="3856812"/>
+            <a:ext cx="279400" cy="254000"/>
+          </a:xfrm>
+          <a:prstGeom prst="rect">
+            <a:avLst/>
+          </a:prstGeom>
+        </p:spPr>
+      </p:pic>
       <p:graphicFrame>
         <p:nvGraphicFramePr>
-          <p:cNvPr id="21" name="Table 20"/>
+          <p:cNvPr id="130" name="Table 129"/>
           <p:cNvGraphicFramePr>
             <a:graphicFrameLocks noGrp="1"/>
           </p:cNvGraphicFramePr>
           <p:nvPr>
             <p:extLst>
               <p:ext uri="{D42A27DB-BD31-4B8C-83A1-F6EECF244321}">
-                <p14:modId xmlns:p14="http://schemas.microsoft.com/office/powerpoint/2010/main" val="1611066472"/>
+                <p14:modId xmlns:p14="http://schemas.microsoft.com/office/powerpoint/2010/main" val="958916981"/>
               </p:ext>
             </p:extLst>
           </p:nvPr>
         </p:nvGraphicFramePr>
         <p:xfrm>
-          <a:off x="5904089" y="2976736"/>
-          <a:ext cx="1365954" cy="343472"/>
+          <a:off x="4318937" y="668203"/>
+          <a:ext cx="1920240" cy="457200"/>
         </p:xfrm>
         <a:graphic>
           <a:graphicData uri="http://schemas.openxmlformats.org/drawingml/2006/table">
@@ -6781,11 +8266,11 @@
                 <a:tableStyleId>{5C22544A-7EE6-4342-B048-85BDC9FD1C3A}</a:tableStyleId>
               </a:tblPr>
               <a:tblGrid>
-                <a:gridCol w="455318"/>
-                <a:gridCol w="455318"/>
-                <a:gridCol w="455318"/>
+                <a:gridCol w="640080"/>
+                <a:gridCol w="640080"/>
+                <a:gridCol w="640080"/>
               </a:tblGrid>
-              <a:tr h="280109">
+              <a:tr h="457200">
                 <a:tc>
                   <a:txBody>
                     <a:bodyPr/>
@@ -6806,7 +8291,7 @@
                     </a:p>
                   </a:txBody>
                   <a:tcPr marL="69151" marR="69151" marT="34576" marB="34576">
-                    <a:lnL w="12700" cap="flat" cmpd="sng" algn="ctr">
+                    <a:lnL w="28575" cap="flat" cmpd="sng" algn="ctr">
                       <a:solidFill>
                         <a:schemeClr val="tx1"/>
                       </a:solidFill>
@@ -6815,7 +8300,7 @@
                       <a:headEnd type="none" w="med" len="med"/>
                       <a:tailEnd type="none" w="med" len="med"/>
                     </a:lnL>
-                    <a:lnR w="12700" cap="flat" cmpd="sng" algn="ctr">
+                    <a:lnR w="28575" cap="flat" cmpd="sng" algn="ctr">
                       <a:solidFill>
                         <a:schemeClr val="tx1"/>
                       </a:solidFill>
@@ -6824,7 +8309,7 @@
                       <a:headEnd type="none" w="med" len="med"/>
                       <a:tailEnd type="none" w="med" len="med"/>
                     </a:lnR>
-                    <a:lnT w="12700" cap="flat" cmpd="sng" algn="ctr">
+                    <a:lnT w="28575" cap="flat" cmpd="sng" algn="ctr">
                       <a:solidFill>
                         <a:schemeClr val="tx1"/>
                       </a:solidFill>
@@ -6833,7 +8318,7 @@
                       <a:headEnd type="none" w="med" len="med"/>
                       <a:tailEnd type="none" w="med" len="med"/>
                     </a:lnT>
-                    <a:lnB w="12700" cap="flat" cmpd="sng" algn="ctr">
+                    <a:lnB w="28575" cap="flat" cmpd="sng" algn="ctr">
                       <a:solidFill>
                         <a:schemeClr val="tx1"/>
                       </a:solidFill>
@@ -6842,6 +8327,14 @@
                       <a:headEnd type="none" w="med" len="med"/>
                       <a:tailEnd type="none" w="med" len="med"/>
                     </a:lnB>
+                    <a:lnTlToBr w="12700" cmpd="sng">
+                      <a:noFill/>
+                      <a:prstDash val="solid"/>
+                    </a:lnTlToBr>
+                    <a:lnBlToTr w="12700" cmpd="sng">
+                      <a:noFill/>
+                      <a:prstDash val="solid"/>
+                    </a:lnBlToTr>
                     <a:solidFill>
                       <a:schemeClr val="bg1">
                         <a:lumMod val="95000"/>
@@ -6868,7 +8361,7 @@
                     </a:p>
                   </a:txBody>
                   <a:tcPr marL="69151" marR="69151" marT="34576" marB="34576">
-                    <a:lnL w="12700" cap="flat" cmpd="sng" algn="ctr">
+                    <a:lnL w="28575" cap="flat" cmpd="sng" algn="ctr">
                       <a:solidFill>
                         <a:schemeClr val="tx1"/>
                       </a:solidFill>
@@ -6877,7 +8370,7 @@
                       <a:headEnd type="none" w="med" len="med"/>
                       <a:tailEnd type="none" w="med" len="med"/>
                     </a:lnL>
-                    <a:lnR w="12700" cap="flat" cmpd="sng" algn="ctr">
+                    <a:lnR w="28575" cap="flat" cmpd="sng" algn="ctr">
                       <a:solidFill>
                         <a:schemeClr val="tx1"/>
                       </a:solidFill>
@@ -6886,7 +8379,7 @@
                       <a:headEnd type="none" w="med" len="med"/>
                       <a:tailEnd type="none" w="med" len="med"/>
                     </a:lnR>
-                    <a:lnT w="12700" cap="flat" cmpd="sng" algn="ctr">
+                    <a:lnT w="28575" cap="flat" cmpd="sng" algn="ctr">
                       <a:solidFill>
                         <a:schemeClr val="tx1"/>
                       </a:solidFill>
@@ -6895,7 +8388,7 @@
                       <a:headEnd type="none" w="med" len="med"/>
                       <a:tailEnd type="none" w="med" len="med"/>
                     </a:lnT>
-                    <a:lnB w="12700" cap="flat" cmpd="sng" algn="ctr">
+                    <a:lnB w="28575" cap="flat" cmpd="sng" algn="ctr">
                       <a:solidFill>
                         <a:schemeClr val="tx1"/>
                       </a:solidFill>
@@ -6904,6 +8397,14 @@
                       <a:headEnd type="none" w="med" len="med"/>
                       <a:tailEnd type="none" w="med" len="med"/>
                     </a:lnB>
+                    <a:lnTlToBr w="12700" cmpd="sng">
+                      <a:noFill/>
+                      <a:prstDash val="solid"/>
+                    </a:lnTlToBr>
+                    <a:lnBlToTr w="12700" cmpd="sng">
+                      <a:noFill/>
+                      <a:prstDash val="solid"/>
+                    </a:lnBlToTr>
                     <a:solidFill>
                       <a:schemeClr val="bg1">
                         <a:lumMod val="95000"/>
@@ -6930,7 +8431,7 @@
                     </a:p>
                   </a:txBody>
                   <a:tcPr marL="69151" marR="69151" marT="34576" marB="34576">
-                    <a:lnL w="12700" cap="flat" cmpd="sng" algn="ctr">
+                    <a:lnL w="28575" cap="flat" cmpd="sng" algn="ctr">
                       <a:solidFill>
                         <a:schemeClr val="tx1"/>
                       </a:solidFill>
@@ -6939,7 +8440,7 @@
                       <a:headEnd type="none" w="med" len="med"/>
                       <a:tailEnd type="none" w="med" len="med"/>
                     </a:lnL>
-                    <a:lnR w="12700" cap="flat" cmpd="sng" algn="ctr">
+                    <a:lnR w="28575" cap="flat" cmpd="sng" algn="ctr">
                       <a:solidFill>
                         <a:schemeClr val="tx1"/>
                       </a:solidFill>
@@ -6948,7 +8449,7 @@
                       <a:headEnd type="none" w="med" len="med"/>
                       <a:tailEnd type="none" w="med" len="med"/>
                     </a:lnR>
-                    <a:lnT w="12700" cap="flat" cmpd="sng" algn="ctr">
+                    <a:lnT w="28575" cap="flat" cmpd="sng" algn="ctr">
                       <a:solidFill>
                         <a:schemeClr val="tx1"/>
                       </a:solidFill>
@@ -6957,7 +8458,7 @@
                       <a:headEnd type="none" w="med" len="med"/>
                       <a:tailEnd type="none" w="med" len="med"/>
                     </a:lnT>
-                    <a:lnB w="12700" cap="flat" cmpd="sng" algn="ctr">
+                    <a:lnB w="28575" cap="flat" cmpd="sng" algn="ctr">
                       <a:solidFill>
                         <a:schemeClr val="tx1"/>
                       </a:solidFill>
@@ -6966,6 +8467,14 @@
                       <a:headEnd type="none" w="med" len="med"/>
                       <a:tailEnd type="none" w="med" len="med"/>
                     </a:lnB>
+                    <a:lnTlToBr w="12700" cmpd="sng">
+                      <a:noFill/>
+                      <a:prstDash val="solid"/>
+                    </a:lnTlToBr>
+                    <a:lnBlToTr w="12700" cmpd="sng">
+                      <a:noFill/>
+                      <a:prstDash val="solid"/>
+                    </a:lnBlToTr>
                     <a:solidFill>
                       <a:schemeClr val="bg1">
                         <a:lumMod val="95000"/>
@@ -6978,23 +8487,95 @@
           </a:graphicData>
         </a:graphic>
       </p:graphicFrame>
+      <p:pic>
+        <p:nvPicPr>
+          <p:cNvPr id="131" name="Picture 130"/>
+          <p:cNvPicPr>
+            <a:picLocks noChangeAspect="1"/>
+          </p:cNvPicPr>
+          <p:nvPr/>
+        </p:nvPicPr>
+        <p:blipFill>
+          <a:blip r:embed="rId4"/>
+          <a:stretch>
+            <a:fillRect/>
+          </a:stretch>
+        </p:blipFill>
+        <p:spPr>
+          <a:xfrm>
+            <a:off x="5771726" y="756510"/>
+            <a:ext cx="279400" cy="254000"/>
+          </a:xfrm>
+          <a:prstGeom prst="rect">
+            <a:avLst/>
+          </a:prstGeom>
+        </p:spPr>
+      </p:pic>
+      <p:pic>
+        <p:nvPicPr>
+          <p:cNvPr id="132" name="Picture 131"/>
+          <p:cNvPicPr>
+            <a:picLocks noChangeAspect="1"/>
+          </p:cNvPicPr>
+          <p:nvPr/>
+        </p:nvPicPr>
+        <p:blipFill>
+          <a:blip r:embed="rId4"/>
+          <a:stretch>
+            <a:fillRect/>
+          </a:stretch>
+        </p:blipFill>
+        <p:spPr>
+          <a:xfrm>
+            <a:off x="5122335" y="763828"/>
+            <a:ext cx="279400" cy="254000"/>
+          </a:xfrm>
+          <a:prstGeom prst="rect">
+            <a:avLst/>
+          </a:prstGeom>
+        </p:spPr>
+      </p:pic>
+      <p:pic>
+        <p:nvPicPr>
+          <p:cNvPr id="133" name="Picture 132"/>
+          <p:cNvPicPr>
+            <a:picLocks noChangeAspect="1"/>
+          </p:cNvPicPr>
+          <p:nvPr/>
+        </p:nvPicPr>
+        <p:blipFill>
+          <a:blip r:embed="rId4"/>
+          <a:stretch>
+            <a:fillRect/>
+          </a:stretch>
+        </p:blipFill>
+        <p:spPr>
+          <a:xfrm>
+            <a:off x="4463312" y="749648"/>
+            <a:ext cx="279400" cy="254000"/>
+          </a:xfrm>
+          <a:prstGeom prst="rect">
+            <a:avLst/>
+          </a:prstGeom>
+        </p:spPr>
+      </p:pic>
       <p:graphicFrame>
         <p:nvGraphicFramePr>
-          <p:cNvPr id="22" name="Table 21"/>
+          <p:cNvPr id="138" name="Table 137"/>
           <p:cNvGraphicFramePr>
             <a:graphicFrameLocks noGrp="1"/>
           </p:cNvGraphicFramePr>
           <p:nvPr>
             <p:extLst>
               <p:ext uri="{D42A27DB-BD31-4B8C-83A1-F6EECF244321}">
-                <p14:modId xmlns:p14="http://schemas.microsoft.com/office/powerpoint/2010/main" val="1720373528"/>
+                <p14:modId xmlns:p14="http://schemas.microsoft.com/office/powerpoint/2010/main" val="1479605337"/>
               </p:ext>
             </p:extLst>
           </p:nvPr>
         </p:nvGraphicFramePr>
         <p:xfrm>
-          <a:off x="5904089" y="3750025"/>
-          <a:ext cx="1365954" cy="343472"/>
+          <a:off x="6780197" y="656869"/>
+          <a:ext cx="1920240" cy="457200"/>
         </p:xfrm>
         <a:graphic>
           <a:graphicData uri="http://schemas.openxmlformats.org/drawingml/2006/table">
@@ -7003,11 +8584,11 @@
                 <a:tableStyleId>{5C22544A-7EE6-4342-B048-85BDC9FD1C3A}</a:tableStyleId>
               </a:tblPr>
               <a:tblGrid>
-                <a:gridCol w="455318"/>
-                <a:gridCol w="455318"/>
-                <a:gridCol w="455318"/>
+                <a:gridCol w="640080"/>
+                <a:gridCol w="640080"/>
+                <a:gridCol w="640080"/>
               </a:tblGrid>
-              <a:tr h="280109">
+              <a:tr h="457200">
                 <a:tc>
                   <a:txBody>
                     <a:bodyPr/>
@@ -7028,7 +8609,7 @@
                     </a:p>
                   </a:txBody>
                   <a:tcPr marL="69151" marR="69151" marT="34576" marB="34576">
-                    <a:lnL w="12700" cap="flat" cmpd="sng" algn="ctr">
+                    <a:lnL w="28575" cap="flat" cmpd="sng" algn="ctr">
                       <a:solidFill>
                         <a:schemeClr val="tx1"/>
                       </a:solidFill>
@@ -7037,7 +8618,7 @@
                       <a:headEnd type="none" w="med" len="med"/>
                       <a:tailEnd type="none" w="med" len="med"/>
                     </a:lnL>
-                    <a:lnR w="12700" cap="flat" cmpd="sng" algn="ctr">
+                    <a:lnR w="28575" cap="flat" cmpd="sng" algn="ctr">
                       <a:solidFill>
                         <a:schemeClr val="tx1"/>
                       </a:solidFill>
@@ -7046,7 +8627,7 @@
                       <a:headEnd type="none" w="med" len="med"/>
                       <a:tailEnd type="none" w="med" len="med"/>
                     </a:lnR>
-                    <a:lnT w="12700" cap="flat" cmpd="sng" algn="ctr">
+                    <a:lnT w="28575" cap="flat" cmpd="sng" algn="ctr">
                       <a:solidFill>
                         <a:schemeClr val="tx1"/>
                       </a:solidFill>
@@ -7055,7 +8636,7 @@
                       <a:headEnd type="none" w="med" len="med"/>
                       <a:tailEnd type="none" w="med" len="med"/>
                     </a:lnT>
-                    <a:lnB w="12700" cap="flat" cmpd="sng" algn="ctr">
+                    <a:lnB w="28575" cap="flat" cmpd="sng" algn="ctr">
                       <a:solidFill>
                         <a:schemeClr val="tx1"/>
                       </a:solidFill>
@@ -7064,6 +8645,14 @@
                       <a:headEnd type="none" w="med" len="med"/>
                       <a:tailEnd type="none" w="med" len="med"/>
                     </a:lnB>
+                    <a:lnTlToBr w="12700" cmpd="sng">
+                      <a:noFill/>
+                      <a:prstDash val="solid"/>
+                    </a:lnTlToBr>
+                    <a:lnBlToTr w="12700" cmpd="sng">
+                      <a:noFill/>
+                      <a:prstDash val="solid"/>
+                    </a:lnBlToTr>
                     <a:solidFill>
                       <a:schemeClr val="bg1">
                         <a:lumMod val="95000"/>
@@ -7090,7 +8679,7 @@
                     </a:p>
                   </a:txBody>
                   <a:tcPr marL="69151" marR="69151" marT="34576" marB="34576">
-                    <a:lnL w="12700" cap="flat" cmpd="sng" algn="ctr">
+                    <a:lnL w="28575" cap="flat" cmpd="sng" algn="ctr">
                       <a:solidFill>
                         <a:schemeClr val="tx1"/>
                       </a:solidFill>
@@ -7099,7 +8688,7 @@
                       <a:headEnd type="none" w="med" len="med"/>
                       <a:tailEnd type="none" w="med" len="med"/>
                     </a:lnL>
-                    <a:lnR w="12700" cap="flat" cmpd="sng" algn="ctr">
+                    <a:lnR w="28575" cap="flat" cmpd="sng" algn="ctr">
                       <a:solidFill>
                         <a:schemeClr val="tx1"/>
                       </a:solidFill>
@@ -7108,7 +8697,7 @@
                       <a:headEnd type="none" w="med" len="med"/>
                       <a:tailEnd type="none" w="med" len="med"/>
                     </a:lnR>
-                    <a:lnT w="12700" cap="flat" cmpd="sng" algn="ctr">
+                    <a:lnT w="28575" cap="flat" cmpd="sng" algn="ctr">
                       <a:solidFill>
                         <a:schemeClr val="tx1"/>
                       </a:solidFill>
@@ -7117,7 +8706,7 @@
                       <a:headEnd type="none" w="med" len="med"/>
                       <a:tailEnd type="none" w="med" len="med"/>
                     </a:lnT>
-                    <a:lnB w="12700" cap="flat" cmpd="sng" algn="ctr">
+                    <a:lnB w="28575" cap="flat" cmpd="sng" algn="ctr">
                       <a:solidFill>
                         <a:schemeClr val="tx1"/>
                       </a:solidFill>
@@ -7126,6 +8715,14 @@
                       <a:headEnd type="none" w="med" len="med"/>
                       <a:tailEnd type="none" w="med" len="med"/>
                     </a:lnB>
+                    <a:lnTlToBr w="12700" cmpd="sng">
+                      <a:noFill/>
+                      <a:prstDash val="solid"/>
+                    </a:lnTlToBr>
+                    <a:lnBlToTr w="12700" cmpd="sng">
+                      <a:noFill/>
+                      <a:prstDash val="solid"/>
+                    </a:lnBlToTr>
                     <a:solidFill>
                       <a:schemeClr val="bg1">
                         <a:lumMod val="95000"/>
@@ -7152,7 +8749,7 @@
                     </a:p>
                   </a:txBody>
                   <a:tcPr marL="69151" marR="69151" marT="34576" marB="34576">
-                    <a:lnL w="12700" cap="flat" cmpd="sng" algn="ctr">
+                    <a:lnL w="28575" cap="flat" cmpd="sng" algn="ctr">
                       <a:solidFill>
                         <a:schemeClr val="tx1"/>
                       </a:solidFill>
@@ -7161,7 +8758,7 @@
                       <a:headEnd type="none" w="med" len="med"/>
                       <a:tailEnd type="none" w="med" len="med"/>
                     </a:lnL>
-                    <a:lnR w="12700" cap="flat" cmpd="sng" algn="ctr">
+                    <a:lnR w="28575" cap="flat" cmpd="sng" algn="ctr">
                       <a:solidFill>
                         <a:schemeClr val="tx1"/>
                       </a:solidFill>
@@ -7170,7 +8767,7 @@
                       <a:headEnd type="none" w="med" len="med"/>
                       <a:tailEnd type="none" w="med" len="med"/>
                     </a:lnR>
-                    <a:lnT w="12700" cap="flat" cmpd="sng" algn="ctr">
+                    <a:lnT w="28575" cap="flat" cmpd="sng" algn="ctr">
                       <a:solidFill>
                         <a:schemeClr val="tx1"/>
                       </a:solidFill>
@@ -7179,7 +8776,7 @@
                       <a:headEnd type="none" w="med" len="med"/>
                       <a:tailEnd type="none" w="med" len="med"/>
                     </a:lnT>
-                    <a:lnB w="12700" cap="flat" cmpd="sng" algn="ctr">
+                    <a:lnB w="28575" cap="flat" cmpd="sng" algn="ctr">
                       <a:solidFill>
                         <a:schemeClr val="tx1"/>
                       </a:solidFill>
@@ -7188,450 +8785,14 @@
                       <a:headEnd type="none" w="med" len="med"/>
                       <a:tailEnd type="none" w="med" len="med"/>
                     </a:lnB>
-                    <a:solidFill>
-                      <a:schemeClr val="bg1">
-                        <a:lumMod val="95000"/>
-                      </a:schemeClr>
-                    </a:solidFill>
-                  </a:tcPr>
-                </a:tc>
-              </a:tr>
-            </a:tbl>
-          </a:graphicData>
-        </a:graphic>
-      </p:graphicFrame>
-      <p:graphicFrame>
-        <p:nvGraphicFramePr>
-          <p:cNvPr id="23" name="Table 22"/>
-          <p:cNvGraphicFramePr>
-            <a:graphicFrameLocks noGrp="1"/>
-          </p:cNvGraphicFramePr>
-          <p:nvPr>
-            <p:extLst>
-              <p:ext uri="{D42A27DB-BD31-4B8C-83A1-F6EECF244321}">
-                <p14:modId xmlns:p14="http://schemas.microsoft.com/office/powerpoint/2010/main" val="598061888"/>
-              </p:ext>
-            </p:extLst>
-          </p:nvPr>
-        </p:nvGraphicFramePr>
-        <p:xfrm>
-          <a:off x="5904089" y="4523314"/>
-          <a:ext cx="1365954" cy="343472"/>
-        </p:xfrm>
-        <a:graphic>
-          <a:graphicData uri="http://schemas.openxmlformats.org/drawingml/2006/table">
-            <a:tbl>
-              <a:tblPr firstRow="1" bandRow="1">
-                <a:tableStyleId>{5C22544A-7EE6-4342-B048-85BDC9FD1C3A}</a:tableStyleId>
-              </a:tblPr>
-              <a:tblGrid>
-                <a:gridCol w="455318"/>
-                <a:gridCol w="455318"/>
-                <a:gridCol w="455318"/>
-              </a:tblGrid>
-              <a:tr h="280109">
-                <a:tc>
-                  <a:txBody>
-                    <a:bodyPr/>
-                    <a:lstStyle/>
-                    <a:p>
-                      <a:pPr algn="ctr"/>
-                      <a:endParaRPr lang="en-US" sz="1800" b="0" baseline="0" dirty="0" smtClean="0">
-                        <a:solidFill>
-                          <a:schemeClr val="tx1">
-                            <a:lumMod val="95000"/>
-                            <a:lumOff val="5000"/>
-                          </a:schemeClr>
-                        </a:solidFill>
-                        <a:latin typeface="Calibri" charset="0"/>
-                        <a:ea typeface="Calibri" charset="0"/>
-                        <a:cs typeface="Calibri" charset="0"/>
-                      </a:endParaRPr>
-                    </a:p>
-                  </a:txBody>
-                  <a:tcPr marL="69151" marR="69151" marT="34576" marB="34576">
-                    <a:lnL w="12700" cap="flat" cmpd="sng" algn="ctr">
-                      <a:solidFill>
-                        <a:schemeClr val="tx1"/>
-                      </a:solidFill>
-                      <a:prstDash val="solid"/>
-                      <a:round/>
-                      <a:headEnd type="none" w="med" len="med"/>
-                      <a:tailEnd type="none" w="med" len="med"/>
-                    </a:lnL>
-                    <a:lnR w="12700" cap="flat" cmpd="sng" algn="ctr">
-                      <a:solidFill>
-                        <a:schemeClr val="tx1"/>
-                      </a:solidFill>
-                      <a:prstDash val="solid"/>
-                      <a:round/>
-                      <a:headEnd type="none" w="med" len="med"/>
-                      <a:tailEnd type="none" w="med" len="med"/>
-                    </a:lnR>
-                    <a:lnT w="12700" cap="flat" cmpd="sng" algn="ctr">
-                      <a:solidFill>
-                        <a:schemeClr val="tx1"/>
-                      </a:solidFill>
-                      <a:prstDash val="solid"/>
-                      <a:round/>
-                      <a:headEnd type="none" w="med" len="med"/>
-                      <a:tailEnd type="none" w="med" len="med"/>
-                    </a:lnT>
-                    <a:lnB w="12700" cap="flat" cmpd="sng" algn="ctr">
-                      <a:solidFill>
-                        <a:schemeClr val="tx1"/>
-                      </a:solidFill>
-                      <a:prstDash val="solid"/>
-                      <a:round/>
-                      <a:headEnd type="none" w="med" len="med"/>
-                      <a:tailEnd type="none" w="med" len="med"/>
-                    </a:lnB>
-                    <a:solidFill>
-                      <a:schemeClr val="bg1">
-                        <a:lumMod val="95000"/>
-                      </a:schemeClr>
-                    </a:solidFill>
-                  </a:tcPr>
-                </a:tc>
-                <a:tc>
-                  <a:txBody>
-                    <a:bodyPr/>
-                    <a:lstStyle/>
-                    <a:p>
-                      <a:pPr algn="ctr"/>
-                      <a:endParaRPr lang="en-US" sz="1800" dirty="0">
-                        <a:solidFill>
-                          <a:schemeClr val="bg1">
-                            <a:lumMod val="65000"/>
-                          </a:schemeClr>
-                        </a:solidFill>
-                        <a:latin typeface="Calibri" charset="0"/>
-                        <a:ea typeface="Calibri" charset="0"/>
-                        <a:cs typeface="Calibri" charset="0"/>
-                      </a:endParaRPr>
-                    </a:p>
-                  </a:txBody>
-                  <a:tcPr marL="69151" marR="69151" marT="34576" marB="34576">
-                    <a:lnL w="12700" cap="flat" cmpd="sng" algn="ctr">
-                      <a:solidFill>
-                        <a:schemeClr val="tx1"/>
-                      </a:solidFill>
-                      <a:prstDash val="solid"/>
-                      <a:round/>
-                      <a:headEnd type="none" w="med" len="med"/>
-                      <a:tailEnd type="none" w="med" len="med"/>
-                    </a:lnL>
-                    <a:lnR w="12700" cap="flat" cmpd="sng" algn="ctr">
-                      <a:solidFill>
-                        <a:schemeClr val="tx1"/>
-                      </a:solidFill>
-                      <a:prstDash val="solid"/>
-                      <a:round/>
-                      <a:headEnd type="none" w="med" len="med"/>
-                      <a:tailEnd type="none" w="med" len="med"/>
-                    </a:lnR>
-                    <a:lnT w="12700" cap="flat" cmpd="sng" algn="ctr">
-                      <a:solidFill>
-                        <a:schemeClr val="tx1"/>
-                      </a:solidFill>
-                      <a:prstDash val="solid"/>
-                      <a:round/>
-                      <a:headEnd type="none" w="med" len="med"/>
-                      <a:tailEnd type="none" w="med" len="med"/>
-                    </a:lnT>
-                    <a:lnB w="12700" cap="flat" cmpd="sng" algn="ctr">
-                      <a:solidFill>
-                        <a:schemeClr val="tx1"/>
-                      </a:solidFill>
-                      <a:prstDash val="solid"/>
-                      <a:round/>
-                      <a:headEnd type="none" w="med" len="med"/>
-                      <a:tailEnd type="none" w="med" len="med"/>
-                    </a:lnB>
-                    <a:solidFill>
-                      <a:schemeClr val="bg1">
-                        <a:lumMod val="95000"/>
-                      </a:schemeClr>
-                    </a:solidFill>
-                  </a:tcPr>
-                </a:tc>
-                <a:tc>
-                  <a:txBody>
-                    <a:bodyPr/>
-                    <a:lstStyle/>
-                    <a:p>
-                      <a:pPr algn="ctr"/>
-                      <a:endParaRPr lang="en-US" sz="1800" dirty="0">
-                        <a:solidFill>
-                          <a:schemeClr val="bg1">
-                            <a:lumMod val="65000"/>
-                          </a:schemeClr>
-                        </a:solidFill>
-                        <a:latin typeface="Calibri" charset="0"/>
-                        <a:ea typeface="Calibri" charset="0"/>
-                        <a:cs typeface="Calibri" charset="0"/>
-                      </a:endParaRPr>
-                    </a:p>
-                  </a:txBody>
-                  <a:tcPr marL="69151" marR="69151" marT="34576" marB="34576">
-                    <a:lnL w="12700" cap="flat" cmpd="sng" algn="ctr">
-                      <a:solidFill>
-                        <a:schemeClr val="tx1"/>
-                      </a:solidFill>
-                      <a:prstDash val="solid"/>
-                      <a:round/>
-                      <a:headEnd type="none" w="med" len="med"/>
-                      <a:tailEnd type="none" w="med" len="med"/>
-                    </a:lnL>
-                    <a:lnR w="12700" cap="flat" cmpd="sng" algn="ctr">
-                      <a:solidFill>
-                        <a:schemeClr val="tx1"/>
-                      </a:solidFill>
-                      <a:prstDash val="solid"/>
-                      <a:round/>
-                      <a:headEnd type="none" w="med" len="med"/>
-                      <a:tailEnd type="none" w="med" len="med"/>
-                    </a:lnR>
-                    <a:lnT w="12700" cap="flat" cmpd="sng" algn="ctr">
-                      <a:solidFill>
-                        <a:schemeClr val="tx1"/>
-                      </a:solidFill>
-                      <a:prstDash val="solid"/>
-                      <a:round/>
-                      <a:headEnd type="none" w="med" len="med"/>
-                      <a:tailEnd type="none" w="med" len="med"/>
-                    </a:lnT>
-                    <a:lnB w="12700" cap="flat" cmpd="sng" algn="ctr">
-                      <a:solidFill>
-                        <a:schemeClr val="tx1"/>
-                      </a:solidFill>
-                      <a:prstDash val="solid"/>
-                      <a:round/>
-                      <a:headEnd type="none" w="med" len="med"/>
-                      <a:tailEnd type="none" w="med" len="med"/>
-                    </a:lnB>
-                    <a:solidFill>
-                      <a:schemeClr val="bg1">
-                        <a:lumMod val="95000"/>
-                      </a:schemeClr>
-                    </a:solidFill>
-                  </a:tcPr>
-                </a:tc>
-              </a:tr>
-            </a:tbl>
-          </a:graphicData>
-        </a:graphic>
-      </p:graphicFrame>
-      <p:graphicFrame>
-        <p:nvGraphicFramePr>
-          <p:cNvPr id="24" name="Table 23"/>
-          <p:cNvGraphicFramePr>
-            <a:graphicFrameLocks noGrp="1"/>
-          </p:cNvGraphicFramePr>
-          <p:nvPr>
-            <p:extLst>
-              <p:ext uri="{D42A27DB-BD31-4B8C-83A1-F6EECF244321}">
-                <p14:modId xmlns:p14="http://schemas.microsoft.com/office/powerpoint/2010/main" val="1402683656"/>
-              </p:ext>
-            </p:extLst>
-          </p:nvPr>
-        </p:nvGraphicFramePr>
-        <p:xfrm>
-          <a:off x="5904089" y="5296603"/>
-          <a:ext cx="1365954" cy="343472"/>
-        </p:xfrm>
-        <a:graphic>
-          <a:graphicData uri="http://schemas.openxmlformats.org/drawingml/2006/table">
-            <a:tbl>
-              <a:tblPr firstRow="1" bandRow="1">
-                <a:tableStyleId>{5C22544A-7EE6-4342-B048-85BDC9FD1C3A}</a:tableStyleId>
-              </a:tblPr>
-              <a:tblGrid>
-                <a:gridCol w="455318"/>
-                <a:gridCol w="455318"/>
-                <a:gridCol w="455318"/>
-              </a:tblGrid>
-              <a:tr h="280109">
-                <a:tc>
-                  <a:txBody>
-                    <a:bodyPr/>
-                    <a:lstStyle/>
-                    <a:p>
-                      <a:pPr algn="ctr"/>
-                      <a:endParaRPr lang="en-US" sz="1800" b="0" baseline="0" dirty="0" smtClean="0">
-                        <a:solidFill>
-                          <a:schemeClr val="tx1">
-                            <a:lumMod val="95000"/>
-                            <a:lumOff val="5000"/>
-                          </a:schemeClr>
-                        </a:solidFill>
-                        <a:latin typeface="Calibri" charset="0"/>
-                        <a:ea typeface="Calibri" charset="0"/>
-                        <a:cs typeface="Calibri" charset="0"/>
-                      </a:endParaRPr>
-                    </a:p>
-                  </a:txBody>
-                  <a:tcPr marL="69151" marR="69151" marT="34576" marB="34576">
-                    <a:lnL w="12700" cap="flat" cmpd="sng" algn="ctr">
-                      <a:solidFill>
-                        <a:schemeClr val="tx1"/>
-                      </a:solidFill>
-                      <a:prstDash val="solid"/>
-                      <a:round/>
-                      <a:headEnd type="none" w="med" len="med"/>
-                      <a:tailEnd type="none" w="med" len="med"/>
-                    </a:lnL>
-                    <a:lnR w="12700" cap="flat" cmpd="sng" algn="ctr">
-                      <a:solidFill>
-                        <a:schemeClr val="tx1"/>
-                      </a:solidFill>
-                      <a:prstDash val="solid"/>
-                      <a:round/>
-                      <a:headEnd type="none" w="med" len="med"/>
-                      <a:tailEnd type="none" w="med" len="med"/>
-                    </a:lnR>
-                    <a:lnT w="12700" cap="flat" cmpd="sng" algn="ctr">
-                      <a:solidFill>
-                        <a:schemeClr val="tx1"/>
-                      </a:solidFill>
-                      <a:prstDash val="solid"/>
-                      <a:round/>
-                      <a:headEnd type="none" w="med" len="med"/>
-                      <a:tailEnd type="none" w="med" len="med"/>
-                    </a:lnT>
-                    <a:lnB w="12700" cap="flat" cmpd="sng" algn="ctr">
-                      <a:solidFill>
-                        <a:schemeClr val="tx1"/>
-                      </a:solidFill>
-                      <a:prstDash val="solid"/>
-                      <a:round/>
-                      <a:headEnd type="none" w="med" len="med"/>
-                      <a:tailEnd type="none" w="med" len="med"/>
-                    </a:lnB>
-                    <a:solidFill>
-                      <a:schemeClr val="bg1">
-                        <a:lumMod val="95000"/>
-                      </a:schemeClr>
-                    </a:solidFill>
-                  </a:tcPr>
-                </a:tc>
-                <a:tc>
-                  <a:txBody>
-                    <a:bodyPr/>
-                    <a:lstStyle/>
-                    <a:p>
-                      <a:pPr algn="ctr"/>
-                      <a:endParaRPr lang="en-US" sz="1800" dirty="0">
-                        <a:solidFill>
-                          <a:schemeClr val="bg1">
-                            <a:lumMod val="65000"/>
-                          </a:schemeClr>
-                        </a:solidFill>
-                        <a:latin typeface="Calibri" charset="0"/>
-                        <a:ea typeface="Calibri" charset="0"/>
-                        <a:cs typeface="Calibri" charset="0"/>
-                      </a:endParaRPr>
-                    </a:p>
-                  </a:txBody>
-                  <a:tcPr marL="69151" marR="69151" marT="34576" marB="34576">
-                    <a:lnL w="12700" cap="flat" cmpd="sng" algn="ctr">
-                      <a:solidFill>
-                        <a:schemeClr val="tx1"/>
-                      </a:solidFill>
-                      <a:prstDash val="solid"/>
-                      <a:round/>
-                      <a:headEnd type="none" w="med" len="med"/>
-                      <a:tailEnd type="none" w="med" len="med"/>
-                    </a:lnL>
-                    <a:lnR w="12700" cap="flat" cmpd="sng" algn="ctr">
-                      <a:solidFill>
-                        <a:schemeClr val="tx1"/>
-                      </a:solidFill>
-                      <a:prstDash val="solid"/>
-                      <a:round/>
-                      <a:headEnd type="none" w="med" len="med"/>
-                      <a:tailEnd type="none" w="med" len="med"/>
-                    </a:lnR>
-                    <a:lnT w="12700" cap="flat" cmpd="sng" algn="ctr">
-                      <a:solidFill>
-                        <a:schemeClr val="tx1"/>
-                      </a:solidFill>
-                      <a:prstDash val="solid"/>
-                      <a:round/>
-                      <a:headEnd type="none" w="med" len="med"/>
-                      <a:tailEnd type="none" w="med" len="med"/>
-                    </a:lnT>
-                    <a:lnB w="12700" cap="flat" cmpd="sng" algn="ctr">
-                      <a:solidFill>
-                        <a:schemeClr val="tx1"/>
-                      </a:solidFill>
-                      <a:prstDash val="solid"/>
-                      <a:round/>
-                      <a:headEnd type="none" w="med" len="med"/>
-                      <a:tailEnd type="none" w="med" len="med"/>
-                    </a:lnB>
-                    <a:solidFill>
-                      <a:schemeClr val="bg1">
-                        <a:lumMod val="95000"/>
-                      </a:schemeClr>
-                    </a:solidFill>
-                  </a:tcPr>
-                </a:tc>
-                <a:tc>
-                  <a:txBody>
-                    <a:bodyPr/>
-                    <a:lstStyle/>
-                    <a:p>
-                      <a:pPr algn="ctr"/>
-                      <a:endParaRPr lang="en-US" sz="1800" dirty="0">
-                        <a:solidFill>
-                          <a:schemeClr val="bg1">
-                            <a:lumMod val="65000"/>
-                          </a:schemeClr>
-                        </a:solidFill>
-                        <a:latin typeface="Calibri" charset="0"/>
-                        <a:ea typeface="Calibri" charset="0"/>
-                        <a:cs typeface="Calibri" charset="0"/>
-                      </a:endParaRPr>
-                    </a:p>
-                  </a:txBody>
-                  <a:tcPr marL="69151" marR="69151" marT="34576" marB="34576">
-                    <a:lnL w="12700" cap="flat" cmpd="sng" algn="ctr">
-                      <a:solidFill>
-                        <a:schemeClr val="tx1"/>
-                      </a:solidFill>
-                      <a:prstDash val="solid"/>
-                      <a:round/>
-                      <a:headEnd type="none" w="med" len="med"/>
-                      <a:tailEnd type="none" w="med" len="med"/>
-                    </a:lnL>
-                    <a:lnR w="12700" cap="flat" cmpd="sng" algn="ctr">
-                      <a:solidFill>
-                        <a:schemeClr val="tx1"/>
-                      </a:solidFill>
-                      <a:prstDash val="solid"/>
-                      <a:round/>
-                      <a:headEnd type="none" w="med" len="med"/>
-                      <a:tailEnd type="none" w="med" len="med"/>
-                    </a:lnR>
-                    <a:lnT w="12700" cap="flat" cmpd="sng" algn="ctr">
-                      <a:solidFill>
-                        <a:schemeClr val="tx1"/>
-                      </a:solidFill>
-                      <a:prstDash val="solid"/>
-                      <a:round/>
-                      <a:headEnd type="none" w="med" len="med"/>
-                      <a:tailEnd type="none" w="med" len="med"/>
-                    </a:lnT>
-                    <a:lnB w="12700" cap="flat" cmpd="sng" algn="ctr">
-                      <a:solidFill>
-                        <a:schemeClr val="tx1"/>
-                      </a:solidFill>
-                      <a:prstDash val="solid"/>
-                      <a:round/>
-                      <a:headEnd type="none" w="med" len="med"/>
-                      <a:tailEnd type="none" w="med" len="med"/>
-                    </a:lnB>
+                    <a:lnTlToBr w="12700" cmpd="sng">
+                      <a:noFill/>
+                      <a:prstDash val="solid"/>
+                    </a:lnTlToBr>
+                    <a:lnBlToTr w="12700" cmpd="sng">
+                      <a:noFill/>
+                      <a:prstDash val="solid"/>
+                    </a:lnBlToTr>
                     <a:solidFill>
                       <a:schemeClr val="bg1">
                         <a:lumMod val="95000"/>
@@ -7646,55 +8807,7 @@
       </p:graphicFrame>
       <p:pic>
         <p:nvPicPr>
-          <p:cNvPr id="25" name="Picture 24"/>
-          <p:cNvPicPr>
-            <a:picLocks noChangeAspect="1"/>
-          </p:cNvPicPr>
-          <p:nvPr/>
-        </p:nvPicPr>
-        <p:blipFill>
-          <a:blip r:embed="rId2"/>
-          <a:stretch>
-            <a:fillRect/>
-          </a:stretch>
-        </p:blipFill>
-        <p:spPr>
-          <a:xfrm>
-            <a:off x="1973555" y="707554"/>
-            <a:ext cx="264111" cy="242102"/>
-          </a:xfrm>
-          <a:prstGeom prst="rect">
-            <a:avLst/>
-          </a:prstGeom>
-        </p:spPr>
-      </p:pic>
-      <p:pic>
-        <p:nvPicPr>
-          <p:cNvPr id="26" name="Picture 25"/>
-          <p:cNvPicPr>
-            <a:picLocks noChangeAspect="1"/>
-          </p:cNvPicPr>
-          <p:nvPr/>
-        </p:nvPicPr>
-        <p:blipFill>
-          <a:blip r:embed="rId3"/>
-          <a:stretch>
-            <a:fillRect/>
-          </a:stretch>
-        </p:blipFill>
-        <p:spPr>
-          <a:xfrm>
-            <a:off x="1973555" y="1449494"/>
-            <a:ext cx="215900" cy="304800"/>
-          </a:xfrm>
-          <a:prstGeom prst="rect">
-            <a:avLst/>
-          </a:prstGeom>
-        </p:spPr>
-      </p:pic>
-      <p:pic>
-        <p:nvPicPr>
-          <p:cNvPr id="27" name="Picture 26"/>
+          <p:cNvPr id="139" name="Picture 138"/>
           <p:cNvPicPr>
             <a:picLocks noChangeAspect="1"/>
           </p:cNvPicPr>
@@ -7708,8 +8821,8 @@
         </p:blipFill>
         <p:spPr>
           <a:xfrm>
-            <a:off x="4457700" y="1449494"/>
-            <a:ext cx="228600" cy="304800"/>
+            <a:off x="8215123" y="760646"/>
+            <a:ext cx="279400" cy="254000"/>
           </a:xfrm>
           <a:prstGeom prst="rect">
             <a:avLst/>
@@ -7718,7 +8831,55 @@
       </p:pic>
       <p:pic>
         <p:nvPicPr>
-          <p:cNvPr id="28" name="Picture 27"/>
+          <p:cNvPr id="140" name="Picture 139"/>
+          <p:cNvPicPr>
+            <a:picLocks noChangeAspect="1"/>
+          </p:cNvPicPr>
+          <p:nvPr/>
+        </p:nvPicPr>
+        <p:blipFill>
+          <a:blip r:embed="rId4"/>
+          <a:stretch>
+            <a:fillRect/>
+          </a:stretch>
+        </p:blipFill>
+        <p:spPr>
+          <a:xfrm>
+            <a:off x="7604140" y="744507"/>
+            <a:ext cx="279400" cy="254000"/>
+          </a:xfrm>
+          <a:prstGeom prst="rect">
+            <a:avLst/>
+          </a:prstGeom>
+        </p:spPr>
+      </p:pic>
+      <p:pic>
+        <p:nvPicPr>
+          <p:cNvPr id="141" name="Picture 140"/>
+          <p:cNvPicPr>
+            <a:picLocks noChangeAspect="1"/>
+          </p:cNvPicPr>
+          <p:nvPr/>
+        </p:nvPicPr>
+        <p:blipFill>
+          <a:blip r:embed="rId4"/>
+          <a:stretch>
+            <a:fillRect/>
+          </a:stretch>
+        </p:blipFill>
+        <p:spPr>
+          <a:xfrm>
+            <a:off x="6938405" y="746466"/>
+            <a:ext cx="279400" cy="254000"/>
+          </a:xfrm>
+          <a:prstGeom prst="rect">
+            <a:avLst/>
+          </a:prstGeom>
+        </p:spPr>
+      </p:pic>
+      <p:pic>
+        <p:nvPicPr>
+          <p:cNvPr id="144" name="Picture 143"/>
           <p:cNvPicPr>
             <a:picLocks noChangeAspect="1"/>
           </p:cNvPicPr>
@@ -7732,8 +8893,8 @@
         </p:blipFill>
         <p:spPr>
           <a:xfrm>
-            <a:off x="6924322" y="1449494"/>
-            <a:ext cx="228600" cy="304800"/>
+            <a:off x="1952879" y="3020732"/>
+            <a:ext cx="482600" cy="381000"/>
           </a:xfrm>
           <a:prstGeom prst="rect">
             <a:avLst/>
@@ -7742,7 +8903,7 @@
       </p:pic>
       <p:pic>
         <p:nvPicPr>
-          <p:cNvPr id="29" name="Picture 28"/>
+          <p:cNvPr id="145" name="Picture 144"/>
           <p:cNvPicPr>
             <a:picLocks noChangeAspect="1"/>
           </p:cNvPicPr>
@@ -7756,8 +8917,8 @@
         </p:blipFill>
         <p:spPr>
           <a:xfrm>
-            <a:off x="6860117" y="2222783"/>
-            <a:ext cx="368300" cy="304800"/>
+            <a:off x="1959475" y="3778398"/>
+            <a:ext cx="495300" cy="381000"/>
           </a:xfrm>
           <a:prstGeom prst="rect">
             <a:avLst/>
@@ -7766,7 +8927,7 @@
       </p:pic>
       <p:pic>
         <p:nvPicPr>
-          <p:cNvPr id="30" name="Picture 29"/>
+          <p:cNvPr id="146" name="Picture 145"/>
           <p:cNvPicPr>
             <a:picLocks noChangeAspect="1"/>
           </p:cNvPicPr>
@@ -7780,8 +8941,8 @@
         </p:blipFill>
         <p:spPr>
           <a:xfrm>
-            <a:off x="4387850" y="2220315"/>
-            <a:ext cx="368300" cy="304800"/>
+            <a:off x="1952879" y="4563197"/>
+            <a:ext cx="482600" cy="381000"/>
           </a:xfrm>
           <a:prstGeom prst="rect">
             <a:avLst/>
@@ -7790,7 +8951,7 @@
       </p:pic>
       <p:pic>
         <p:nvPicPr>
-          <p:cNvPr id="31" name="Picture 30"/>
+          <p:cNvPr id="147" name="Picture 146"/>
           <p:cNvPicPr>
             <a:picLocks noChangeAspect="1"/>
           </p:cNvPicPr>
@@ -7804,8 +8965,8 @@
         </p:blipFill>
         <p:spPr>
           <a:xfrm>
-            <a:off x="1927810" y="2222783"/>
-            <a:ext cx="368300" cy="304800"/>
+            <a:off x="1941703" y="5340062"/>
+            <a:ext cx="482600" cy="381000"/>
           </a:xfrm>
           <a:prstGeom prst="rect">
             <a:avLst/>
@@ -7814,7 +8975,7 @@
       </p:pic>
       <p:pic>
         <p:nvPicPr>
-          <p:cNvPr id="32" name="Picture 31"/>
+          <p:cNvPr id="148" name="Picture 147"/>
           <p:cNvPicPr>
             <a:picLocks noChangeAspect="1"/>
           </p:cNvPicPr>
@@ -7828,8 +8989,8 @@
         </p:blipFill>
         <p:spPr>
           <a:xfrm>
-            <a:off x="1915110" y="2994170"/>
-            <a:ext cx="381000" cy="304800"/>
+            <a:off x="5048100" y="5340062"/>
+            <a:ext cx="482600" cy="381000"/>
           </a:xfrm>
           <a:prstGeom prst="rect">
             <a:avLst/>
@@ -7838,7 +8999,7 @@
       </p:pic>
       <p:pic>
         <p:nvPicPr>
-          <p:cNvPr id="33" name="Picture 32"/>
+          <p:cNvPr id="149" name="Picture 148"/>
           <p:cNvPicPr>
             <a:picLocks noChangeAspect="1"/>
           </p:cNvPicPr>
@@ -7852,8 +9013,8 @@
         </p:blipFill>
         <p:spPr>
           <a:xfrm>
-            <a:off x="4419600" y="2994170"/>
-            <a:ext cx="381000" cy="304800"/>
+            <a:off x="5048100" y="4560819"/>
+            <a:ext cx="482600" cy="381000"/>
           </a:xfrm>
           <a:prstGeom prst="rect">
             <a:avLst/>
@@ -7862,7 +9023,7 @@
       </p:pic>
       <p:pic>
         <p:nvPicPr>
-          <p:cNvPr id="34" name="Picture 33"/>
+          <p:cNvPr id="150" name="Picture 149"/>
           <p:cNvPicPr>
             <a:picLocks noChangeAspect="1"/>
           </p:cNvPicPr>
@@ -7876,8 +9037,8 @@
         </p:blipFill>
         <p:spPr>
           <a:xfrm>
-            <a:off x="6848122" y="2996072"/>
-            <a:ext cx="381000" cy="304800"/>
+            <a:off x="5043524" y="3788125"/>
+            <a:ext cx="495300" cy="381000"/>
           </a:xfrm>
           <a:prstGeom prst="rect">
             <a:avLst/>
@@ -7886,7 +9047,7 @@
       </p:pic>
       <p:pic>
         <p:nvPicPr>
-          <p:cNvPr id="35" name="Picture 34"/>
+          <p:cNvPr id="151" name="Picture 150"/>
           <p:cNvPicPr>
             <a:picLocks noChangeAspect="1"/>
           </p:cNvPicPr>
@@ -7900,8 +9061,8 @@
         </p:blipFill>
         <p:spPr>
           <a:xfrm>
-            <a:off x="6854472" y="3769361"/>
-            <a:ext cx="381000" cy="304800"/>
+            <a:off x="5048100" y="3009912"/>
+            <a:ext cx="482600" cy="381000"/>
           </a:xfrm>
           <a:prstGeom prst="rect">
             <a:avLst/>
@@ -7910,7 +9071,7 @@
       </p:pic>
       <p:pic>
         <p:nvPicPr>
-          <p:cNvPr id="36" name="Picture 35"/>
+          <p:cNvPr id="152" name="Picture 151"/>
           <p:cNvPicPr>
             <a:picLocks noChangeAspect="1"/>
           </p:cNvPicPr>
@@ -7924,8 +9085,8 @@
         </p:blipFill>
         <p:spPr>
           <a:xfrm>
-            <a:off x="4387850" y="3769361"/>
-            <a:ext cx="381000" cy="304800"/>
+            <a:off x="5040394" y="2244517"/>
+            <a:ext cx="482600" cy="381000"/>
           </a:xfrm>
           <a:prstGeom prst="rect">
             <a:avLst/>
@@ -7934,7 +9095,7 @@
       </p:pic>
       <p:pic>
         <p:nvPicPr>
-          <p:cNvPr id="37" name="Picture 36"/>
+          <p:cNvPr id="153" name="Picture 152"/>
           <p:cNvPicPr>
             <a:picLocks noChangeAspect="1"/>
           </p:cNvPicPr>
@@ -7948,8 +9109,8 @@
         </p:blipFill>
         <p:spPr>
           <a:xfrm>
-            <a:off x="1927810" y="3769361"/>
-            <a:ext cx="381000" cy="304800"/>
+            <a:off x="5081852" y="1476971"/>
+            <a:ext cx="279400" cy="381000"/>
           </a:xfrm>
           <a:prstGeom prst="rect">
             <a:avLst/>
@@ -7958,7 +9119,7 @@
       </p:pic>
       <p:pic>
         <p:nvPicPr>
-          <p:cNvPr id="38" name="Picture 37"/>
+          <p:cNvPr id="154" name="Picture 153"/>
           <p:cNvPicPr>
             <a:picLocks noChangeAspect="1"/>
           </p:cNvPicPr>
@@ -7972,8 +9133,8 @@
         </p:blipFill>
         <p:spPr>
           <a:xfrm>
-            <a:off x="1897355" y="4542650"/>
-            <a:ext cx="368300" cy="304800"/>
+            <a:off x="8197282" y="1453646"/>
+            <a:ext cx="292100" cy="381000"/>
           </a:xfrm>
           <a:prstGeom prst="rect">
             <a:avLst/>
@@ -7982,7 +9143,7 @@
       </p:pic>
       <p:pic>
         <p:nvPicPr>
-          <p:cNvPr id="39" name="Picture 38"/>
+          <p:cNvPr id="155" name="Picture 154"/>
           <p:cNvPicPr>
             <a:picLocks noChangeAspect="1"/>
           </p:cNvPicPr>
@@ -7996,8 +9157,8 @@
         </p:blipFill>
         <p:spPr>
           <a:xfrm>
-            <a:off x="4842933" y="4542650"/>
-            <a:ext cx="368300" cy="304800"/>
+            <a:off x="8126223" y="2244517"/>
+            <a:ext cx="482600" cy="381000"/>
           </a:xfrm>
           <a:prstGeom prst="rect">
             <a:avLst/>
@@ -8006,7 +9167,7 @@
       </p:pic>
       <p:pic>
         <p:nvPicPr>
-          <p:cNvPr id="40" name="Picture 39"/>
+          <p:cNvPr id="156" name="Picture 155"/>
           <p:cNvPicPr>
             <a:picLocks noChangeAspect="1"/>
           </p:cNvPicPr>
@@ -8020,74 +9181,32 @@
         </p:blipFill>
         <p:spPr>
           <a:xfrm>
-            <a:off x="6854472" y="4542650"/>
-            <a:ext cx="368300" cy="304800"/>
+            <a:off x="8126223" y="3009745"/>
+            <a:ext cx="482600" cy="381000"/>
           </a:xfrm>
           <a:prstGeom prst="rect">
             <a:avLst/>
           </a:prstGeom>
         </p:spPr>
       </p:pic>
-      <p:cxnSp>
-        <p:nvCxnSpPr>
-          <p:cNvPr id="41" name="Straight Arrow Connector 40"/>
-          <p:cNvCxnSpPr>
-            <a:endCxn id="11" idx="1"/>
-          </p:cNvCxnSpPr>
-          <p:nvPr/>
-        </p:nvCxnSpPr>
-        <p:spPr>
-          <a:xfrm>
-            <a:off x="3239911" y="828605"/>
-            <a:ext cx="649112" cy="0"/>
-          </a:xfrm>
-          <a:prstGeom prst="straightConnector1">
-            <a:avLst/>
-          </a:prstGeom>
-          <a:ln>
-            <a:solidFill>
-              <a:schemeClr val="tx1">
-                <a:lumMod val="95000"/>
-                <a:lumOff val="5000"/>
-              </a:schemeClr>
-            </a:solidFill>
-            <a:headEnd type="triangle"/>
-            <a:tailEnd type="triangle"/>
-          </a:ln>
-        </p:spPr>
-        <p:style>
-          <a:lnRef idx="3">
-            <a:schemeClr val="dk1"/>
-          </a:lnRef>
-          <a:fillRef idx="0">
-            <a:schemeClr val="dk1"/>
-          </a:fillRef>
-          <a:effectRef idx="2">
-            <a:schemeClr val="dk1"/>
-          </a:effectRef>
-          <a:fontRef idx="minor">
-            <a:schemeClr val="tx1"/>
-          </a:fontRef>
-        </p:style>
-      </p:cxnSp>
       <p:pic>
         <p:nvPicPr>
-          <p:cNvPr id="42" name="Picture 41"/>
+          <p:cNvPr id="157" name="Picture 156"/>
           <p:cNvPicPr>
             <a:picLocks noChangeAspect="1"/>
           </p:cNvPicPr>
           <p:nvPr/>
         </p:nvPicPr>
         <p:blipFill>
-          <a:blip r:embed="rId2"/>
+          <a:blip r:embed="rId18"/>
           <a:stretch>
             <a:fillRect/>
           </a:stretch>
         </p:blipFill>
         <p:spPr>
           <a:xfrm>
-            <a:off x="2421343" y="705702"/>
-            <a:ext cx="264111" cy="242102"/>
+            <a:off x="8126223" y="3776413"/>
+            <a:ext cx="495300" cy="381000"/>
           </a:xfrm>
           <a:prstGeom prst="rect">
             <a:avLst/>
@@ -8096,22 +9215,22 @@
       </p:pic>
       <p:pic>
         <p:nvPicPr>
-          <p:cNvPr id="43" name="Picture 42"/>
+          <p:cNvPr id="158" name="Picture 157"/>
           <p:cNvPicPr>
             <a:picLocks noChangeAspect="1"/>
           </p:cNvPicPr>
           <p:nvPr/>
         </p:nvPicPr>
         <p:blipFill>
-          <a:blip r:embed="rId2"/>
+          <a:blip r:embed="rId19"/>
           <a:stretch>
             <a:fillRect/>
           </a:stretch>
         </p:blipFill>
         <p:spPr>
           <a:xfrm>
-            <a:off x="2867610" y="705702"/>
-            <a:ext cx="264111" cy="242102"/>
+            <a:off x="8138923" y="4550525"/>
+            <a:ext cx="482600" cy="381000"/>
           </a:xfrm>
           <a:prstGeom prst="rect">
             <a:avLst/>
@@ -8120,22 +9239,22 @@
       </p:pic>
       <p:pic>
         <p:nvPicPr>
-          <p:cNvPr id="44" name="Picture 43"/>
+          <p:cNvPr id="159" name="Picture 158"/>
           <p:cNvPicPr>
             <a:picLocks noChangeAspect="1"/>
           </p:cNvPicPr>
           <p:nvPr/>
         </p:nvPicPr>
         <p:blipFill>
-          <a:blip r:embed="rId2"/>
+          <a:blip r:embed="rId20"/>
           <a:stretch>
             <a:fillRect/>
           </a:stretch>
         </p:blipFill>
         <p:spPr>
           <a:xfrm>
-            <a:off x="3997213" y="705702"/>
-            <a:ext cx="264111" cy="242102"/>
+            <a:off x="8126223" y="5329636"/>
+            <a:ext cx="482600" cy="381000"/>
           </a:xfrm>
           <a:prstGeom prst="rect">
             <a:avLst/>
@@ -8144,22 +9263,22 @@
       </p:pic>
       <p:pic>
         <p:nvPicPr>
-          <p:cNvPr id="45" name="Picture 44"/>
+          <p:cNvPr id="160" name="Picture 159"/>
           <p:cNvPicPr>
             <a:picLocks noChangeAspect="1"/>
           </p:cNvPicPr>
           <p:nvPr/>
         </p:nvPicPr>
         <p:blipFill>
-          <a:blip r:embed="rId2"/>
+          <a:blip r:embed="rId14"/>
           <a:stretch>
             <a:fillRect/>
           </a:stretch>
         </p:blipFill>
         <p:spPr>
           <a:xfrm>
-            <a:off x="4453824" y="705702"/>
-            <a:ext cx="264111" cy="242102"/>
+            <a:off x="2674482" y="2234095"/>
+            <a:ext cx="279400" cy="381000"/>
           </a:xfrm>
           <a:prstGeom prst="rect">
             <a:avLst/>
@@ -8168,22 +9287,22 @@
       </p:pic>
       <p:pic>
         <p:nvPicPr>
-          <p:cNvPr id="46" name="Picture 45"/>
+          <p:cNvPr id="161" name="Picture 160"/>
           <p:cNvPicPr>
             <a:picLocks noChangeAspect="1"/>
           </p:cNvPicPr>
           <p:nvPr/>
         </p:nvPicPr>
         <p:blipFill>
-          <a:blip r:embed="rId2"/>
+          <a:blip r:embed="rId14"/>
           <a:stretch>
             <a:fillRect/>
           </a:stretch>
         </p:blipFill>
         <p:spPr>
           <a:xfrm>
-            <a:off x="4910667" y="705702"/>
-            <a:ext cx="264111" cy="242102"/>
+            <a:off x="2668415" y="3014836"/>
+            <a:ext cx="279400" cy="381000"/>
           </a:xfrm>
           <a:prstGeom prst="rect">
             <a:avLst/>
@@ -8192,22 +9311,22 @@
       </p:pic>
       <p:pic>
         <p:nvPicPr>
-          <p:cNvPr id="47" name="Picture 46"/>
+          <p:cNvPr id="162" name="Picture 161"/>
           <p:cNvPicPr>
             <a:picLocks noChangeAspect="1"/>
           </p:cNvPicPr>
           <p:nvPr/>
         </p:nvPicPr>
         <p:blipFill>
-          <a:blip r:embed="rId2"/>
+          <a:blip r:embed="rId14"/>
           <a:stretch>
             <a:fillRect/>
           </a:stretch>
         </p:blipFill>
         <p:spPr>
           <a:xfrm>
-            <a:off x="6014977" y="704138"/>
-            <a:ext cx="264111" cy="242102"/>
+            <a:off x="2674482" y="3783465"/>
+            <a:ext cx="279400" cy="381000"/>
           </a:xfrm>
           <a:prstGeom prst="rect">
             <a:avLst/>
@@ -8216,22 +9335,22 @@
       </p:pic>
       <p:pic>
         <p:nvPicPr>
-          <p:cNvPr id="48" name="Picture 47"/>
+          <p:cNvPr id="163" name="Picture 162"/>
           <p:cNvPicPr>
             <a:picLocks noChangeAspect="1"/>
           </p:cNvPicPr>
           <p:nvPr/>
         </p:nvPicPr>
         <p:blipFill>
-          <a:blip r:embed="rId2"/>
+          <a:blip r:embed="rId17"/>
           <a:stretch>
             <a:fillRect/>
           </a:stretch>
         </p:blipFill>
         <p:spPr>
           <a:xfrm>
-            <a:off x="6476178" y="704138"/>
-            <a:ext cx="264111" cy="242102"/>
+            <a:off x="5693590" y="3783465"/>
+            <a:ext cx="482600" cy="381000"/>
           </a:xfrm>
           <a:prstGeom prst="rect">
             <a:avLst/>
@@ -8240,234 +9359,340 @@
       </p:pic>
       <p:pic>
         <p:nvPicPr>
-          <p:cNvPr id="49" name="Picture 48"/>
+          <p:cNvPr id="164" name="Picture 163"/>
           <p:cNvPicPr>
             <a:picLocks noChangeAspect="1"/>
           </p:cNvPicPr>
           <p:nvPr/>
         </p:nvPicPr>
         <p:blipFill>
-          <a:blip r:embed="rId2"/>
+          <a:blip r:embed="rId17"/>
           <a:stretch>
             <a:fillRect/>
           </a:stretch>
         </p:blipFill>
         <p:spPr>
           <a:xfrm>
-            <a:off x="6888811" y="704138"/>
-            <a:ext cx="264111" cy="242102"/>
+            <a:off x="3250369" y="4550525"/>
+            <a:ext cx="482600" cy="381000"/>
           </a:xfrm>
           <a:prstGeom prst="rect">
             <a:avLst/>
           </a:prstGeom>
         </p:spPr>
       </p:pic>
-      <p:cxnSp>
-        <p:nvCxnSpPr>
-          <p:cNvPr id="50" name="Straight Arrow Connector 49"/>
-          <p:cNvCxnSpPr/>
+      <p:pic>
+        <p:nvPicPr>
+          <p:cNvPr id="165" name="Picture 164"/>
+          <p:cNvPicPr>
+            <a:picLocks noChangeAspect="1"/>
+          </p:cNvPicPr>
           <p:nvPr/>
-        </p:nvCxnSpPr>
+        </p:nvPicPr>
+        <p:blipFill>
+          <a:blip r:embed="rId17"/>
+          <a:stretch>
+            <a:fillRect/>
+          </a:stretch>
+        </p:blipFill>
         <p:spPr>
           <a:xfrm>
-            <a:off x="3239911" y="1601894"/>
-            <a:ext cx="649112" cy="0"/>
-          </a:xfrm>
-          <a:prstGeom prst="straightConnector1">
+            <a:off x="5693590" y="4563197"/>
+            <a:ext cx="482600" cy="381000"/>
+          </a:xfrm>
+          <a:prstGeom prst="rect">
             <a:avLst/>
           </a:prstGeom>
-          <a:ln>
-            <a:solidFill>
-              <a:schemeClr val="tx1">
-                <a:lumMod val="95000"/>
-                <a:lumOff val="5000"/>
-              </a:schemeClr>
-            </a:solidFill>
-            <a:headEnd type="triangle"/>
-            <a:tailEnd type="triangle"/>
-          </a:ln>
-        </p:spPr>
-        <p:style>
-          <a:lnRef idx="3">
-            <a:schemeClr val="dk1"/>
-          </a:lnRef>
-          <a:fillRef idx="0">
-            <a:schemeClr val="dk1"/>
-          </a:fillRef>
-          <a:effectRef idx="2">
-            <a:schemeClr val="dk1"/>
-          </a:effectRef>
-          <a:fontRef idx="minor">
-            <a:schemeClr val="tx1"/>
-          </a:fontRef>
-        </p:style>
-      </p:cxnSp>
-      <p:cxnSp>
-        <p:nvCxnSpPr>
-          <p:cNvPr id="51" name="Straight Arrow Connector 50"/>
-          <p:cNvCxnSpPr/>
+        </p:spPr>
+      </p:pic>
+      <p:pic>
+        <p:nvPicPr>
+          <p:cNvPr id="166" name="Picture 165"/>
+          <p:cNvPicPr>
+            <a:picLocks noChangeAspect="1"/>
+          </p:cNvPicPr>
           <p:nvPr/>
-        </p:nvCxnSpPr>
+        </p:nvPicPr>
+        <p:blipFill>
+          <a:blip r:embed="rId17"/>
+          <a:stretch>
+            <a:fillRect/>
+          </a:stretch>
+        </p:blipFill>
         <p:spPr>
           <a:xfrm>
-            <a:off x="5254977" y="2372715"/>
-            <a:ext cx="649112" cy="0"/>
-          </a:xfrm>
-          <a:prstGeom prst="straightConnector1">
+            <a:off x="5688548" y="5329636"/>
+            <a:ext cx="482600" cy="381000"/>
+          </a:xfrm>
+          <a:prstGeom prst="rect">
             <a:avLst/>
           </a:prstGeom>
-          <a:ln>
-            <a:solidFill>
-              <a:schemeClr val="tx1">
-                <a:lumMod val="95000"/>
-                <a:lumOff val="5000"/>
-              </a:schemeClr>
-            </a:solidFill>
-            <a:headEnd type="triangle"/>
-            <a:tailEnd type="triangle"/>
-          </a:ln>
-        </p:spPr>
-        <p:style>
-          <a:lnRef idx="3">
-            <a:schemeClr val="dk1"/>
-          </a:lnRef>
-          <a:fillRef idx="0">
-            <a:schemeClr val="dk1"/>
-          </a:fillRef>
-          <a:effectRef idx="2">
-            <a:schemeClr val="dk1"/>
-          </a:effectRef>
-          <a:fontRef idx="minor">
-            <a:schemeClr val="tx1"/>
-          </a:fontRef>
-        </p:style>
-      </p:cxnSp>
-      <p:cxnSp>
-        <p:nvCxnSpPr>
-          <p:cNvPr id="52" name="Straight Arrow Connector 51"/>
-          <p:cNvCxnSpPr>
-            <a:stCxn id="15" idx="3"/>
-            <a:endCxn id="21" idx="1"/>
-          </p:cNvCxnSpPr>
+        </p:spPr>
+      </p:pic>
+      <p:pic>
+        <p:nvPicPr>
+          <p:cNvPr id="167" name="Picture 166"/>
+          <p:cNvPicPr>
+            <a:picLocks noChangeAspect="1"/>
+          </p:cNvPicPr>
           <p:nvPr/>
-        </p:nvCxnSpPr>
+        </p:nvPicPr>
+        <p:blipFill>
+          <a:blip r:embed="rId17"/>
+          <a:stretch>
+            <a:fillRect/>
+          </a:stretch>
+        </p:blipFill>
         <p:spPr>
           <a:xfrm>
-            <a:off x="5254977" y="3148472"/>
-            <a:ext cx="649112" cy="0"/>
-          </a:xfrm>
-          <a:prstGeom prst="straightConnector1">
+            <a:off x="3250369" y="5317202"/>
+            <a:ext cx="482600" cy="381000"/>
+          </a:xfrm>
+          <a:prstGeom prst="rect">
             <a:avLst/>
           </a:prstGeom>
-          <a:ln>
-            <a:solidFill>
-              <a:schemeClr val="tx1">
-                <a:lumMod val="95000"/>
-                <a:lumOff val="5000"/>
-              </a:schemeClr>
-            </a:solidFill>
-            <a:headEnd type="triangle"/>
-            <a:tailEnd type="triangle"/>
-          </a:ln>
-        </p:spPr>
-        <p:style>
-          <a:lnRef idx="3">
-            <a:schemeClr val="dk1"/>
-          </a:lnRef>
-          <a:fillRef idx="0">
-            <a:schemeClr val="dk1"/>
-          </a:fillRef>
-          <a:effectRef idx="2">
-            <a:schemeClr val="dk1"/>
-          </a:effectRef>
-          <a:fontRef idx="minor">
-            <a:schemeClr val="tx1"/>
-          </a:fontRef>
-        </p:style>
-      </p:cxnSp>
-      <p:cxnSp>
-        <p:nvCxnSpPr>
-          <p:cNvPr id="53" name="Straight Arrow Connector 52"/>
-          <p:cNvCxnSpPr/>
+        </p:spPr>
+      </p:pic>
+      <p:pic>
+        <p:nvPicPr>
+          <p:cNvPr id="168" name="Picture 167"/>
+          <p:cNvPicPr>
+            <a:picLocks noChangeAspect="1"/>
+          </p:cNvPicPr>
           <p:nvPr/>
-        </p:nvCxnSpPr>
+        </p:nvPicPr>
+        <p:blipFill>
+          <a:blip r:embed="rId11"/>
+          <a:stretch>
+            <a:fillRect/>
+          </a:stretch>
+        </p:blipFill>
         <p:spPr>
           <a:xfrm>
-            <a:off x="3239911" y="3946953"/>
-            <a:ext cx="649112" cy="0"/>
-          </a:xfrm>
-          <a:prstGeom prst="straightConnector1">
+            <a:off x="2592179" y="4567655"/>
+            <a:ext cx="495300" cy="381000"/>
+          </a:xfrm>
+          <a:prstGeom prst="rect">
             <a:avLst/>
           </a:prstGeom>
-          <a:ln>
-            <a:solidFill>
-              <a:schemeClr val="tx1">
-                <a:lumMod val="95000"/>
-                <a:lumOff val="5000"/>
-              </a:schemeClr>
-            </a:solidFill>
-            <a:headEnd type="triangle"/>
-            <a:tailEnd type="triangle"/>
-          </a:ln>
-        </p:spPr>
-        <p:style>
-          <a:lnRef idx="3">
-            <a:schemeClr val="dk1"/>
-          </a:lnRef>
-          <a:fillRef idx="0">
-            <a:schemeClr val="dk1"/>
-          </a:fillRef>
-          <a:effectRef idx="2">
-            <a:schemeClr val="dk1"/>
-          </a:effectRef>
-          <a:fontRef idx="minor">
-            <a:schemeClr val="tx1"/>
-          </a:fontRef>
-        </p:style>
-      </p:cxnSp>
-      <p:cxnSp>
-        <p:nvCxnSpPr>
-          <p:cNvPr id="54" name="Straight Arrow Connector 53"/>
-          <p:cNvCxnSpPr>
-            <a:stCxn id="17" idx="3"/>
-            <a:endCxn id="23" idx="1"/>
-          </p:cNvCxnSpPr>
+        </p:spPr>
+      </p:pic>
+      <p:pic>
+        <p:nvPicPr>
+          <p:cNvPr id="169" name="Picture 168"/>
+          <p:cNvPicPr>
+            <a:picLocks noChangeAspect="1"/>
+          </p:cNvPicPr>
           <p:nvPr/>
-        </p:nvCxnSpPr>
+        </p:nvPicPr>
+        <p:blipFill>
+          <a:blip r:embed="rId11"/>
+          <a:stretch>
+            <a:fillRect/>
+          </a:stretch>
+        </p:blipFill>
         <p:spPr>
           <a:xfrm>
-            <a:off x="5254977" y="4695050"/>
-            <a:ext cx="649112" cy="0"/>
-          </a:xfrm>
-          <a:prstGeom prst="straightConnector1">
+            <a:off x="2596822" y="5326386"/>
+            <a:ext cx="495300" cy="381000"/>
+          </a:xfrm>
+          <a:prstGeom prst="rect">
             <a:avLst/>
           </a:prstGeom>
-          <a:ln>
-            <a:solidFill>
-              <a:schemeClr val="tx1">
-                <a:lumMod val="95000"/>
-                <a:lumOff val="5000"/>
-              </a:schemeClr>
-            </a:solidFill>
-            <a:headEnd type="triangle"/>
-            <a:tailEnd type="triangle"/>
-          </a:ln>
-        </p:spPr>
-        <p:style>
-          <a:lnRef idx="3">
-            <a:schemeClr val="dk1"/>
-          </a:lnRef>
-          <a:fillRef idx="0">
-            <a:schemeClr val="dk1"/>
-          </a:fillRef>
-          <a:effectRef idx="2">
-            <a:schemeClr val="dk1"/>
-          </a:effectRef>
-          <a:fontRef idx="minor">
-            <a:schemeClr val="tx1"/>
-          </a:fontRef>
-        </p:style>
-      </p:cxnSp>
+        </p:spPr>
+      </p:pic>
+      <p:pic>
+        <p:nvPicPr>
+          <p:cNvPr id="170" name="Picture 169"/>
+          <p:cNvPicPr>
+            <a:picLocks noChangeAspect="1"/>
+          </p:cNvPicPr>
+          <p:nvPr/>
+        </p:nvPicPr>
+        <p:blipFill>
+          <a:blip r:embed="rId13"/>
+          <a:stretch>
+            <a:fillRect/>
+          </a:stretch>
+        </p:blipFill>
+        <p:spPr>
+          <a:xfrm>
+            <a:off x="7523137" y="3004232"/>
+            <a:ext cx="482600" cy="381000"/>
+          </a:xfrm>
+          <a:prstGeom prst="rect">
+            <a:avLst/>
+          </a:prstGeom>
+        </p:spPr>
+      </p:pic>
+      <p:pic>
+        <p:nvPicPr>
+          <p:cNvPr id="171" name="Picture 170"/>
+          <p:cNvPicPr>
+            <a:picLocks noChangeAspect="1"/>
+          </p:cNvPicPr>
+          <p:nvPr/>
+        </p:nvPicPr>
+        <p:blipFill>
+          <a:blip r:embed="rId13"/>
+          <a:stretch>
+            <a:fillRect/>
+          </a:stretch>
+        </p:blipFill>
+        <p:spPr>
+          <a:xfrm>
+            <a:off x="7513928" y="3793312"/>
+            <a:ext cx="482600" cy="381000"/>
+          </a:xfrm>
+          <a:prstGeom prst="rect">
+            <a:avLst/>
+          </a:prstGeom>
+        </p:spPr>
+      </p:pic>
+      <p:pic>
+        <p:nvPicPr>
+          <p:cNvPr id="172" name="Picture 171"/>
+          <p:cNvPicPr>
+            <a:picLocks noChangeAspect="1"/>
+          </p:cNvPicPr>
+          <p:nvPr/>
+        </p:nvPicPr>
+        <p:blipFill>
+          <a:blip r:embed="rId13"/>
+          <a:stretch>
+            <a:fillRect/>
+          </a:stretch>
+        </p:blipFill>
+        <p:spPr>
+          <a:xfrm>
+            <a:off x="7502498" y="4560819"/>
+            <a:ext cx="482600" cy="381000"/>
+          </a:xfrm>
+          <a:prstGeom prst="rect">
+            <a:avLst/>
+          </a:prstGeom>
+        </p:spPr>
+      </p:pic>
+      <p:pic>
+        <p:nvPicPr>
+          <p:cNvPr id="173" name="Picture 172"/>
+          <p:cNvPicPr>
+            <a:picLocks noChangeAspect="1"/>
+          </p:cNvPicPr>
+          <p:nvPr/>
+        </p:nvPicPr>
+        <p:blipFill>
+          <a:blip r:embed="rId10"/>
+          <a:stretch>
+            <a:fillRect/>
+          </a:stretch>
+        </p:blipFill>
+        <p:spPr>
+          <a:xfrm>
+            <a:off x="7496491" y="5327419"/>
+            <a:ext cx="482600" cy="381000"/>
+          </a:xfrm>
+          <a:prstGeom prst="rect">
+            <a:avLst/>
+          </a:prstGeom>
+        </p:spPr>
+      </p:pic>
+      <p:pic>
+        <p:nvPicPr>
+          <p:cNvPr id="174" name="Picture 173"/>
+          <p:cNvPicPr>
+            <a:picLocks noChangeAspect="1"/>
+          </p:cNvPicPr>
+          <p:nvPr/>
+        </p:nvPicPr>
+        <p:blipFill>
+          <a:blip r:embed="rId5"/>
+          <a:stretch>
+            <a:fillRect/>
+          </a:stretch>
+        </p:blipFill>
+        <p:spPr>
+          <a:xfrm>
+            <a:off x="4431229" y="3776413"/>
+            <a:ext cx="482600" cy="381000"/>
+          </a:xfrm>
+          <a:prstGeom prst="rect">
+            <a:avLst/>
+          </a:prstGeom>
+        </p:spPr>
+      </p:pic>
+      <p:pic>
+        <p:nvPicPr>
+          <p:cNvPr id="175" name="Picture 174"/>
+          <p:cNvPicPr>
+            <a:picLocks noChangeAspect="1"/>
+          </p:cNvPicPr>
+          <p:nvPr/>
+        </p:nvPicPr>
+        <p:blipFill>
+          <a:blip r:embed="rId5"/>
+          <a:stretch>
+            <a:fillRect/>
+          </a:stretch>
+        </p:blipFill>
+        <p:spPr>
+          <a:xfrm>
+            <a:off x="4431229" y="4557101"/>
+            <a:ext cx="482600" cy="381000"/>
+          </a:xfrm>
+          <a:prstGeom prst="rect">
+            <a:avLst/>
+          </a:prstGeom>
+        </p:spPr>
+      </p:pic>
+      <p:pic>
+        <p:nvPicPr>
+          <p:cNvPr id="176" name="Picture 175"/>
+          <p:cNvPicPr>
+            <a:picLocks noChangeAspect="1"/>
+          </p:cNvPicPr>
+          <p:nvPr/>
+        </p:nvPicPr>
+        <p:blipFill>
+          <a:blip r:embed="rId5"/>
+          <a:stretch>
+            <a:fillRect/>
+          </a:stretch>
+        </p:blipFill>
+        <p:spPr>
+          <a:xfrm>
+            <a:off x="4407652" y="5326386"/>
+            <a:ext cx="482600" cy="381000"/>
+          </a:xfrm>
+          <a:prstGeom prst="rect">
+            <a:avLst/>
+          </a:prstGeom>
+        </p:spPr>
+      </p:pic>
+      <p:pic>
+        <p:nvPicPr>
+          <p:cNvPr id="177" name="Picture 176"/>
+          <p:cNvPicPr>
+            <a:picLocks noChangeAspect="1"/>
+          </p:cNvPicPr>
+          <p:nvPr/>
+        </p:nvPicPr>
+        <p:blipFill>
+          <a:blip r:embed="rId5"/>
+          <a:stretch>
+            <a:fillRect/>
+          </a:stretch>
+        </p:blipFill>
+        <p:spPr>
+          <a:xfrm>
+            <a:off x="6867973" y="5317202"/>
+            <a:ext cx="482600" cy="381000"/>
+          </a:xfrm>
+          <a:prstGeom prst="rect">
+            <a:avLst/>
+          </a:prstGeom>
+        </p:spPr>
+      </p:pic>
     </p:spTree>
     <p:extLst>
       <p:ext uri="{BB962C8B-B14F-4D97-AF65-F5344CB8AC3E}">

--- a/Paper/tv_topo/JDSMC/figures/fifo.pptx
+++ b/Paper/tv_topo/JDSMC/figures/fifo.pptx
@@ -254,7 +254,7 @@
           <a:p>
             <a:fld id="{C19B0473-FC2E-AF41-B42D-4FCAC26A9EB6}" type="datetimeFigureOut">
               <a:rPr lang="en-US" smtClean="0"/>
-              <a:t>2/7/17</a:t>
+              <a:t>2/9/17</a:t>
             </a:fld>
             <a:endParaRPr lang="en-US"/>
           </a:p>
@@ -424,7 +424,7 @@
           <a:p>
             <a:fld id="{C19B0473-FC2E-AF41-B42D-4FCAC26A9EB6}" type="datetimeFigureOut">
               <a:rPr lang="en-US" smtClean="0"/>
-              <a:t>2/7/17</a:t>
+              <a:t>2/9/17</a:t>
             </a:fld>
             <a:endParaRPr lang="en-US"/>
           </a:p>
@@ -604,7 +604,7 @@
           <a:p>
             <a:fld id="{C19B0473-FC2E-AF41-B42D-4FCAC26A9EB6}" type="datetimeFigureOut">
               <a:rPr lang="en-US" smtClean="0"/>
-              <a:t>2/7/17</a:t>
+              <a:t>2/9/17</a:t>
             </a:fld>
             <a:endParaRPr lang="en-US"/>
           </a:p>
@@ -774,7 +774,7 @@
           <a:p>
             <a:fld id="{C19B0473-FC2E-AF41-B42D-4FCAC26A9EB6}" type="datetimeFigureOut">
               <a:rPr lang="en-US" smtClean="0"/>
-              <a:t>2/7/17</a:t>
+              <a:t>2/9/17</a:t>
             </a:fld>
             <a:endParaRPr lang="en-US"/>
           </a:p>
@@ -1018,7 +1018,7 @@
           <a:p>
             <a:fld id="{C19B0473-FC2E-AF41-B42D-4FCAC26A9EB6}" type="datetimeFigureOut">
               <a:rPr lang="en-US" smtClean="0"/>
-              <a:t>2/7/17</a:t>
+              <a:t>2/9/17</a:t>
             </a:fld>
             <a:endParaRPr lang="en-US"/>
           </a:p>
@@ -1250,7 +1250,7 @@
           <a:p>
             <a:fld id="{C19B0473-FC2E-AF41-B42D-4FCAC26A9EB6}" type="datetimeFigureOut">
               <a:rPr lang="en-US" smtClean="0"/>
-              <a:t>2/7/17</a:t>
+              <a:t>2/9/17</a:t>
             </a:fld>
             <a:endParaRPr lang="en-US"/>
           </a:p>
@@ -1617,7 +1617,7 @@
           <a:p>
             <a:fld id="{C19B0473-FC2E-AF41-B42D-4FCAC26A9EB6}" type="datetimeFigureOut">
               <a:rPr lang="en-US" smtClean="0"/>
-              <a:t>2/7/17</a:t>
+              <a:t>2/9/17</a:t>
             </a:fld>
             <a:endParaRPr lang="en-US"/>
           </a:p>
@@ -1735,7 +1735,7 @@
           <a:p>
             <a:fld id="{C19B0473-FC2E-AF41-B42D-4FCAC26A9EB6}" type="datetimeFigureOut">
               <a:rPr lang="en-US" smtClean="0"/>
-              <a:t>2/7/17</a:t>
+              <a:t>2/9/17</a:t>
             </a:fld>
             <a:endParaRPr lang="en-US"/>
           </a:p>
@@ -1830,7 +1830,7 @@
           <a:p>
             <a:fld id="{C19B0473-FC2E-AF41-B42D-4FCAC26A9EB6}" type="datetimeFigureOut">
               <a:rPr lang="en-US" smtClean="0"/>
-              <a:t>2/7/17</a:t>
+              <a:t>2/9/17</a:t>
             </a:fld>
             <a:endParaRPr lang="en-US"/>
           </a:p>
@@ -2107,7 +2107,7 @@
           <a:p>
             <a:fld id="{C19B0473-FC2E-AF41-B42D-4FCAC26A9EB6}" type="datetimeFigureOut">
               <a:rPr lang="en-US" smtClean="0"/>
-              <a:t>2/7/17</a:t>
+              <a:t>2/9/17</a:t>
             </a:fld>
             <a:endParaRPr lang="en-US"/>
           </a:p>
@@ -2364,7 +2364,7 @@
           <a:p>
             <a:fld id="{C19B0473-FC2E-AF41-B42D-4FCAC26A9EB6}" type="datetimeFigureOut">
               <a:rPr lang="en-US" smtClean="0"/>
-              <a:t>2/7/17</a:t>
+              <a:t>2/9/17</a:t>
             </a:fld>
             <a:endParaRPr lang="en-US"/>
           </a:p>
@@ -2577,7 +2577,7 @@
           <a:p>
             <a:fld id="{C19B0473-FC2E-AF41-B42D-4FCAC26A9EB6}" type="datetimeFigureOut">
               <a:rPr lang="en-US" smtClean="0"/>
-              <a:t>2/7/17</a:t>
+              <a:t>2/9/17</a:t>
             </a:fld>
             <a:endParaRPr lang="en-US"/>
           </a:p>
@@ -7256,8 +7256,8 @@
         </p:nvCxnSpPr>
         <p:spPr>
           <a:xfrm flipH="1">
-            <a:off x="3811601" y="1125403"/>
-            <a:ext cx="499847" cy="305954"/>
+            <a:off x="3791781" y="1125403"/>
+            <a:ext cx="519668" cy="316247"/>
           </a:xfrm>
           <a:prstGeom prst="straightConnector1">
             <a:avLst/>
@@ -7289,8 +7289,8 @@
         </p:nvCxnSpPr>
         <p:spPr>
           <a:xfrm flipH="1">
-            <a:off x="3811601" y="1876254"/>
-            <a:ext cx="507336" cy="327125"/>
+            <a:off x="3791781" y="1876254"/>
+            <a:ext cx="527156" cy="332475"/>
           </a:xfrm>
           <a:prstGeom prst="straightConnector1">
             <a:avLst/>
@@ -7388,8 +7388,8 @@
         </p:nvCxnSpPr>
         <p:spPr>
           <a:xfrm>
-            <a:off x="3817938" y="3424341"/>
-            <a:ext cx="487172" cy="333422"/>
+            <a:off x="3791781" y="3431031"/>
+            <a:ext cx="513329" cy="326732"/>
           </a:xfrm>
           <a:prstGeom prst="straightConnector1">
             <a:avLst/>
@@ -7421,8 +7421,8 @@
         </p:nvCxnSpPr>
         <p:spPr>
           <a:xfrm flipH="1">
-            <a:off x="3810662" y="4207225"/>
-            <a:ext cx="522084" cy="321644"/>
+            <a:off x="3791781" y="4207225"/>
+            <a:ext cx="540965" cy="327658"/>
           </a:xfrm>
           <a:prstGeom prst="straightConnector1">
             <a:avLst/>
@@ -7454,8 +7454,8 @@
         </p:nvCxnSpPr>
         <p:spPr>
           <a:xfrm>
-            <a:off x="6223413" y="4964317"/>
-            <a:ext cx="573032" cy="339141"/>
+            <a:off x="6248606" y="4206213"/>
+            <a:ext cx="546005" cy="328670"/>
           </a:xfrm>
           <a:prstGeom prst="straightConnector1">
             <a:avLst/>
@@ -8186,30 +8186,6 @@
         <p:spPr>
           <a:xfrm>
             <a:off x="6915320" y="3859963"/>
-            <a:ext cx="279400" cy="254000"/>
-          </a:xfrm>
-          <a:prstGeom prst="rect">
-            <a:avLst/>
-          </a:prstGeom>
-        </p:spPr>
-      </p:pic>
-      <p:pic>
-        <p:nvPicPr>
-          <p:cNvPr id="128" name="Picture 127"/>
-          <p:cNvPicPr>
-            <a:picLocks noChangeAspect="1"/>
-          </p:cNvPicPr>
-          <p:nvPr/>
-        </p:nvPicPr>
-        <p:blipFill>
-          <a:blip r:embed="rId4"/>
-          <a:stretch>
-            <a:fillRect/>
-          </a:stretch>
-        </p:blipFill>
-        <p:spPr>
-          <a:xfrm>
-            <a:off x="6907279" y="4620601"/>
             <a:ext cx="279400" cy="254000"/>
           </a:xfrm>
           <a:prstGeom prst="rect">
@@ -9431,30 +9407,6 @@
       </p:pic>
       <p:pic>
         <p:nvPicPr>
-          <p:cNvPr id="167" name="Picture 166"/>
-          <p:cNvPicPr>
-            <a:picLocks noChangeAspect="1"/>
-          </p:cNvPicPr>
-          <p:nvPr/>
-        </p:nvPicPr>
-        <p:blipFill>
-          <a:blip r:embed="rId17"/>
-          <a:stretch>
-            <a:fillRect/>
-          </a:stretch>
-        </p:blipFill>
-        <p:spPr>
-          <a:xfrm>
-            <a:off x="3250369" y="5317202"/>
-            <a:ext cx="482600" cy="381000"/>
-          </a:xfrm>
-          <a:prstGeom prst="rect">
-            <a:avLst/>
-          </a:prstGeom>
-        </p:spPr>
-      </p:pic>
-      <p:pic>
-        <p:nvPicPr>
           <p:cNvPr id="168" name="Picture 167"/>
           <p:cNvPicPr>
             <a:picLocks noChangeAspect="1"/>
@@ -9551,54 +9503,6 @@
       </p:pic>
       <p:pic>
         <p:nvPicPr>
-          <p:cNvPr id="172" name="Picture 171"/>
-          <p:cNvPicPr>
-            <a:picLocks noChangeAspect="1"/>
-          </p:cNvPicPr>
-          <p:nvPr/>
-        </p:nvPicPr>
-        <p:blipFill>
-          <a:blip r:embed="rId13"/>
-          <a:stretch>
-            <a:fillRect/>
-          </a:stretch>
-        </p:blipFill>
-        <p:spPr>
-          <a:xfrm>
-            <a:off x="7502498" y="4560819"/>
-            <a:ext cx="482600" cy="381000"/>
-          </a:xfrm>
-          <a:prstGeom prst="rect">
-            <a:avLst/>
-          </a:prstGeom>
-        </p:spPr>
-      </p:pic>
-      <p:pic>
-        <p:nvPicPr>
-          <p:cNvPr id="173" name="Picture 172"/>
-          <p:cNvPicPr>
-            <a:picLocks noChangeAspect="1"/>
-          </p:cNvPicPr>
-          <p:nvPr/>
-        </p:nvPicPr>
-        <p:blipFill>
-          <a:blip r:embed="rId10"/>
-          <a:stretch>
-            <a:fillRect/>
-          </a:stretch>
-        </p:blipFill>
-        <p:spPr>
-          <a:xfrm>
-            <a:off x="7496491" y="5327419"/>
-            <a:ext cx="482600" cy="381000"/>
-          </a:xfrm>
-          <a:prstGeom prst="rect">
-            <a:avLst/>
-          </a:prstGeom>
-        </p:spPr>
-      </p:pic>
-      <p:pic>
-        <p:nvPicPr>
           <p:cNvPr id="174" name="Picture 173"/>
           <p:cNvPicPr>
             <a:picLocks noChangeAspect="1"/>
@@ -9669,9 +9573,263 @@
           </a:prstGeom>
         </p:spPr>
       </p:pic>
+      <p:sp>
+        <p:nvSpPr>
+          <p:cNvPr id="30" name="Freeform 29"/>
+          <p:cNvSpPr/>
+          <p:nvPr/>
+        </p:nvSpPr>
+        <p:spPr>
+          <a:xfrm>
+            <a:off x="3792000" y="4962525"/>
+            <a:ext cx="3010245" cy="323153"/>
+          </a:xfrm>
+          <a:custGeom>
+            <a:avLst/>
+            <a:gdLst>
+              <a:gd name="connsiteX0" fmla="*/ 241 w 2988768"/>
+              <a:gd name="connsiteY0" fmla="*/ 0 h 301083"/>
+              <a:gd name="connsiteX1" fmla="*/ 435139 w 2988768"/>
+              <a:gd name="connsiteY1" fmla="*/ 167268 h 301083"/>
+              <a:gd name="connsiteX2" fmla="*/ 2631929 w 2988768"/>
+              <a:gd name="connsiteY2" fmla="*/ 156117 h 301083"/>
+              <a:gd name="connsiteX3" fmla="*/ 2988768 w 2988768"/>
+              <a:gd name="connsiteY3" fmla="*/ 301083 h 301083"/>
+              <a:gd name="connsiteX0" fmla="*/ 26 w 2988553"/>
+              <a:gd name="connsiteY0" fmla="*/ 0 h 301083"/>
+              <a:gd name="connsiteX1" fmla="*/ 534562 w 2988553"/>
+              <a:gd name="connsiteY1" fmla="*/ 136099 h 301083"/>
+              <a:gd name="connsiteX2" fmla="*/ 2631714 w 2988553"/>
+              <a:gd name="connsiteY2" fmla="*/ 156117 h 301083"/>
+              <a:gd name="connsiteX3" fmla="*/ 2988553 w 2988553"/>
+              <a:gd name="connsiteY3" fmla="*/ 301083 h 301083"/>
+              <a:gd name="connsiteX0" fmla="*/ 25 w 2988552"/>
+              <a:gd name="connsiteY0" fmla="*/ 0 h 301083"/>
+              <a:gd name="connsiteX1" fmla="*/ 534561 w 2988552"/>
+              <a:gd name="connsiteY1" fmla="*/ 136099 h 301083"/>
+              <a:gd name="connsiteX2" fmla="*/ 2587430 w 2988552"/>
+              <a:gd name="connsiteY2" fmla="*/ 218455 h 301083"/>
+              <a:gd name="connsiteX3" fmla="*/ 2988552 w 2988552"/>
+              <a:gd name="connsiteY3" fmla="*/ 301083 h 301083"/>
+            </a:gdLst>
+            <a:ahLst/>
+            <a:cxnLst>
+              <a:cxn ang="0">
+                <a:pos x="connsiteX0" y="connsiteY0"/>
+              </a:cxn>
+              <a:cxn ang="0">
+                <a:pos x="connsiteX1" y="connsiteY1"/>
+              </a:cxn>
+              <a:cxn ang="0">
+                <a:pos x="connsiteX2" y="connsiteY2"/>
+              </a:cxn>
+              <a:cxn ang="0">
+                <a:pos x="connsiteX3" y="connsiteY3"/>
+              </a:cxn>
+            </a:cxnLst>
+            <a:rect l="l" t="t" r="r" b="b"/>
+            <a:pathLst>
+              <a:path w="2988552" h="301083">
+                <a:moveTo>
+                  <a:pt x="25" y="0"/>
+                </a:moveTo>
+                <a:cubicBezTo>
+                  <a:pt x="-1834" y="70624"/>
+                  <a:pt x="103327" y="99690"/>
+                  <a:pt x="534561" y="136099"/>
+                </a:cubicBezTo>
+                <a:cubicBezTo>
+                  <a:pt x="965795" y="172508"/>
+                  <a:pt x="2178432" y="190958"/>
+                  <a:pt x="2587430" y="218455"/>
+                </a:cubicBezTo>
+                <a:cubicBezTo>
+                  <a:pt x="2996428" y="245952"/>
+                  <a:pt x="2940230" y="284356"/>
+                  <a:pt x="2988552" y="301083"/>
+                </a:cubicBezTo>
+              </a:path>
+            </a:pathLst>
+          </a:custGeom>
+          <a:noFill/>
+          <a:ln w="25400">
+            <a:solidFill>
+              <a:schemeClr val="tx1"/>
+            </a:solidFill>
+            <a:tailEnd type="arrow"/>
+          </a:ln>
+        </p:spPr>
+        <p:style>
+          <a:lnRef idx="2">
+            <a:schemeClr val="accent1">
+              <a:shade val="50000"/>
+            </a:schemeClr>
+          </a:lnRef>
+          <a:fillRef idx="1">
+            <a:schemeClr val="accent1"/>
+          </a:fillRef>
+          <a:effectRef idx="0">
+            <a:schemeClr val="accent1"/>
+          </a:effectRef>
+          <a:fontRef idx="minor">
+            <a:schemeClr val="lt1"/>
+          </a:fontRef>
+        </p:style>
+        <p:txBody>
+          <a:bodyPr rtlCol="0" anchor="ctr"/>
+          <a:lstStyle/>
+          <a:p>
+            <a:pPr algn="ctr"/>
+            <a:endParaRPr lang="en-US"/>
+          </a:p>
+        </p:txBody>
+      </p:sp>
+      <p:sp>
+        <p:nvSpPr>
+          <p:cNvPr id="134" name="Freeform 133"/>
+          <p:cNvSpPr/>
+          <p:nvPr/>
+        </p:nvSpPr>
+        <p:spPr>
+          <a:xfrm flipH="1">
+            <a:off x="3766336" y="4991439"/>
+            <a:ext cx="3010224" cy="323153"/>
+          </a:xfrm>
+          <a:custGeom>
+            <a:avLst/>
+            <a:gdLst>
+              <a:gd name="connsiteX0" fmla="*/ 241 w 2988768"/>
+              <a:gd name="connsiteY0" fmla="*/ 0 h 301083"/>
+              <a:gd name="connsiteX1" fmla="*/ 435139 w 2988768"/>
+              <a:gd name="connsiteY1" fmla="*/ 167268 h 301083"/>
+              <a:gd name="connsiteX2" fmla="*/ 2631929 w 2988768"/>
+              <a:gd name="connsiteY2" fmla="*/ 156117 h 301083"/>
+              <a:gd name="connsiteX3" fmla="*/ 2988768 w 2988768"/>
+              <a:gd name="connsiteY3" fmla="*/ 301083 h 301083"/>
+              <a:gd name="connsiteX0" fmla="*/ 4 w 2988531"/>
+              <a:gd name="connsiteY0" fmla="*/ 0 h 301083"/>
+              <a:gd name="connsiteX1" fmla="*/ 1099154 w 2988531"/>
+              <a:gd name="connsiteY1" fmla="*/ 208827 h 301083"/>
+              <a:gd name="connsiteX2" fmla="*/ 2631692 w 2988531"/>
+              <a:gd name="connsiteY2" fmla="*/ 156117 h 301083"/>
+              <a:gd name="connsiteX3" fmla="*/ 2988531 w 2988531"/>
+              <a:gd name="connsiteY3" fmla="*/ 301083 h 301083"/>
+              <a:gd name="connsiteX0" fmla="*/ 4 w 2988531"/>
+              <a:gd name="connsiteY0" fmla="*/ 0 h 301083"/>
+              <a:gd name="connsiteX1" fmla="*/ 1099154 w 2988531"/>
+              <a:gd name="connsiteY1" fmla="*/ 208827 h 301083"/>
+              <a:gd name="connsiteX2" fmla="*/ 2543125 w 2988531"/>
+              <a:gd name="connsiteY2" fmla="*/ 197676 h 301083"/>
+              <a:gd name="connsiteX3" fmla="*/ 2988531 w 2988531"/>
+              <a:gd name="connsiteY3" fmla="*/ 301083 h 301083"/>
+              <a:gd name="connsiteX0" fmla="*/ 4 w 2988531"/>
+              <a:gd name="connsiteY0" fmla="*/ 0 h 301083"/>
+              <a:gd name="connsiteX1" fmla="*/ 1276288 w 2988531"/>
+              <a:gd name="connsiteY1" fmla="*/ 136099 h 301083"/>
+              <a:gd name="connsiteX2" fmla="*/ 2543125 w 2988531"/>
+              <a:gd name="connsiteY2" fmla="*/ 197676 h 301083"/>
+              <a:gd name="connsiteX3" fmla="*/ 2988531 w 2988531"/>
+              <a:gd name="connsiteY3" fmla="*/ 301083 h 301083"/>
+            </a:gdLst>
+            <a:ahLst/>
+            <a:cxnLst>
+              <a:cxn ang="0">
+                <a:pos x="connsiteX0" y="connsiteY0"/>
+              </a:cxn>
+              <a:cxn ang="0">
+                <a:pos x="connsiteX1" y="connsiteY1"/>
+              </a:cxn>
+              <a:cxn ang="0">
+                <a:pos x="connsiteX2" y="connsiteY2"/>
+              </a:cxn>
+              <a:cxn ang="0">
+                <a:pos x="connsiteX3" y="connsiteY3"/>
+              </a:cxn>
+            </a:cxnLst>
+            <a:rect l="l" t="t" r="r" b="b"/>
+            <a:pathLst>
+              <a:path w="2988531" h="301083">
+                <a:moveTo>
+                  <a:pt x="4" y="0"/>
+                </a:moveTo>
+                <a:cubicBezTo>
+                  <a:pt x="-1855" y="70624"/>
+                  <a:pt x="852435" y="103153"/>
+                  <a:pt x="1276288" y="136099"/>
+                </a:cubicBezTo>
+                <a:cubicBezTo>
+                  <a:pt x="1700141" y="169045"/>
+                  <a:pt x="2257751" y="170179"/>
+                  <a:pt x="2543125" y="197676"/>
+                </a:cubicBezTo>
+                <a:cubicBezTo>
+                  <a:pt x="2828499" y="225173"/>
+                  <a:pt x="2940209" y="284356"/>
+                  <a:pt x="2988531" y="301083"/>
+                </a:cubicBezTo>
+              </a:path>
+            </a:pathLst>
+          </a:custGeom>
+          <a:noFill/>
+          <a:ln w="25400">
+            <a:solidFill>
+              <a:schemeClr val="tx1"/>
+            </a:solidFill>
+            <a:tailEnd type="arrow"/>
+          </a:ln>
+        </p:spPr>
+        <p:style>
+          <a:lnRef idx="2">
+            <a:schemeClr val="accent1">
+              <a:shade val="50000"/>
+            </a:schemeClr>
+          </a:lnRef>
+          <a:fillRef idx="1">
+            <a:schemeClr val="accent1"/>
+          </a:fillRef>
+          <a:effectRef idx="0">
+            <a:schemeClr val="accent1"/>
+          </a:effectRef>
+          <a:fontRef idx="minor">
+            <a:schemeClr val="lt1"/>
+          </a:fontRef>
+        </p:style>
+        <p:txBody>
+          <a:bodyPr rtlCol="0" anchor="ctr"/>
+          <a:lstStyle/>
+          <a:p>
+            <a:pPr algn="ctr"/>
+            <a:endParaRPr lang="en-US"/>
+          </a:p>
+        </p:txBody>
+      </p:sp>
       <p:pic>
         <p:nvPicPr>
-          <p:cNvPr id="177" name="Picture 176"/>
+          <p:cNvPr id="135" name="Picture 134"/>
+          <p:cNvPicPr>
+            <a:picLocks noChangeAspect="1"/>
+          </p:cNvPicPr>
+          <p:nvPr/>
+        </p:nvPicPr>
+        <p:blipFill>
+          <a:blip r:embed="rId11"/>
+          <a:stretch>
+            <a:fillRect/>
+          </a:stretch>
+        </p:blipFill>
+        <p:spPr>
+          <a:xfrm>
+            <a:off x="7490141" y="4554173"/>
+            <a:ext cx="495300" cy="381000"/>
+          </a:xfrm>
+          <a:prstGeom prst="rect">
+            <a:avLst/>
+          </a:prstGeom>
+        </p:spPr>
+      </p:pic>
+      <p:pic>
+        <p:nvPicPr>
+          <p:cNvPr id="137" name="Picture 136"/>
           <p:cNvPicPr>
             <a:picLocks noChangeAspect="1"/>
           </p:cNvPicPr>
@@ -9685,8 +9843,80 @@
         </p:blipFill>
         <p:spPr>
           <a:xfrm>
-            <a:off x="6867973" y="5317202"/>
+            <a:off x="6867973" y="4556005"/>
             <a:ext cx="482600" cy="381000"/>
+          </a:xfrm>
+          <a:prstGeom prst="rect">
+            <a:avLst/>
+          </a:prstGeom>
+        </p:spPr>
+      </p:pic>
+      <p:pic>
+        <p:nvPicPr>
+          <p:cNvPr id="142" name="Picture 141"/>
+          <p:cNvPicPr>
+            <a:picLocks noChangeAspect="1"/>
+          </p:cNvPicPr>
+          <p:nvPr/>
+        </p:nvPicPr>
+        <p:blipFill>
+          <a:blip r:embed="rId19"/>
+          <a:stretch>
+            <a:fillRect/>
+          </a:stretch>
+        </p:blipFill>
+        <p:spPr>
+          <a:xfrm>
+            <a:off x="3251304" y="5338774"/>
+            <a:ext cx="482600" cy="381000"/>
+          </a:xfrm>
+          <a:prstGeom prst="rect">
+            <a:avLst/>
+          </a:prstGeom>
+        </p:spPr>
+      </p:pic>
+      <p:pic>
+        <p:nvPicPr>
+          <p:cNvPr id="143" name="Picture 142"/>
+          <p:cNvPicPr>
+            <a:picLocks noChangeAspect="1"/>
+          </p:cNvPicPr>
+          <p:nvPr/>
+        </p:nvPicPr>
+        <p:blipFill>
+          <a:blip r:embed="rId7"/>
+          <a:stretch>
+            <a:fillRect/>
+          </a:stretch>
+        </p:blipFill>
+        <p:spPr>
+          <a:xfrm>
+            <a:off x="6866759" y="5326386"/>
+            <a:ext cx="482600" cy="381000"/>
+          </a:xfrm>
+          <a:prstGeom prst="rect">
+            <a:avLst/>
+          </a:prstGeom>
+        </p:spPr>
+      </p:pic>
+      <p:pic>
+        <p:nvPicPr>
+          <p:cNvPr id="178" name="Picture 177"/>
+          <p:cNvPicPr>
+            <a:picLocks noChangeAspect="1"/>
+          </p:cNvPicPr>
+          <p:nvPr/>
+        </p:nvPicPr>
+        <p:blipFill>
+          <a:blip r:embed="rId11"/>
+          <a:stretch>
+            <a:fillRect/>
+          </a:stretch>
+        </p:blipFill>
+        <p:spPr>
+          <a:xfrm>
+            <a:off x="7493109" y="5334703"/>
+            <a:ext cx="495300" cy="381000"/>
           </a:xfrm>
           <a:prstGeom prst="rect">
             <a:avLst/>
